--- a/week5_ml_concepts.pptx
+++ b/week5_ml_concepts.pptx
@@ -6,18 +6,20 @@
   </p:sldMasterIdLst>
   <p:sldIdLst>
     <p:sldId id="256" r:id="rId3"/>
-    <p:sldId id="260" r:id="rId4"/>
-    <p:sldId id="363" r:id="rId5"/>
-    <p:sldId id="262" r:id="rId6"/>
-    <p:sldId id="291" r:id="rId7"/>
-    <p:sldId id="371" r:id="rId8"/>
-    <p:sldId id="295" r:id="rId9"/>
-    <p:sldId id="365" r:id="rId10"/>
-    <p:sldId id="366" r:id="rId11"/>
-    <p:sldId id="367" r:id="rId12"/>
-    <p:sldId id="368" r:id="rId13"/>
-    <p:sldId id="372" r:id="rId14"/>
-    <p:sldId id="370" r:id="rId15"/>
+    <p:sldId id="379" r:id="rId4"/>
+    <p:sldId id="260" r:id="rId5"/>
+    <p:sldId id="380" r:id="rId6"/>
+    <p:sldId id="363" r:id="rId7"/>
+    <p:sldId id="262" r:id="rId8"/>
+    <p:sldId id="291" r:id="rId9"/>
+    <p:sldId id="371" r:id="rId10"/>
+    <p:sldId id="295" r:id="rId11"/>
+    <p:sldId id="365" r:id="rId12"/>
+    <p:sldId id="366" r:id="rId13"/>
+    <p:sldId id="367" r:id="rId14"/>
+    <p:sldId id="368" r:id="rId15"/>
+    <p:sldId id="372" r:id="rId16"/>
+    <p:sldId id="370" r:id="rId17"/>
   </p:sldIdLst>
   <p:sldSz cx="12192000" cy="6858000"/>
   <p:notesSz cx="6858000" cy="9144000"/>
@@ -2977,7 +2979,7 @@
               </a:lnSpc>
             </a:pPr>
             <a:r>
-              <a:rPr lang="" altLang="en-US" b="1">
+              <a:rPr lang="en-US" altLang="en-US" b="1">
                 <a:solidFill>
                   <a:schemeClr val="tx1"/>
                 </a:solidFill>
@@ -2998,7 +3000,7 @@
               <a:t>机器学习</a:t>
             </a:r>
             <a:br>
-              <a:rPr lang="" altLang="en-US" b="1">
+              <a:rPr lang="en-US" altLang="en-US" b="1">
                 <a:solidFill>
                   <a:schemeClr val="tx1"/>
                 </a:solidFill>
@@ -3018,7 +3020,7 @@
               </a:rPr>
             </a:br>
             <a:r>
-              <a:rPr lang="" altLang="en-US" b="1">
+              <a:rPr lang="" altLang="en-US" sz="5400" b="1">
                 <a:solidFill>
                   <a:schemeClr val="tx1"/>
                 </a:solidFill>
@@ -3036,9 +3038,9 @@
                   </a:outerShdw>
                 </a:effectLst>
               </a:rPr>
-              <a:t>常用理念与概念</a:t>
-            </a:r>
-            <a:endParaRPr lang="" altLang="en-US" b="1">
+              <a:t>训练，测试，泛化，过拟合</a:t>
+            </a:r>
+            <a:endParaRPr lang="" altLang="en-US" sz="5400" b="1">
               <a:solidFill>
                 <a:schemeClr val="tx1"/>
               </a:solidFill>
@@ -3292,6 +3294,400 @@
 </file>
 
 <file path=ppt/slides/slide10.xml><?xml version="1.0" encoding="utf-8"?>
+<p:sld xmlns:a="http://schemas.openxmlformats.org/drawingml/2006/main" xmlns:r="http://schemas.openxmlformats.org/officeDocument/2006/relationships" xmlns:p="http://schemas.openxmlformats.org/presentationml/2006/main">
+  <p:cSld>
+    <p:spTree>
+      <p:nvGrpSpPr>
+        <p:cNvPr id="1" name=""/>
+        <p:cNvGrpSpPr/>
+        <p:nvPr/>
+      </p:nvGrpSpPr>
+      <p:grpSpPr/>
+      <p:sp>
+        <p:nvSpPr>
+          <p:cNvPr id="2" name="Title 1"/>
+          <p:cNvSpPr>
+            <a:spLocks noGrp="1"/>
+          </p:cNvSpPr>
+          <p:nvPr>
+            <p:ph type="title"/>
+          </p:nvPr>
+        </p:nvSpPr>
+        <p:spPr/>
+        <p:txBody>
+          <a:bodyPr/>
+          <a:p>
+            <a:r>
+              <a:rPr lang="en-US" altLang="en-US" b="1"/>
+              <a:t>什么是萼片...</a:t>
+            </a:r>
+            <a:endParaRPr lang="en-US" altLang="en-US" b="1"/>
+          </a:p>
+        </p:txBody>
+      </p:sp>
+      <p:sp>
+        <p:nvSpPr>
+          <p:cNvPr id="4" name="Text Box 3"/>
+          <p:cNvSpPr txBox="1"/>
+          <p:nvPr/>
+        </p:nvSpPr>
+        <p:spPr>
+          <a:xfrm>
+            <a:off x="1181100" y="5109210"/>
+            <a:ext cx="9131300" cy="1383665"/>
+          </a:xfrm>
+          <a:prstGeom prst="rect">
+            <a:avLst/>
+          </a:prstGeom>
+          <a:noFill/>
+        </p:spPr>
+        <p:txBody>
+          <a:bodyPr wrap="square" rtlCol="0" anchor="t">
+            <a:spAutoFit/>
+          </a:bodyPr>
+          <a:p>
+            <a:pPr algn="ctr"/>
+            <a:r>
+              <a:rPr lang="en-US" sz="2800" b="1"/>
+              <a:t>萼片是植物组织，指花的最外一环，能保护花蕾的内部。</a:t>
+            </a:r>
+            <a:endParaRPr lang="en-US" sz="2800" b="1"/>
+          </a:p>
+          <a:p>
+            <a:pPr algn="ctr"/>
+            <a:endParaRPr lang="en-US" sz="2800" b="1"/>
+          </a:p>
+          <a:p>
+            <a:pPr algn="ctr"/>
+            <a:r>
+              <a:rPr lang="en-US" sz="2800" b="1"/>
+              <a:t> 一环完整的萼片组成了花萼(calyx)。常为绿色。</a:t>
+            </a:r>
+            <a:endParaRPr lang="en-US" sz="2800" b="1"/>
+          </a:p>
+        </p:txBody>
+      </p:sp>
+      <p:pic>
+        <p:nvPicPr>
+          <p:cNvPr id="5" name="Picture 4"/>
+          <p:cNvPicPr>
+            <a:picLocks noChangeAspect="1"/>
+          </p:cNvPicPr>
+          <p:nvPr/>
+        </p:nvPicPr>
+        <p:blipFill>
+          <a:blip r:embed="rId1"/>
+          <a:stretch>
+            <a:fillRect/>
+          </a:stretch>
+        </p:blipFill>
+        <p:spPr>
+          <a:xfrm>
+            <a:off x="4340860" y="1309370"/>
+            <a:ext cx="3277870" cy="3400425"/>
+          </a:xfrm>
+          <a:prstGeom prst="rect">
+            <a:avLst/>
+          </a:prstGeom>
+        </p:spPr>
+      </p:pic>
+    </p:spTree>
+  </p:cSld>
+  <p:clrMapOvr>
+    <a:masterClrMapping/>
+  </p:clrMapOvr>
+</p:sld>
+</file>
+
+<file path=ppt/slides/slide11.xml><?xml version="1.0" encoding="utf-8"?>
+<p:sld xmlns:a="http://schemas.openxmlformats.org/drawingml/2006/main" xmlns:r="http://schemas.openxmlformats.org/officeDocument/2006/relationships" xmlns:p="http://schemas.openxmlformats.org/presentationml/2006/main">
+  <p:cSld>
+    <p:spTree>
+      <p:nvGrpSpPr>
+        <p:cNvPr id="1" name=""/>
+        <p:cNvGrpSpPr/>
+        <p:nvPr/>
+      </p:nvGrpSpPr>
+      <p:grpSpPr/>
+      <p:sp>
+        <p:nvSpPr>
+          <p:cNvPr id="2" name="Title 1"/>
+          <p:cNvSpPr>
+            <a:spLocks noGrp="1"/>
+          </p:cNvSpPr>
+          <p:nvPr>
+            <p:ph type="title"/>
+          </p:nvPr>
+        </p:nvSpPr>
+        <p:spPr/>
+        <p:txBody>
+          <a:bodyPr/>
+          <a:p>
+            <a:r>
+              <a:rPr lang="en-US" altLang="en-US"/>
+              <a:t>knn（</a:t>
+            </a:r>
+            <a:r>
+              <a:rPr lang="en-US">
+                <a:sym typeface="+mn-ea"/>
+              </a:rPr>
+              <a:t>K-Nearest Neighbours</a:t>
+            </a:r>
+            <a:r>
+              <a:rPr lang="en-US" altLang="en-US"/>
+              <a:t>）分类</a:t>
+            </a:r>
+            <a:endParaRPr lang="en-US" altLang="en-US"/>
+          </a:p>
+        </p:txBody>
+      </p:sp>
+      <p:sp>
+        <p:nvSpPr>
+          <p:cNvPr id="3" name="Content Placeholder 2"/>
+          <p:cNvSpPr>
+            <a:spLocks noGrp="1"/>
+          </p:cNvSpPr>
+          <p:nvPr>
+            <p:ph idx="1"/>
+          </p:nvPr>
+        </p:nvSpPr>
+        <p:spPr>
+          <a:xfrm>
+            <a:off x="838200" y="1825625"/>
+            <a:ext cx="5426710" cy="4874895"/>
+          </a:xfrm>
+        </p:spPr>
+        <p:txBody>
+          <a:bodyPr>
+            <a:normAutofit fontScale="90000"/>
+          </a:bodyPr>
+          <a:p>
+            <a:pPr marL="0" indent="0">
+              <a:lnSpc>
+                <a:spcPct val="150000"/>
+              </a:lnSpc>
+              <a:buNone/>
+            </a:pPr>
+            <a:r>
+              <a:rPr lang="en-US" sz="2400" b="1"/>
+              <a:t>K邻近算法是一个简单的，常被用于分类问题的算法</a:t>
+            </a:r>
+            <a:r>
+              <a:rPr lang="en-US" altLang="en-US" sz="2400" b="1"/>
+              <a:t>。是一种“懒算法”</a:t>
+            </a:r>
+            <a:r>
+              <a:rPr lang="en-US" sz="2400" b="1"/>
+              <a:t>。</a:t>
+            </a:r>
+            <a:endParaRPr lang="en-US" sz="2400"/>
+          </a:p>
+          <a:p>
+            <a:pPr marL="0" indent="0">
+              <a:lnSpc>
+                <a:spcPct val="150000"/>
+              </a:lnSpc>
+              <a:buNone/>
+            </a:pPr>
+            <a:r>
+              <a:rPr lang="en-US" altLang="en-US" sz="2400" b="1">
+                <a:solidFill>
+                  <a:srgbClr val="C00000"/>
+                </a:solidFill>
+              </a:rPr>
+              <a:t>如右图，已知有三类样本，在参数空间的分布为亮绿、绿、棕。现需确定灰色样本点应当分在哪一类？</a:t>
+            </a:r>
+            <a:endParaRPr lang="en-US" altLang="en-US" sz="2400"/>
+          </a:p>
+          <a:p>
+            <a:pPr marL="0" indent="0">
+              <a:lnSpc>
+                <a:spcPct val="150000"/>
+              </a:lnSpc>
+              <a:buNone/>
+            </a:pPr>
+            <a:r>
+              <a:rPr lang="en-US" altLang="en-US" sz="2400" b="1">
+                <a:solidFill>
+                  <a:srgbClr val="00B050"/>
+                </a:solidFill>
+              </a:rPr>
+              <a:t>算法寻找距离它最近的k个点。例如，k=3的情况下发现三个最近邻居里亮绿色的点最多（2个）。于是将它划分为亮绿。</a:t>
+            </a:r>
+            <a:endParaRPr lang="en-US" sz="2400"/>
+          </a:p>
+          <a:p>
+            <a:pPr marL="0" indent="0">
+              <a:lnSpc>
+                <a:spcPct val="150000"/>
+              </a:lnSpc>
+              <a:buNone/>
+            </a:pPr>
+            <a:endParaRPr lang="en-US" sz="2400"/>
+          </a:p>
+        </p:txBody>
+      </p:sp>
+      <p:pic>
+        <p:nvPicPr>
+          <p:cNvPr id="4" name="Picture 3"/>
+          <p:cNvPicPr>
+            <a:picLocks noChangeAspect="1"/>
+          </p:cNvPicPr>
+          <p:nvPr/>
+        </p:nvPicPr>
+        <p:blipFill>
+          <a:blip r:embed="rId1"/>
+          <a:stretch>
+            <a:fillRect/>
+          </a:stretch>
+        </p:blipFill>
+        <p:spPr>
+          <a:xfrm>
+            <a:off x="6461125" y="1307465"/>
+            <a:ext cx="5923280" cy="5883910"/>
+          </a:xfrm>
+          <a:prstGeom prst="rect">
+            <a:avLst/>
+          </a:prstGeom>
+        </p:spPr>
+      </p:pic>
+    </p:spTree>
+  </p:cSld>
+  <p:clrMapOvr>
+    <a:masterClrMapping/>
+  </p:clrMapOvr>
+  <p:timing>
+    <p:tnLst>
+      <p:par>
+        <p:cTn id="1" dur="indefinite" restart="never" nodeType="tmRoot">
+          <p:childTnLst>
+            <p:seq concurrent="1" nextAc="seek">
+              <p:cTn id="2" dur="indefinite" nodeType="mainSeq">
+                <p:childTnLst>
+                  <p:par>
+                    <p:cTn id="3" fill="hold">
+                      <p:stCondLst>
+                        <p:cond delay="indefinite"/>
+                      </p:stCondLst>
+                      <p:childTnLst>
+                        <p:par>
+                          <p:cTn id="4" fill="hold">
+                            <p:stCondLst>
+                              <p:cond delay="0"/>
+                            </p:stCondLst>
+                            <p:childTnLst>
+                              <p:par>
+                                <p:cTn id="5" presetID="1" presetClass="entr" presetSubtype="0" fill="hold" nodeType="clickEffect">
+                                  <p:stCondLst>
+                                    <p:cond delay="0"/>
+                                  </p:stCondLst>
+                                  <p:childTnLst>
+                                    <p:set>
+                                      <p:cBhvr>
+                                        <p:cTn id="6" dur="1" fill="hold">
+                                          <p:stCondLst>
+                                            <p:cond delay="0"/>
+                                          </p:stCondLst>
+                                        </p:cTn>
+                                        <p:tgtEl>
+                                          <p:spTgt spid="3">
+                                            <p:txEl>
+                                              <p:pRg st="1" end="1"/>
+                                            </p:txEl>
+                                          </p:spTgt>
+                                        </p:tgtEl>
+                                        <p:attrNameLst>
+                                          <p:attrName>style.visibility</p:attrName>
+                                        </p:attrNameLst>
+                                      </p:cBhvr>
+                                      <p:to>
+                                        <p:strVal val="visible"/>
+                                      </p:to>
+                                    </p:set>
+                                  </p:childTnLst>
+                                </p:cTn>
+                              </p:par>
+                            </p:childTnLst>
+                          </p:cTn>
+                        </p:par>
+                      </p:childTnLst>
+                    </p:cTn>
+                  </p:par>
+                  <p:par>
+                    <p:cTn id="7" fill="hold">
+                      <p:stCondLst>
+                        <p:cond delay="indefinite"/>
+                      </p:stCondLst>
+                      <p:childTnLst>
+                        <p:par>
+                          <p:cTn id="8" fill="hold">
+                            <p:stCondLst>
+                              <p:cond delay="0"/>
+                            </p:stCondLst>
+                            <p:childTnLst>
+                              <p:par>
+                                <p:cTn id="9" presetID="1" presetClass="entr" presetSubtype="0" fill="hold" nodeType="clickEffect">
+                                  <p:stCondLst>
+                                    <p:cond delay="0"/>
+                                  </p:stCondLst>
+                                  <p:childTnLst>
+                                    <p:set>
+                                      <p:cBhvr>
+                                        <p:cTn id="10" dur="1" fill="hold">
+                                          <p:stCondLst>
+                                            <p:cond delay="0"/>
+                                          </p:stCondLst>
+                                        </p:cTn>
+                                        <p:tgtEl>
+                                          <p:spTgt spid="3">
+                                            <p:txEl>
+                                              <p:pRg st="2" end="2"/>
+                                            </p:txEl>
+                                          </p:spTgt>
+                                        </p:tgtEl>
+                                        <p:attrNameLst>
+                                          <p:attrName>style.visibility</p:attrName>
+                                        </p:attrNameLst>
+                                      </p:cBhvr>
+                                      <p:to>
+                                        <p:strVal val="visible"/>
+                                      </p:to>
+                                    </p:set>
+                                  </p:childTnLst>
+                                </p:cTn>
+                              </p:par>
+                            </p:childTnLst>
+                          </p:cTn>
+                        </p:par>
+                      </p:childTnLst>
+                    </p:cTn>
+                  </p:par>
+                </p:childTnLst>
+              </p:cTn>
+              <p:prevCondLst>
+                <p:cond evt="onPrev" delay="0">
+                  <p:tgtEl>
+                    <p:sldTgt/>
+                  </p:tgtEl>
+                </p:cond>
+              </p:prevCondLst>
+              <p:nextCondLst>
+                <p:cond evt="onNext" delay="0">
+                  <p:tgtEl>
+                    <p:sldTgt/>
+                  </p:tgtEl>
+                </p:cond>
+              </p:nextCondLst>
+            </p:seq>
+          </p:childTnLst>
+        </p:cTn>
+      </p:par>
+    </p:tnLst>
+  </p:timing>
+</p:sld>
+</file>
+
+<file path=ppt/slides/slide12.xml><?xml version="1.0" encoding="utf-8"?>
 <p:sld xmlns:a="http://schemas.openxmlformats.org/drawingml/2006/main" xmlns:r="http://schemas.openxmlformats.org/officeDocument/2006/relationships" xmlns:p="http://schemas.openxmlformats.org/presentationml/2006/main">
   <p:cSld>
     <p:spTree>
@@ -3683,7 +4079,7 @@
 </p:sld>
 </file>
 
-<file path=ppt/slides/slide11.xml><?xml version="1.0" encoding="utf-8"?>
+<file path=ppt/slides/slide13.xml><?xml version="1.0" encoding="utf-8"?>
 <p:sld xmlns:a="http://schemas.openxmlformats.org/drawingml/2006/main" xmlns:r="http://schemas.openxmlformats.org/officeDocument/2006/relationships" xmlns:p="http://schemas.openxmlformats.org/presentationml/2006/main">
   <p:cSld>
     <p:spTree>
@@ -3972,7 +4368,7 @@
 </p:sld>
 </file>
 
-<file path=ppt/slides/slide12.xml><?xml version="1.0" encoding="utf-8"?>
+<file path=ppt/slides/slide14.xml><?xml version="1.0" encoding="utf-8"?>
 <p:sld xmlns:a="http://schemas.openxmlformats.org/drawingml/2006/main" xmlns:r="http://schemas.openxmlformats.org/officeDocument/2006/relationships" xmlns:p="http://schemas.openxmlformats.org/presentationml/2006/main">
   <p:cSld>
     <p:spTree>
@@ -4045,7 +4441,7 @@
 </p:sld>
 </file>
 
-<file path=ppt/slides/slide13.xml><?xml version="1.0" encoding="utf-8"?>
+<file path=ppt/slides/slide15.xml><?xml version="1.0" encoding="utf-8"?>
 <p:sld xmlns:a="http://schemas.openxmlformats.org/drawingml/2006/main" xmlns:r="http://schemas.openxmlformats.org/officeDocument/2006/relationships" xmlns:p="http://schemas.openxmlformats.org/presentationml/2006/main">
   <p:cSld>
     <p:spTree>
@@ -4387,9 +4783,800 @@
           <a:p>
             <a:r>
               <a:rPr lang="en-US" altLang="en-US" b="1"/>
-              <a:t>机器学习四大类问题</a:t>
+              <a:t>学习测试全过程</a:t>
             </a:r>
             <a:endParaRPr lang="en-US" altLang="en-US" b="1"/>
+          </a:p>
+        </p:txBody>
+      </p:sp>
+      <p:pic>
+        <p:nvPicPr>
+          <p:cNvPr id="5" name="Picture 4"/>
+          <p:cNvPicPr>
+            <a:picLocks noChangeAspect="1"/>
+          </p:cNvPicPr>
+          <p:nvPr/>
+        </p:nvPicPr>
+        <p:blipFill>
+          <a:blip r:embed="rId1"/>
+          <a:srcRect b="13688"/>
+          <a:stretch>
+            <a:fillRect/>
+          </a:stretch>
+        </p:blipFill>
+        <p:spPr>
+          <a:xfrm>
+            <a:off x="212725" y="4546600"/>
+            <a:ext cx="1786890" cy="1382395"/>
+          </a:xfrm>
+          <a:prstGeom prst="rect">
+            <a:avLst/>
+          </a:prstGeom>
+        </p:spPr>
+      </p:pic>
+      <p:sp>
+        <p:nvSpPr>
+          <p:cNvPr id="4" name="Text Box 3"/>
+          <p:cNvSpPr txBox="1"/>
+          <p:nvPr/>
+        </p:nvSpPr>
+        <p:spPr>
+          <a:xfrm>
+            <a:off x="122873" y="5959475"/>
+            <a:ext cx="1965325" cy="891540"/>
+          </a:xfrm>
+          <a:prstGeom prst="rect">
+            <a:avLst/>
+          </a:prstGeom>
+          <a:noFill/>
+          <a:ln w="66675" cmpd="sng">
+            <a:noFill/>
+            <a:prstDash val="solid"/>
+          </a:ln>
+        </p:spPr>
+        <p:txBody>
+          <a:bodyPr wrap="none" rtlCol="0" anchor="t">
+            <a:spAutoFit/>
+          </a:bodyPr>
+          <a:p>
+            <a:pPr algn="ctr">
+              <a:lnSpc>
+                <a:spcPct val="130000"/>
+              </a:lnSpc>
+            </a:pPr>
+            <a:r>
+              <a:rPr lang="en-US" altLang="en-US" sz="2000" b="1"/>
+              <a:t>实践起来就是个</a:t>
+            </a:r>
+            <a:endParaRPr lang="en-US" altLang="en-US" sz="2000" b="1"/>
+          </a:p>
+          <a:p>
+            <a:pPr algn="ctr">
+              <a:lnSpc>
+                <a:spcPct val="130000"/>
+              </a:lnSpc>
+            </a:pPr>
+            <a:r>
+              <a:rPr lang="en-US" altLang="en-US" sz="2000" b="1"/>
+              <a:t>折腾的过程</a:t>
+            </a:r>
+            <a:endParaRPr lang="en-US" altLang="en-US" sz="2000" b="1"/>
+          </a:p>
+        </p:txBody>
+      </p:sp>
+      <p:sp>
+        <p:nvSpPr>
+          <p:cNvPr id="7" name="Rectangle 6"/>
+          <p:cNvSpPr/>
+          <p:nvPr/>
+        </p:nvSpPr>
+        <p:spPr>
+          <a:xfrm>
+            <a:off x="817245" y="2151380"/>
+            <a:ext cx="2214245" cy="986155"/>
+          </a:xfrm>
+          <a:prstGeom prst="rect">
+            <a:avLst/>
+          </a:prstGeom>
+          <a:ln w="66675" cmpd="sng">
+            <a:solidFill>
+              <a:schemeClr val="accent1"/>
+            </a:solidFill>
+            <a:prstDash val="solid"/>
+          </a:ln>
+        </p:spPr>
+        <p:style>
+          <a:lnRef idx="2">
+            <a:schemeClr val="accent1">
+              <a:shade val="50000"/>
+            </a:schemeClr>
+          </a:lnRef>
+          <a:fillRef idx="1">
+            <a:schemeClr val="accent1"/>
+          </a:fillRef>
+          <a:effectRef idx="0">
+            <a:schemeClr val="accent1"/>
+          </a:effectRef>
+          <a:fontRef idx="minor">
+            <a:schemeClr val="lt1"/>
+          </a:fontRef>
+        </p:style>
+        <p:txBody>
+          <a:bodyPr rtlCol="0" anchor="ctr"/>
+          <a:p>
+            <a:pPr algn="ctr"/>
+            <a:r>
+              <a:rPr lang="en-US" altLang="en-US" sz="2400"/>
+              <a:t>测试样本</a:t>
+            </a:r>
+            <a:endParaRPr lang="en-US" altLang="en-US" sz="2400"/>
+          </a:p>
+        </p:txBody>
+      </p:sp>
+      <p:sp>
+        <p:nvSpPr>
+          <p:cNvPr id="8" name="Rectangle 7"/>
+          <p:cNvSpPr/>
+          <p:nvPr/>
+        </p:nvSpPr>
+        <p:spPr>
+          <a:xfrm>
+            <a:off x="2658745" y="3649980"/>
+            <a:ext cx="2214245" cy="986155"/>
+          </a:xfrm>
+          <a:prstGeom prst="rect">
+            <a:avLst/>
+          </a:prstGeom>
+          <a:ln w="66675" cmpd="sng">
+            <a:solidFill>
+              <a:schemeClr val="accent1"/>
+            </a:solidFill>
+            <a:prstDash val="solid"/>
+          </a:ln>
+        </p:spPr>
+        <p:style>
+          <a:lnRef idx="2">
+            <a:schemeClr val="accent1">
+              <a:shade val="50000"/>
+            </a:schemeClr>
+          </a:lnRef>
+          <a:fillRef idx="1">
+            <a:schemeClr val="accent1"/>
+          </a:fillRef>
+          <a:effectRef idx="0">
+            <a:schemeClr val="accent1"/>
+          </a:effectRef>
+          <a:fontRef idx="minor">
+            <a:schemeClr val="lt1"/>
+          </a:fontRef>
+        </p:style>
+        <p:txBody>
+          <a:bodyPr rtlCol="0" anchor="ctr"/>
+          <a:p>
+            <a:pPr algn="ctr"/>
+            <a:r>
+              <a:rPr lang="en-US" altLang="en-US" sz="2400"/>
+              <a:t>选择、设计</a:t>
+            </a:r>
+            <a:endParaRPr lang="en-US" altLang="en-US" sz="2400"/>
+          </a:p>
+          <a:p>
+            <a:pPr algn="ctr"/>
+            <a:r>
+              <a:rPr lang="en-US" altLang="en-US" sz="2400"/>
+              <a:t>模型</a:t>
+            </a:r>
+            <a:endParaRPr lang="en-US" altLang="en-US" sz="2400"/>
+          </a:p>
+        </p:txBody>
+      </p:sp>
+      <p:sp>
+        <p:nvSpPr>
+          <p:cNvPr id="9" name="Rectangle 8"/>
+          <p:cNvSpPr/>
+          <p:nvPr/>
+        </p:nvSpPr>
+        <p:spPr>
+          <a:xfrm>
+            <a:off x="4872990" y="4996180"/>
+            <a:ext cx="2214245" cy="986155"/>
+          </a:xfrm>
+          <a:prstGeom prst="rect">
+            <a:avLst/>
+          </a:prstGeom>
+          <a:ln w="66675" cmpd="sng">
+            <a:solidFill>
+              <a:schemeClr val="accent1"/>
+            </a:solidFill>
+            <a:prstDash val="solid"/>
+          </a:ln>
+        </p:spPr>
+        <p:style>
+          <a:lnRef idx="2">
+            <a:schemeClr val="accent1">
+              <a:shade val="50000"/>
+            </a:schemeClr>
+          </a:lnRef>
+          <a:fillRef idx="1">
+            <a:schemeClr val="accent1"/>
+          </a:fillRef>
+          <a:effectRef idx="0">
+            <a:schemeClr val="accent1"/>
+          </a:effectRef>
+          <a:fontRef idx="minor">
+            <a:schemeClr val="lt1"/>
+          </a:fontRef>
+        </p:style>
+        <p:txBody>
+          <a:bodyPr rtlCol="0" anchor="ctr"/>
+          <a:p>
+            <a:pPr algn="ctr"/>
+            <a:r>
+              <a:rPr lang="en-US" altLang="en-US" sz="2400"/>
+              <a:t>训练模型</a:t>
+            </a:r>
+            <a:endParaRPr lang="en-US" altLang="en-US" sz="2400"/>
+          </a:p>
+          <a:p>
+            <a:pPr algn="ctr"/>
+            <a:r>
+              <a:rPr lang="en-US" altLang="en-US" sz="2400"/>
+              <a:t>(training)</a:t>
+            </a:r>
+            <a:endParaRPr lang="en-US" altLang="en-US" sz="2400"/>
+          </a:p>
+        </p:txBody>
+      </p:sp>
+      <p:sp>
+        <p:nvSpPr>
+          <p:cNvPr id="10" name="Rectangle 9"/>
+          <p:cNvSpPr/>
+          <p:nvPr/>
+        </p:nvSpPr>
+        <p:spPr>
+          <a:xfrm>
+            <a:off x="7322185" y="3649980"/>
+            <a:ext cx="2214245" cy="986155"/>
+          </a:xfrm>
+          <a:prstGeom prst="rect">
+            <a:avLst/>
+          </a:prstGeom>
+          <a:ln w="66675" cmpd="sng">
+            <a:solidFill>
+              <a:schemeClr val="accent1"/>
+            </a:solidFill>
+            <a:prstDash val="solid"/>
+          </a:ln>
+        </p:spPr>
+        <p:style>
+          <a:lnRef idx="2">
+            <a:schemeClr val="accent1">
+              <a:shade val="50000"/>
+            </a:schemeClr>
+          </a:lnRef>
+          <a:fillRef idx="1">
+            <a:schemeClr val="accent1"/>
+          </a:fillRef>
+          <a:effectRef idx="0">
+            <a:schemeClr val="accent1"/>
+          </a:effectRef>
+          <a:fontRef idx="minor">
+            <a:schemeClr val="lt1"/>
+          </a:fontRef>
+        </p:style>
+        <p:txBody>
+          <a:bodyPr rtlCol="0" anchor="ctr"/>
+          <a:p>
+            <a:pPr algn="ctr"/>
+            <a:r>
+              <a:rPr lang="en-US" altLang="en-US" sz="2400"/>
+              <a:t>测试表现</a:t>
+            </a:r>
+            <a:endParaRPr lang="en-US" altLang="en-US" sz="2400"/>
+          </a:p>
+          <a:p>
+            <a:pPr algn="ctr"/>
+            <a:r>
+              <a:rPr lang="en-US" altLang="en-US" sz="2400"/>
+              <a:t>(test)</a:t>
+            </a:r>
+            <a:endParaRPr lang="en-US" altLang="en-US" sz="2400"/>
+          </a:p>
+        </p:txBody>
+      </p:sp>
+      <p:sp>
+        <p:nvSpPr>
+          <p:cNvPr id="11" name="Rectangle 10"/>
+          <p:cNvSpPr/>
+          <p:nvPr/>
+        </p:nvSpPr>
+        <p:spPr>
+          <a:xfrm>
+            <a:off x="9247505" y="2151380"/>
+            <a:ext cx="2357755" cy="986155"/>
+          </a:xfrm>
+          <a:prstGeom prst="rect">
+            <a:avLst/>
+          </a:prstGeom>
+          <a:ln w="66675" cmpd="sng">
+            <a:solidFill>
+              <a:schemeClr val="accent1"/>
+            </a:solidFill>
+            <a:prstDash val="solid"/>
+          </a:ln>
+        </p:spPr>
+        <p:style>
+          <a:lnRef idx="2">
+            <a:schemeClr val="accent1">
+              <a:shade val="50000"/>
+            </a:schemeClr>
+          </a:lnRef>
+          <a:fillRef idx="1">
+            <a:schemeClr val="accent1"/>
+          </a:fillRef>
+          <a:effectRef idx="0">
+            <a:schemeClr val="accent1"/>
+          </a:effectRef>
+          <a:fontRef idx="minor">
+            <a:schemeClr val="lt1"/>
+          </a:fontRef>
+        </p:style>
+        <p:txBody>
+          <a:bodyPr rtlCol="0" anchor="ctr"/>
+          <a:p>
+            <a:pPr algn="ctr"/>
+            <a:r>
+              <a:rPr lang="en-US" altLang="en-US" sz="2400"/>
+              <a:t>评估、调整模型</a:t>
+            </a:r>
+            <a:endParaRPr lang="en-US" altLang="en-US" sz="2400"/>
+          </a:p>
+          <a:p>
+            <a:pPr algn="ctr"/>
+            <a:r>
+              <a:rPr lang="en-US" altLang="en-US" sz="2400"/>
+              <a:t>(validation)</a:t>
+            </a:r>
+            <a:endParaRPr lang="en-US" altLang="en-US" sz="2400"/>
+          </a:p>
+        </p:txBody>
+      </p:sp>
+      <p:cxnSp>
+        <p:nvCxnSpPr>
+          <p:cNvPr id="14" name="Elbow Connector 13"/>
+          <p:cNvCxnSpPr>
+            <a:stCxn id="7" idx="2"/>
+            <a:endCxn id="8" idx="1"/>
+          </p:cNvCxnSpPr>
+          <p:nvPr/>
+        </p:nvCxnSpPr>
+        <p:spPr>
+          <a:xfrm rot="5400000" flipV="1">
+            <a:off x="1800225" y="3273425"/>
+            <a:ext cx="1005840" cy="734060"/>
+          </a:xfrm>
+          <a:prstGeom prst="bentConnector2">
+            <a:avLst/>
+          </a:prstGeom>
+          <a:ln w="66675" cmpd="sng">
+            <a:solidFill>
+              <a:schemeClr val="accent1"/>
+            </a:solidFill>
+            <a:prstDash val="solid"/>
+            <a:tailEnd type="arrow"/>
+          </a:ln>
+        </p:spPr>
+        <p:style>
+          <a:lnRef idx="1">
+            <a:schemeClr val="accent1"/>
+          </a:lnRef>
+          <a:fillRef idx="0">
+            <a:schemeClr val="accent1"/>
+          </a:fillRef>
+          <a:effectRef idx="0">
+            <a:schemeClr val="accent1"/>
+          </a:effectRef>
+          <a:fontRef idx="minor">
+            <a:schemeClr val="tx1"/>
+          </a:fontRef>
+        </p:style>
+      </p:cxnSp>
+      <p:cxnSp>
+        <p:nvCxnSpPr>
+          <p:cNvPr id="15" name="Elbow Connector 14"/>
+          <p:cNvCxnSpPr>
+            <a:stCxn id="8" idx="2"/>
+            <a:endCxn id="9" idx="1"/>
+          </p:cNvCxnSpPr>
+          <p:nvPr/>
+        </p:nvCxnSpPr>
+        <p:spPr>
+          <a:xfrm rot="5400000" flipV="1">
+            <a:off x="3904298" y="4509453"/>
+            <a:ext cx="853440" cy="1106805"/>
+          </a:xfrm>
+          <a:prstGeom prst="bentConnector2">
+            <a:avLst/>
+          </a:prstGeom>
+          <a:ln w="66675" cmpd="sng">
+            <a:solidFill>
+              <a:schemeClr val="accent1"/>
+            </a:solidFill>
+            <a:prstDash val="solid"/>
+            <a:tailEnd type="arrow"/>
+          </a:ln>
+        </p:spPr>
+        <p:style>
+          <a:lnRef idx="1">
+            <a:schemeClr val="accent1"/>
+          </a:lnRef>
+          <a:fillRef idx="0">
+            <a:schemeClr val="accent1"/>
+          </a:fillRef>
+          <a:effectRef idx="0">
+            <a:schemeClr val="accent1"/>
+          </a:effectRef>
+          <a:fontRef idx="minor">
+            <a:schemeClr val="tx1"/>
+          </a:fontRef>
+        </p:style>
+      </p:cxnSp>
+      <p:cxnSp>
+        <p:nvCxnSpPr>
+          <p:cNvPr id="16" name="Elbow Connector 15"/>
+          <p:cNvCxnSpPr>
+            <a:stCxn id="9" idx="3"/>
+            <a:endCxn id="10" idx="2"/>
+          </p:cNvCxnSpPr>
+          <p:nvPr/>
+        </p:nvCxnSpPr>
+        <p:spPr>
+          <a:xfrm flipV="1">
+            <a:off x="7098665" y="4636135"/>
+            <a:ext cx="1342390" cy="853440"/>
+          </a:xfrm>
+          <a:prstGeom prst="bentConnector2">
+            <a:avLst/>
+          </a:prstGeom>
+          <a:ln w="66675" cmpd="sng">
+            <a:solidFill>
+              <a:schemeClr val="accent1"/>
+            </a:solidFill>
+            <a:prstDash val="solid"/>
+            <a:tailEnd type="arrow"/>
+          </a:ln>
+        </p:spPr>
+        <p:style>
+          <a:lnRef idx="1">
+            <a:schemeClr val="accent1"/>
+          </a:lnRef>
+          <a:fillRef idx="0">
+            <a:schemeClr val="accent1"/>
+          </a:fillRef>
+          <a:effectRef idx="0">
+            <a:schemeClr val="accent1"/>
+          </a:effectRef>
+          <a:fontRef idx="minor">
+            <a:schemeClr val="tx1"/>
+          </a:fontRef>
+        </p:style>
+      </p:cxnSp>
+      <p:cxnSp>
+        <p:nvCxnSpPr>
+          <p:cNvPr id="17" name="Elbow Connector 16"/>
+          <p:cNvCxnSpPr>
+            <a:stCxn id="10" idx="3"/>
+            <a:endCxn id="11" idx="2"/>
+          </p:cNvCxnSpPr>
+          <p:nvPr/>
+        </p:nvCxnSpPr>
+        <p:spPr>
+          <a:xfrm flipV="1">
+            <a:off x="9547860" y="3137535"/>
+            <a:ext cx="890270" cy="1005840"/>
+          </a:xfrm>
+          <a:prstGeom prst="bentConnector2">
+            <a:avLst/>
+          </a:prstGeom>
+          <a:ln w="66675" cmpd="sng">
+            <a:solidFill>
+              <a:schemeClr val="accent1"/>
+            </a:solidFill>
+            <a:prstDash val="solid"/>
+            <a:tailEnd type="arrow"/>
+          </a:ln>
+        </p:spPr>
+        <p:style>
+          <a:lnRef idx="1">
+            <a:schemeClr val="accent1"/>
+          </a:lnRef>
+          <a:fillRef idx="0">
+            <a:schemeClr val="accent1"/>
+          </a:fillRef>
+          <a:effectRef idx="0">
+            <a:schemeClr val="accent1"/>
+          </a:effectRef>
+          <a:fontRef idx="minor">
+            <a:schemeClr val="tx1"/>
+          </a:fontRef>
+        </p:style>
+      </p:cxnSp>
+      <p:cxnSp>
+        <p:nvCxnSpPr>
+          <p:cNvPr id="19" name="Elbow Connector 18"/>
+          <p:cNvCxnSpPr>
+            <a:stCxn id="11" idx="0"/>
+            <a:endCxn id="8" idx="0"/>
+          </p:cNvCxnSpPr>
+          <p:nvPr/>
+        </p:nvCxnSpPr>
+        <p:spPr>
+          <a:xfrm rot="16200000" flipH="1" flipV="1">
+            <a:off x="6358573" y="-429577"/>
+            <a:ext cx="1498600" cy="6660515"/>
+          </a:xfrm>
+          <a:prstGeom prst="bentConnector3">
+            <a:avLst>
+              <a:gd name="adj1" fmla="val -46991"/>
+            </a:avLst>
+          </a:prstGeom>
+          <a:ln w="41275">
+            <a:solidFill>
+              <a:srgbClr val="C00000"/>
+            </a:solidFill>
+            <a:prstDash val="sysDot"/>
+            <a:tailEnd type="arrow"/>
+          </a:ln>
+        </p:spPr>
+        <p:style>
+          <a:lnRef idx="1">
+            <a:schemeClr val="accent1"/>
+          </a:lnRef>
+          <a:fillRef idx="0">
+            <a:schemeClr val="accent1"/>
+          </a:fillRef>
+          <a:effectRef idx="0">
+            <a:schemeClr val="accent1"/>
+          </a:effectRef>
+          <a:fontRef idx="minor">
+            <a:schemeClr val="tx1"/>
+          </a:fontRef>
+        </p:style>
+      </p:cxnSp>
+    </p:spTree>
+  </p:cSld>
+  <p:clrMapOvr>
+    <a:masterClrMapping/>
+  </p:clrMapOvr>
+  <p:timing>
+    <p:tnLst>
+      <p:par>
+        <p:cTn id="1" dur="indefinite" restart="never" nodeType="tmRoot">
+          <p:childTnLst>
+            <p:seq concurrent="1" nextAc="seek">
+              <p:cTn id="2" dur="indefinite" nodeType="mainSeq">
+                <p:childTnLst>
+                  <p:par>
+                    <p:cTn id="3" fill="hold">
+                      <p:stCondLst>
+                        <p:cond delay="indefinite"/>
+                      </p:stCondLst>
+                      <p:childTnLst>
+                        <p:par>
+                          <p:cTn id="4" fill="hold">
+                            <p:stCondLst>
+                              <p:cond delay="0"/>
+                            </p:stCondLst>
+                            <p:childTnLst>
+                              <p:par>
+                                <p:cTn id="5" presetID="2" presetClass="entr" presetSubtype="4" fill="hold" nodeType="clickEffect">
+                                  <p:stCondLst>
+                                    <p:cond delay="0"/>
+                                  </p:stCondLst>
+                                  <p:childTnLst>
+                                    <p:set>
+                                      <p:cBhvr>
+                                        <p:cTn id="6" dur="1" fill="hold">
+                                          <p:stCondLst>
+                                            <p:cond delay="0"/>
+                                          </p:stCondLst>
+                                        </p:cTn>
+                                        <p:tgtEl>
+                                          <p:spTgt spid="19"/>
+                                        </p:tgtEl>
+                                        <p:attrNameLst>
+                                          <p:attrName>style.visibility</p:attrName>
+                                        </p:attrNameLst>
+                                      </p:cBhvr>
+                                      <p:to>
+                                        <p:strVal val="visible"/>
+                                      </p:to>
+                                    </p:set>
+                                    <p:anim calcmode="lin" valueType="num">
+                                      <p:cBhvr additive="base">
+                                        <p:cTn id="7" dur="500" fill="hold"/>
+                                        <p:tgtEl>
+                                          <p:spTgt spid="19"/>
+                                        </p:tgtEl>
+                                        <p:attrNameLst>
+                                          <p:attrName>ppt_x</p:attrName>
+                                        </p:attrNameLst>
+                                      </p:cBhvr>
+                                      <p:tavLst>
+                                        <p:tav tm="0">
+                                          <p:val>
+                                            <p:strVal val="#ppt_x"/>
+                                          </p:val>
+                                        </p:tav>
+                                        <p:tav tm="100000">
+                                          <p:val>
+                                            <p:strVal val="#ppt_x"/>
+                                          </p:val>
+                                        </p:tav>
+                                      </p:tavLst>
+                                    </p:anim>
+                                    <p:anim calcmode="lin" valueType="num">
+                                      <p:cBhvr additive="base">
+                                        <p:cTn id="8" dur="500" fill="hold"/>
+                                        <p:tgtEl>
+                                          <p:spTgt spid="19"/>
+                                        </p:tgtEl>
+                                        <p:attrNameLst>
+                                          <p:attrName>ppt_y</p:attrName>
+                                        </p:attrNameLst>
+                                      </p:cBhvr>
+                                      <p:tavLst>
+                                        <p:tav tm="0">
+                                          <p:val>
+                                            <p:strVal val="1+#ppt_h/2"/>
+                                          </p:val>
+                                        </p:tav>
+                                        <p:tav tm="100000">
+                                          <p:val>
+                                            <p:strVal val="#ppt_y"/>
+                                          </p:val>
+                                        </p:tav>
+                                      </p:tavLst>
+                                    </p:anim>
+                                  </p:childTnLst>
+                                </p:cTn>
+                              </p:par>
+                            </p:childTnLst>
+                          </p:cTn>
+                        </p:par>
+                      </p:childTnLst>
+                    </p:cTn>
+                  </p:par>
+                  <p:par>
+                    <p:cTn id="9" fill="hold">
+                      <p:stCondLst>
+                        <p:cond delay="indefinite"/>
+                      </p:stCondLst>
+                      <p:childTnLst>
+                        <p:par>
+                          <p:cTn id="10" fill="hold">
+                            <p:stCondLst>
+                              <p:cond delay="0"/>
+                            </p:stCondLst>
+                            <p:childTnLst>
+                              <p:par>
+                                <p:cTn id="11" presetID="1" presetClass="entr" presetSubtype="0" fill="hold" nodeType="clickEffect">
+                                  <p:stCondLst>
+                                    <p:cond delay="0"/>
+                                  </p:stCondLst>
+                                  <p:childTnLst>
+                                    <p:set>
+                                      <p:cBhvr>
+                                        <p:cTn id="12" dur="1" fill="hold">
+                                          <p:stCondLst>
+                                            <p:cond delay="0"/>
+                                          </p:stCondLst>
+                                        </p:cTn>
+                                        <p:tgtEl>
+                                          <p:spTgt spid="5"/>
+                                        </p:tgtEl>
+                                        <p:attrNameLst>
+                                          <p:attrName>style.visibility</p:attrName>
+                                        </p:attrNameLst>
+                                      </p:cBhvr>
+                                      <p:to>
+                                        <p:strVal val="visible"/>
+                                      </p:to>
+                                    </p:set>
+                                  </p:childTnLst>
+                                </p:cTn>
+                              </p:par>
+                              <p:par>
+                                <p:cTn id="13" presetID="1" presetClass="entr" presetSubtype="0" fill="hold" grpId="0" nodeType="withEffect">
+                                  <p:stCondLst>
+                                    <p:cond delay="0"/>
+                                  </p:stCondLst>
+                                  <p:childTnLst>
+                                    <p:set>
+                                      <p:cBhvr>
+                                        <p:cTn id="14" dur="1" fill="hold">
+                                          <p:stCondLst>
+                                            <p:cond delay="0"/>
+                                          </p:stCondLst>
+                                        </p:cTn>
+                                        <p:tgtEl>
+                                          <p:spTgt spid="4"/>
+                                        </p:tgtEl>
+                                        <p:attrNameLst>
+                                          <p:attrName>style.visibility</p:attrName>
+                                        </p:attrNameLst>
+                                      </p:cBhvr>
+                                      <p:to>
+                                        <p:strVal val="visible"/>
+                                      </p:to>
+                                    </p:set>
+                                  </p:childTnLst>
+                                </p:cTn>
+                              </p:par>
+                            </p:childTnLst>
+                          </p:cTn>
+                        </p:par>
+                      </p:childTnLst>
+                    </p:cTn>
+                  </p:par>
+                </p:childTnLst>
+              </p:cTn>
+              <p:prevCondLst>
+                <p:cond evt="onPrev" delay="0">
+                  <p:tgtEl>
+                    <p:sldTgt/>
+                  </p:tgtEl>
+                </p:cond>
+              </p:prevCondLst>
+              <p:nextCondLst>
+                <p:cond evt="onNext" delay="0">
+                  <p:tgtEl>
+                    <p:sldTgt/>
+                  </p:tgtEl>
+                </p:cond>
+              </p:nextCondLst>
+            </p:seq>
+          </p:childTnLst>
+        </p:cTn>
+      </p:par>
+    </p:tnLst>
+    <p:bldLst>
+      <p:bldP spid="4" grpId="0" bldLvl="0" animBg="1"/>
+      <p:bldP spid="4" grpId="1"/>
+    </p:bldLst>
+  </p:timing>
+</p:sld>
+</file>
+
+<file path=ppt/slides/slide3.xml><?xml version="1.0" encoding="utf-8"?>
+<p:sld xmlns:a="http://schemas.openxmlformats.org/drawingml/2006/main" xmlns:r="http://schemas.openxmlformats.org/officeDocument/2006/relationships" xmlns:p="http://schemas.openxmlformats.org/presentationml/2006/main">
+  <p:cSld>
+    <p:spTree>
+      <p:nvGrpSpPr>
+        <p:cNvPr id="1" name=""/>
+        <p:cNvGrpSpPr/>
+        <p:nvPr/>
+      </p:nvGrpSpPr>
+      <p:grpSpPr/>
+      <p:sp>
+        <p:nvSpPr>
+          <p:cNvPr id="2" name="Title 1"/>
+          <p:cNvSpPr>
+            <a:spLocks noGrp="1"/>
+          </p:cNvSpPr>
+          <p:nvPr>
+            <p:ph type="title"/>
+          </p:nvPr>
+        </p:nvSpPr>
+        <p:spPr/>
+        <p:txBody>
+          <a:bodyPr/>
+          <a:p>
+            <a:r>
+              <a:rPr lang="" altLang="en-US" b="1"/>
+              <a:t>泛化</a:t>
+            </a:r>
+            <a:endParaRPr lang="" altLang="en-US" b="1"/>
           </a:p>
         </p:txBody>
       </p:sp>
@@ -4403,7 +5590,12 @@
             <p:ph idx="1"/>
           </p:nvPr>
         </p:nvSpPr>
-        <p:spPr/>
+        <p:spPr>
+          <a:xfrm>
+            <a:off x="838200" y="1825625"/>
+            <a:ext cx="7162165" cy="4351655"/>
+          </a:xfrm>
+        </p:spPr>
         <p:txBody>
           <a:bodyPr>
             <a:noAutofit/>
@@ -4418,160 +5610,10 @@
               </a:spcAft>
             </a:pPr>
             <a:r>
-              <a:rPr lang="en-US" altLang="en-US" b="1"/>
-              <a:t>分类（Classification）</a:t>
-            </a:r>
-            <a:endParaRPr lang="en-US" altLang="en-US" b="1"/>
-          </a:p>
-          <a:p>
-            <a:pPr lvl="1">
-              <a:lnSpc>
-                <a:spcPct val="120000"/>
-              </a:lnSpc>
-              <a:spcAft>
-                <a:spcPts val="0"/>
-              </a:spcAft>
-            </a:pPr>
-            <a:r>
-              <a:rPr lang="en-US" altLang="en-US"/>
-              <a:t>在这类问题中，计算机程序需要指定某些输入</a:t>
-            </a:r>
-            <a:endParaRPr lang="en-US" altLang="en-US"/>
-          </a:p>
-          <a:p>
-            <a:pPr marL="457200" lvl="1" indent="0">
-              <a:lnSpc>
-                <a:spcPct val="120000"/>
-              </a:lnSpc>
-              <a:spcAft>
-                <a:spcPts val="0"/>
-              </a:spcAft>
-              <a:buNone/>
-            </a:pPr>
-            <a:r>
-              <a:rPr lang="en-US" altLang="en-US"/>
-              <a:t>属于k类中的哪一类。通常算法会返回一个函数</a:t>
-            </a:r>
-            <a:endParaRPr lang="en-US" altLang="en-US"/>
-          </a:p>
-          <a:p>
-            <a:pPr marL="457200" lvl="1" indent="0">
-              <a:lnSpc>
-                <a:spcPct val="120000"/>
-              </a:lnSpc>
-              <a:spcAft>
-                <a:spcPts val="0"/>
-              </a:spcAft>
-              <a:buNone/>
-            </a:pPr>
-            <a:r>
-              <a:rPr lang="en-US" altLang="en-US"/>
-              <a:t>f: R</a:t>
-            </a:r>
-            <a:r>
-              <a:rPr lang="en-US" altLang="en-US" baseline="30000"/>
-              <a:t>n</a:t>
-            </a:r>
-            <a:r>
-              <a:rPr lang="en-US" altLang="en-US"/>
-              <a:t> </a:t>
-            </a:r>
-            <a:r>
-              <a:rPr lang="en-US" altLang="en-US">
-                <a:latin typeface="Asana Math" panose="02000603000000000000" charset="0"/>
-                <a:ea typeface="Asana Math" panose="02000603000000000000" charset="0"/>
-              </a:rPr>
-              <a:t>→</a:t>
-            </a:r>
-            <a:r>
-              <a:rPr lang="en-US" altLang="en-US"/>
-              <a:t> {1,2,....k}。</a:t>
-            </a:r>
-            <a:endParaRPr lang="en-US" altLang="en-US"/>
-          </a:p>
-          <a:p>
-            <a:pPr>
-              <a:lnSpc>
-                <a:spcPct val="120000"/>
-              </a:lnSpc>
-              <a:spcAft>
-                <a:spcPts val="0"/>
-              </a:spcAft>
-            </a:pPr>
-            <a:r>
-              <a:rPr lang="en-US" altLang="en-US" b="1"/>
-              <a:t>回归（Regression）</a:t>
-            </a:r>
-            <a:endParaRPr lang="en-US" altLang="en-US"/>
-          </a:p>
-          <a:p>
-            <a:pPr lvl="1">
-              <a:lnSpc>
-                <a:spcPct val="120000"/>
-              </a:lnSpc>
-              <a:spcAft>
-                <a:spcPts val="0"/>
-              </a:spcAft>
-            </a:pPr>
-            <a:r>
-              <a:rPr lang="en-US" altLang="en-US"/>
-              <a:t>计算机程序对给定输入预测数值，需要返回 </a:t>
-            </a:r>
-            <a:r>
-              <a:rPr lang="en-US" altLang="en-US">
-                <a:sym typeface="+mn-ea"/>
-              </a:rPr>
-              <a:t>f: R</a:t>
-            </a:r>
-            <a:r>
-              <a:rPr lang="en-US" altLang="en-US" baseline="30000">
-                <a:sym typeface="+mn-ea"/>
-              </a:rPr>
-              <a:t>n</a:t>
-            </a:r>
-            <a:r>
-              <a:rPr lang="en-US" altLang="en-US">
-                <a:sym typeface="+mn-ea"/>
-              </a:rPr>
-              <a:t> </a:t>
-            </a:r>
-            <a:r>
-              <a:rPr lang="en-US" altLang="en-US">
-                <a:latin typeface="Asana Math" panose="02000603000000000000" charset="0"/>
-                <a:ea typeface="Asana Math" panose="02000603000000000000" charset="0"/>
-                <a:sym typeface="+mn-ea"/>
-              </a:rPr>
-              <a:t>→ </a:t>
-            </a:r>
-            <a:r>
-              <a:rPr lang="en-US" altLang="en-US">
-                <a:sym typeface="+mn-ea"/>
-              </a:rPr>
-              <a:t>R。</a:t>
-            </a:r>
-            <a:endParaRPr lang="en-US" altLang="en-US">
-              <a:sym typeface="+mn-ea"/>
-            </a:endParaRPr>
-          </a:p>
-          <a:p>
-            <a:pPr marL="457200" lvl="1" indent="0">
-              <a:lnSpc>
-                <a:spcPct val="120000"/>
-              </a:lnSpc>
-              <a:spcAft>
-                <a:spcPts val="0"/>
-              </a:spcAft>
-              <a:buNone/>
-            </a:pPr>
-            <a:r>
-              <a:rPr lang="en-US" altLang="en-US">
-                <a:sym typeface="+mn-ea"/>
-              </a:rPr>
-              <a:t>除返回结果形式不一样，思路、算法与分类大同小异。 </a:t>
-            </a:r>
-            <a:endParaRPr lang="en-US" altLang="en-US">
-              <a:sym typeface="+mn-ea"/>
-            </a:endParaRPr>
+              <a:rPr altLang="en-US" b="1"/>
+              <a:t>泛化能力（generalization ability）是指机器学习算法对新鲜样本的适应能力。</a:t>
+            </a:r>
+            <a:endParaRPr altLang="en-US" b="1"/>
           </a:p>
           <a:p>
             <a:pPr marL="0" indent="0">
@@ -4584,35 +5626,31 @@
               <a:buNone/>
             </a:pPr>
             <a:r>
-              <a:rPr lang="en-US" altLang="en-US">
-                <a:sym typeface="+mn-ea"/>
-              </a:rPr>
-              <a:t>分类与回归都属于</a:t>
-            </a:r>
-            <a:r>
-              <a:rPr lang="en-US" altLang="en-US" b="1">
-                <a:solidFill>
-                  <a:srgbClr val="C00000"/>
-                </a:solidFill>
-                <a:sym typeface="+mn-ea"/>
-              </a:rPr>
-              <a:t>有监督学习</a:t>
-            </a:r>
-            <a:r>
-              <a:rPr lang="en-US" altLang="en-US">
-                <a:sym typeface="+mn-ea"/>
-              </a:rPr>
-              <a:t>。</a:t>
-            </a:r>
-            <a:endParaRPr lang="en-US" altLang="en-US">
-              <a:sym typeface="+mn-ea"/>
-            </a:endParaRPr>
+              <a:rPr altLang="en-US" b="1"/>
+              <a:t> </a:t>
+            </a:r>
+            <a:endParaRPr altLang="en-US" b="1"/>
+          </a:p>
+          <a:p>
+            <a:pPr lvl="1">
+              <a:lnSpc>
+                <a:spcPct val="120000"/>
+              </a:lnSpc>
+              <a:spcAft>
+                <a:spcPts val="0"/>
+              </a:spcAft>
+            </a:pPr>
+            <a:r>
+              <a:rPr altLang="en-US"/>
+              <a:t> 学习的目的是学到隐含在数据背后的规律，对具有同一规律的学习集以外的数据，经过训练的网络也能给出合适的输出，该能力称为泛化能力。</a:t>
+            </a:r>
+            <a:endParaRPr altLang="en-US"/>
           </a:p>
         </p:txBody>
       </p:sp>
       <p:pic>
         <p:nvPicPr>
-          <p:cNvPr id="14" name="Picture 13"/>
+          <p:cNvPr id="4" name="Picture 3"/>
           <p:cNvPicPr>
             <a:picLocks noChangeAspect="1"/>
           </p:cNvPicPr>
@@ -4627,7 +5665,7 @@
         </p:blipFill>
         <p:spPr>
           <a:xfrm>
-            <a:off x="9085580" y="4295140"/>
+            <a:off x="9097010" y="2978785"/>
             <a:ext cx="1898015" cy="1483995"/>
           </a:xfrm>
           <a:prstGeom prst="rect">
@@ -4637,14 +5675,14 @@
       </p:pic>
       <p:sp>
         <p:nvSpPr>
-          <p:cNvPr id="16" name="Text Box 15"/>
+          <p:cNvPr id="5" name="Text Box 4"/>
           <p:cNvSpPr txBox="1"/>
           <p:nvPr/>
         </p:nvSpPr>
         <p:spPr>
           <a:xfrm>
-            <a:off x="8075295" y="5883275"/>
-            <a:ext cx="3917950" cy="706755"/>
+            <a:off x="8086725" y="4566920"/>
+            <a:ext cx="3917950" cy="1322070"/>
           </a:xfrm>
           <a:prstGeom prst="rect">
             <a:avLst/>
@@ -4658,14 +5696,14 @@
           <a:p>
             <a:pPr algn="ctr"/>
             <a:r>
-              <a:rPr lang="en-US" altLang="en-US" sz="2000" b="1">
+              <a:rPr lang="" altLang="en-US" sz="2000" b="1">
                 <a:solidFill>
                   <a:srgbClr val="C00000"/>
                 </a:solidFill>
               </a:rPr>
-              <a:t>有监督学习就是训练样本都有</a:t>
-            </a:r>
-            <a:endParaRPr lang="en-US" altLang="en-US" sz="2000" b="1">
+              <a:t>去年我成功追到了一个帅哥。</a:t>
+            </a:r>
+            <a:endParaRPr lang="" altLang="en-US" sz="2000" b="1">
               <a:solidFill>
                 <a:srgbClr val="C00000"/>
               </a:solidFill>
@@ -4673,47 +5711,46 @@
           </a:p>
           <a:p>
             <a:pPr algn="ctr"/>
-            <a:r>
-              <a:rPr lang="en-US" altLang="en-US" sz="2000" b="1">
+            <a:endParaRPr lang="" altLang="en-US" sz="2000" b="1">
+              <a:solidFill>
+                <a:srgbClr val="C00000"/>
+              </a:solidFill>
+            </a:endParaRPr>
+          </a:p>
+          <a:p>
+            <a:pPr algn="ctr"/>
+            <a:r>
+              <a:rPr lang="" altLang="en-US" sz="2000" b="1">
                 <a:solidFill>
                   <a:srgbClr val="C00000"/>
                 </a:solidFill>
               </a:rPr>
-              <a:t>人类监督者贴的标签</a:t>
-            </a:r>
-            <a:endParaRPr lang="en-US" altLang="en-US" sz="2000" b="1">
+              <a:t>今年，我用同样的套路，</a:t>
+            </a:r>
+            <a:endParaRPr lang="" altLang="en-US" sz="2000" b="1">
               <a:solidFill>
                 <a:srgbClr val="C00000"/>
               </a:solidFill>
             </a:endParaRPr>
           </a:p>
-        </p:txBody>
-      </p:sp>
-      <p:pic>
-        <p:nvPicPr>
-          <p:cNvPr id="6" name="Picture 5"/>
-          <p:cNvPicPr>
-            <a:picLocks noChangeAspect="1"/>
-          </p:cNvPicPr>
-          <p:nvPr/>
-        </p:nvPicPr>
-        <p:blipFill>
-          <a:blip r:embed="rId2"/>
-          <a:srcRect l="50150" t="8861"/>
-          <a:stretch>
-            <a:fillRect/>
-          </a:stretch>
-        </p:blipFill>
-        <p:spPr>
-          <a:xfrm>
-            <a:off x="8396605" y="700405"/>
-            <a:ext cx="3275330" cy="3232785"/>
-          </a:xfrm>
-          <a:prstGeom prst="rect">
-            <a:avLst/>
-          </a:prstGeom>
-        </p:spPr>
-      </p:pic>
+          <a:p>
+            <a:pPr algn="ctr"/>
+            <a:r>
+              <a:rPr lang="" altLang="en-US" sz="2000" b="1">
+                <a:solidFill>
+                  <a:srgbClr val="C00000"/>
+                </a:solidFill>
+              </a:rPr>
+              <a:t>追到了n个...</a:t>
+            </a:r>
+            <a:endParaRPr lang="" altLang="en-US" sz="2000" b="1">
+              <a:solidFill>
+                <a:srgbClr val="C00000"/>
+              </a:solidFill>
+            </a:endParaRPr>
+          </a:p>
+        </p:txBody>
+      </p:sp>
     </p:spTree>
   </p:cSld>
   <p:clrMapOvr>
@@ -4822,21 +5859,30 @@
                             </p:childTnLst>
                           </p:cTn>
                         </p:par>
+                      </p:childTnLst>
+                    </p:cTn>
+                  </p:par>
+                  <p:par>
+                    <p:cTn id="11" fill="hold">
+                      <p:stCondLst>
+                        <p:cond delay="indefinite"/>
+                      </p:stCondLst>
+                      <p:childTnLst>
                         <p:par>
-                          <p:cTn id="11" fill="hold">
+                          <p:cTn id="12" fill="hold">
                             <p:stCondLst>
                               <p:cond delay="0"/>
                             </p:stCondLst>
                             <p:childTnLst>
                               <p:par>
-                                <p:cTn id="12" presetID="1" presetClass="entr" presetSubtype="0" fill="hold" nodeType="afterEffect">
+                                <p:cTn id="13" presetID="1" presetClass="entr" presetSubtype="0" fill="hold" nodeType="clickEffect">
                                   <p:stCondLst>
                                     <p:cond delay="0"/>
                                   </p:stCondLst>
                                   <p:childTnLst>
                                     <p:set>
                                       <p:cBhvr>
-                                        <p:cTn id="13" dur="1" fill="hold">
+                                        <p:cTn id="14" dur="1" fill="hold">
                                           <p:stCondLst>
                                             <p:cond delay="0"/>
                                           </p:stCondLst>
@@ -4862,263 +5908,36 @@
                             </p:childTnLst>
                           </p:cTn>
                         </p:par>
+                      </p:childTnLst>
+                    </p:cTn>
+                  </p:par>
+                  <p:par>
+                    <p:cTn id="15" fill="hold">
+                      <p:stCondLst>
+                        <p:cond delay="indefinite"/>
+                      </p:stCondLst>
+                      <p:childTnLst>
                         <p:par>
-                          <p:cTn id="14" fill="hold">
+                          <p:cTn id="16" fill="hold">
                             <p:stCondLst>
                               <p:cond delay="0"/>
                             </p:stCondLst>
                             <p:childTnLst>
                               <p:par>
-                                <p:cTn id="15" presetID="1" presetClass="entr" presetSubtype="0" fill="hold" nodeType="afterEffect">
+                                <p:cTn id="17" presetID="1" presetClass="entr" presetSubtype="0" fill="hold" nodeType="clickEffect">
                                   <p:stCondLst>
                                     <p:cond delay="0"/>
                                   </p:stCondLst>
                                   <p:childTnLst>
                                     <p:set>
                                       <p:cBhvr>
-                                        <p:cTn id="16" dur="1" fill="hold">
+                                        <p:cTn id="18" dur="1" fill="hold">
                                           <p:stCondLst>
                                             <p:cond delay="0"/>
                                           </p:stCondLst>
                                         </p:cTn>
                                         <p:tgtEl>
-                                          <p:spTgt spid="3">
-                                            <p:txEl>
-                                              <p:pRg st="3" end="3"/>
-                                            </p:txEl>
-                                          </p:spTgt>
-                                        </p:tgtEl>
-                                        <p:attrNameLst>
-                                          <p:attrName>style.visibility</p:attrName>
-                                        </p:attrNameLst>
-                                      </p:cBhvr>
-                                      <p:to>
-                                        <p:strVal val="visible"/>
-                                      </p:to>
-                                    </p:set>
-                                  </p:childTnLst>
-                                </p:cTn>
-                              </p:par>
-                            </p:childTnLst>
-                          </p:cTn>
-                        </p:par>
-                      </p:childTnLst>
-                    </p:cTn>
-                  </p:par>
-                  <p:par>
-                    <p:cTn id="17" fill="hold">
-                      <p:stCondLst>
-                        <p:cond delay="indefinite"/>
-                      </p:stCondLst>
-                      <p:childTnLst>
-                        <p:par>
-                          <p:cTn id="18" fill="hold">
-                            <p:stCondLst>
-                              <p:cond delay="0"/>
-                            </p:stCondLst>
-                            <p:childTnLst>
-                              <p:par>
-                                <p:cTn id="19" presetID="1" presetClass="entr" presetSubtype="0" fill="hold" nodeType="clickEffect">
-                                  <p:stCondLst>
-                                    <p:cond delay="0"/>
-                                  </p:stCondLst>
-                                  <p:childTnLst>
-                                    <p:set>
-                                      <p:cBhvr>
-                                        <p:cTn id="20" dur="1" fill="hold">
-                                          <p:stCondLst>
-                                            <p:cond delay="0"/>
-                                          </p:stCondLst>
-                                        </p:cTn>
-                                        <p:tgtEl>
-                                          <p:spTgt spid="3">
-                                            <p:txEl>
-                                              <p:pRg st="4" end="4"/>
-                                            </p:txEl>
-                                          </p:spTgt>
-                                        </p:tgtEl>
-                                        <p:attrNameLst>
-                                          <p:attrName>style.visibility</p:attrName>
-                                        </p:attrNameLst>
-                                      </p:cBhvr>
-                                      <p:to>
-                                        <p:strVal val="visible"/>
-                                      </p:to>
-                                    </p:set>
-                                  </p:childTnLst>
-                                </p:cTn>
-                              </p:par>
-                            </p:childTnLst>
-                          </p:cTn>
-                        </p:par>
-                      </p:childTnLst>
-                    </p:cTn>
-                  </p:par>
-                  <p:par>
-                    <p:cTn id="21" fill="hold">
-                      <p:stCondLst>
-                        <p:cond delay="indefinite"/>
-                      </p:stCondLst>
-                      <p:childTnLst>
-                        <p:par>
-                          <p:cTn id="22" fill="hold">
-                            <p:stCondLst>
-                              <p:cond delay="0"/>
-                            </p:stCondLst>
-                            <p:childTnLst>
-                              <p:par>
-                                <p:cTn id="23" presetID="1" presetClass="entr" presetSubtype="0" fill="hold" nodeType="clickEffect">
-                                  <p:stCondLst>
-                                    <p:cond delay="0"/>
-                                  </p:stCondLst>
-                                  <p:childTnLst>
-                                    <p:set>
-                                      <p:cBhvr>
-                                        <p:cTn id="24" dur="1" fill="hold">
-                                          <p:stCondLst>
-                                            <p:cond delay="0"/>
-                                          </p:stCondLst>
-                                        </p:cTn>
-                                        <p:tgtEl>
-                                          <p:spTgt spid="3">
-                                            <p:txEl>
-                                              <p:pRg st="5" end="5"/>
-                                            </p:txEl>
-                                          </p:spTgt>
-                                        </p:tgtEl>
-                                        <p:attrNameLst>
-                                          <p:attrName>style.visibility</p:attrName>
-                                        </p:attrNameLst>
-                                      </p:cBhvr>
-                                      <p:to>
-                                        <p:strVal val="visible"/>
-                                      </p:to>
-                                    </p:set>
-                                  </p:childTnLst>
-                                </p:cTn>
-                              </p:par>
-                            </p:childTnLst>
-                          </p:cTn>
-                        </p:par>
-                        <p:par>
-                          <p:cTn id="25" fill="hold">
-                            <p:stCondLst>
-                              <p:cond delay="0"/>
-                            </p:stCondLst>
-                            <p:childTnLst>
-                              <p:par>
-                                <p:cTn id="26" presetID="1" presetClass="entr" presetSubtype="0" fill="hold" nodeType="afterEffect">
-                                  <p:stCondLst>
-                                    <p:cond delay="0"/>
-                                  </p:stCondLst>
-                                  <p:childTnLst>
-                                    <p:set>
-                                      <p:cBhvr>
-                                        <p:cTn id="27" dur="1" fill="hold">
-                                          <p:stCondLst>
-                                            <p:cond delay="0"/>
-                                          </p:stCondLst>
-                                        </p:cTn>
-                                        <p:tgtEl>
-                                          <p:spTgt spid="3">
-                                            <p:txEl>
-                                              <p:pRg st="6" end="6"/>
-                                            </p:txEl>
-                                          </p:spTgt>
-                                        </p:tgtEl>
-                                        <p:attrNameLst>
-                                          <p:attrName>style.visibility</p:attrName>
-                                        </p:attrNameLst>
-                                      </p:cBhvr>
-                                      <p:to>
-                                        <p:strVal val="visible"/>
-                                      </p:to>
-                                    </p:set>
-                                  </p:childTnLst>
-                                </p:cTn>
-                              </p:par>
-                            </p:childTnLst>
-                          </p:cTn>
-                        </p:par>
-                      </p:childTnLst>
-                    </p:cTn>
-                  </p:par>
-                  <p:par>
-                    <p:cTn id="28" fill="hold">
-                      <p:stCondLst>
-                        <p:cond delay="indefinite"/>
-                      </p:stCondLst>
-                      <p:childTnLst>
-                        <p:par>
-                          <p:cTn id="29" fill="hold">
-                            <p:stCondLst>
-                              <p:cond delay="0"/>
-                            </p:stCondLst>
-                            <p:childTnLst>
-                              <p:par>
-                                <p:cTn id="30" presetID="1" presetClass="entr" presetSubtype="0" fill="hold" nodeType="clickEffect">
-                                  <p:stCondLst>
-                                    <p:cond delay="0"/>
-                                  </p:stCondLst>
-                                  <p:childTnLst>
-                                    <p:set>
-                                      <p:cBhvr>
-                                        <p:cTn id="31" dur="1" fill="hold">
-                                          <p:stCondLst>
-                                            <p:cond delay="0"/>
-                                          </p:stCondLst>
-                                        </p:cTn>
-                                        <p:tgtEl>
-                                          <p:spTgt spid="3">
-                                            <p:txEl>
-                                              <p:pRg st="7" end="7"/>
-                                            </p:txEl>
-                                          </p:spTgt>
-                                        </p:tgtEl>
-                                        <p:attrNameLst>
-                                          <p:attrName>style.visibility</p:attrName>
-                                        </p:attrNameLst>
-                                      </p:cBhvr>
-                                      <p:to>
-                                        <p:strVal val="visible"/>
-                                      </p:to>
-                                    </p:set>
-                                  </p:childTnLst>
-                                </p:cTn>
-                              </p:par>
-                            </p:childTnLst>
-                          </p:cTn>
-                        </p:par>
-                      </p:childTnLst>
-                    </p:cTn>
-                  </p:par>
-                  <p:par>
-                    <p:cTn id="32" fill="hold">
-                      <p:stCondLst>
-                        <p:cond delay="indefinite"/>
-                      </p:stCondLst>
-                      <p:childTnLst>
-                        <p:par>
-                          <p:cTn id="33" fill="hold">
-                            <p:stCondLst>
-                              <p:cond delay="0"/>
-                            </p:stCondLst>
-                            <p:childTnLst>
-                              <p:par>
-                                <p:cTn id="34" presetID="1" presetClass="entr" presetSubtype="0" fill="hold" nodeType="clickEffect">
-                                  <p:stCondLst>
-                                    <p:cond delay="0"/>
-                                  </p:stCondLst>
-                                  <p:childTnLst>
-                                    <p:set>
-                                      <p:cBhvr>
-                                        <p:cTn id="35" dur="1" fill="hold">
-                                          <p:stCondLst>
-                                            <p:cond delay="0"/>
-                                          </p:stCondLst>
-                                        </p:cTn>
-                                        <p:tgtEl>
-                                          <p:spTgt spid="14"/>
+                                          <p:spTgt spid="4"/>
                                         </p:tgtEl>
                                         <p:attrNameLst>
                                           <p:attrName>style.visibility</p:attrName>
@@ -5132,20 +5951,20 @@
                                 </p:cTn>
                               </p:par>
                               <p:par>
-                                <p:cTn id="36" presetID="1" presetClass="entr" presetSubtype="0" fill="hold" grpId="0" nodeType="withEffect">
+                                <p:cTn id="19" presetID="1" presetClass="entr" presetSubtype="0" fill="hold" grpId="0" nodeType="withEffect">
                                   <p:stCondLst>
                                     <p:cond delay="0"/>
                                   </p:stCondLst>
                                   <p:childTnLst>
                                     <p:set>
                                       <p:cBhvr>
-                                        <p:cTn id="37" dur="1" fill="hold">
+                                        <p:cTn id="20" dur="1" fill="hold">
                                           <p:stCondLst>
                                             <p:cond delay="0"/>
                                           </p:stCondLst>
                                         </p:cTn>
                                         <p:tgtEl>
-                                          <p:spTgt spid="16"/>
+                                          <p:spTgt spid="5"/>
                                         </p:tgtEl>
                                         <p:attrNameLst>
                                           <p:attrName>style.visibility</p:attrName>
@@ -5186,14 +6005,639 @@
       </p:par>
     </p:tnLst>
     <p:bldLst>
-      <p:bldP spid="16" grpId="0"/>
-      <p:bldP spid="16" grpId="1"/>
+      <p:bldP spid="5" grpId="0"/>
+      <p:bldP spid="5" grpId="1"/>
     </p:bldLst>
   </p:timing>
 </p:sld>
 </file>
 
-<file path=ppt/slides/slide3.xml><?xml version="1.0" encoding="utf-8"?>
+<file path=ppt/slides/slide4.xml><?xml version="1.0" encoding="utf-8"?>
+<p:sld xmlns:a="http://schemas.openxmlformats.org/drawingml/2006/main" xmlns:r="http://schemas.openxmlformats.org/officeDocument/2006/relationships" xmlns:p="http://schemas.openxmlformats.org/presentationml/2006/main">
+  <p:cSld>
+    <p:spTree>
+      <p:nvGrpSpPr>
+        <p:cNvPr id="1" name=""/>
+        <p:cNvGrpSpPr/>
+        <p:nvPr/>
+      </p:nvGrpSpPr>
+      <p:grpSpPr/>
+      <p:sp>
+        <p:nvSpPr>
+          <p:cNvPr id="2" name="Title 1"/>
+          <p:cNvSpPr>
+            <a:spLocks noGrp="1"/>
+          </p:cNvSpPr>
+          <p:nvPr>
+            <p:ph type="title"/>
+          </p:nvPr>
+        </p:nvSpPr>
+        <p:spPr/>
+        <p:txBody>
+          <a:bodyPr/>
+          <a:p>
+            <a:r>
+              <a:rPr lang="" altLang="en-US" sz="3600" b="1"/>
+              <a:t>训练</a:t>
+            </a:r>
+            <a:r>
+              <a:rPr lang="en-US" altLang="en-US" sz="3600" b="1">
+                <a:sym typeface="+mn-ea"/>
+              </a:rPr>
+              <a:t>集</a:t>
+            </a:r>
+            <a:r>
+              <a:rPr lang="" altLang="en-US" sz="3600" b="1"/>
+              <a:t>与测试集(test set)的划分</a:t>
+            </a:r>
+            <a:endParaRPr lang="" altLang="en-US" sz="3600" b="1"/>
+          </a:p>
+        </p:txBody>
+      </p:sp>
+      <p:sp>
+        <p:nvSpPr>
+          <p:cNvPr id="3" name="Content Placeholder 2"/>
+          <p:cNvSpPr>
+            <a:spLocks noGrp="1"/>
+          </p:cNvSpPr>
+          <p:nvPr>
+            <p:ph idx="1"/>
+          </p:nvPr>
+        </p:nvSpPr>
+        <p:spPr>
+          <a:xfrm>
+            <a:off x="838200" y="1825625"/>
+            <a:ext cx="6731000" cy="4351655"/>
+          </a:xfrm>
+        </p:spPr>
+        <p:txBody>
+          <a:bodyPr>
+            <a:noAutofit/>
+          </a:bodyPr>
+          <a:p>
+            <a:pPr>
+              <a:lnSpc>
+                <a:spcPct val="120000"/>
+              </a:lnSpc>
+              <a:spcAft>
+                <a:spcPts val="0"/>
+              </a:spcAft>
+            </a:pPr>
+            <a:r>
+              <a:rPr lang="en-US" altLang="en-US" b="1">
+                <a:sym typeface="+mn-ea"/>
+              </a:rPr>
+              <a:t>训练</a:t>
+            </a:r>
+            <a:r>
+              <a:rPr lang="en-US" altLang="en-US" b="1">
+                <a:sym typeface="+mn-ea"/>
+              </a:rPr>
+              <a:t>集 </a:t>
+            </a:r>
+            <a:r>
+              <a:rPr lang="" altLang="en-US" b="1">
+                <a:sym typeface="+mn-ea"/>
+              </a:rPr>
+              <a:t>(</a:t>
+            </a:r>
+            <a:r>
+              <a:rPr lang="" b="1"/>
+              <a:t>t</a:t>
+            </a:r>
+            <a:r>
+              <a:rPr altLang="en-US" b="1"/>
+              <a:t>raining set</a:t>
+            </a:r>
+            <a:r>
+              <a:rPr lang="" b="1"/>
+              <a:t>)</a:t>
+            </a:r>
+            <a:r>
+              <a:rPr altLang="en-US" b="1"/>
+              <a:t> 是用来训练模型或确定模型参数的</a:t>
+            </a:r>
+            <a:endParaRPr altLang="en-US" b="1"/>
+          </a:p>
+          <a:p>
+            <a:pPr>
+              <a:lnSpc>
+                <a:spcPct val="120000"/>
+              </a:lnSpc>
+              <a:spcAft>
+                <a:spcPts val="0"/>
+              </a:spcAft>
+            </a:pPr>
+            <a:endParaRPr altLang="en-US" b="1"/>
+          </a:p>
+          <a:p>
+            <a:pPr>
+              <a:lnSpc>
+                <a:spcPct val="120000"/>
+              </a:lnSpc>
+              <a:spcAft>
+                <a:spcPts val="0"/>
+              </a:spcAft>
+            </a:pPr>
+            <a:r>
+              <a:rPr lang="" b="1"/>
+              <a:t>测试集 (</a:t>
+            </a:r>
+            <a:r>
+              <a:rPr altLang="en-US" b="1"/>
+              <a:t>test set</a:t>
+            </a:r>
+            <a:r>
+              <a:rPr lang="" b="1"/>
+              <a:t>)</a:t>
+            </a:r>
+            <a:r>
+              <a:rPr altLang="en-US" b="1"/>
+              <a:t> 则纯粹是为了测试已经训练好的模型的推广能力。</a:t>
+            </a:r>
+            <a:endParaRPr altLang="en-US" b="1"/>
+          </a:p>
+          <a:p>
+            <a:pPr marL="0" indent="0">
+              <a:lnSpc>
+                <a:spcPct val="120000"/>
+              </a:lnSpc>
+              <a:spcAft>
+                <a:spcPts val="0"/>
+              </a:spcAft>
+              <a:buNone/>
+            </a:pPr>
+            <a:r>
+              <a:rPr altLang="en-US" b="1"/>
+              <a:t> </a:t>
+            </a:r>
+            <a:endParaRPr altLang="en-US" b="1"/>
+          </a:p>
+          <a:p>
+            <a:pPr lvl="0">
+              <a:lnSpc>
+                <a:spcPct val="120000"/>
+              </a:lnSpc>
+              <a:spcAft>
+                <a:spcPts val="0"/>
+              </a:spcAft>
+            </a:pPr>
+            <a:r>
+              <a:rPr lang="" b="1"/>
+              <a:t>一般地，测试集与训练集具有</a:t>
+            </a:r>
+            <a:r>
+              <a:rPr lang="" b="1">
+                <a:solidFill>
+                  <a:srgbClr val="FF0000"/>
+                </a:solidFill>
+              </a:rPr>
+              <a:t>相同的内在规律</a:t>
+            </a:r>
+            <a:r>
+              <a:rPr lang="" b="1"/>
+              <a:t>，且</a:t>
+            </a:r>
+            <a:r>
+              <a:rPr lang="" b="1">
+                <a:solidFill>
+                  <a:srgbClr val="FF0000"/>
+                </a:solidFill>
+              </a:rPr>
+              <a:t>不能有交集</a:t>
+            </a:r>
+            <a:r>
+              <a:rPr lang="" b="1"/>
+              <a:t>。</a:t>
+            </a:r>
+            <a:endParaRPr lang="" b="1"/>
+          </a:p>
+        </p:txBody>
+      </p:sp>
+      <p:sp>
+        <p:nvSpPr>
+          <p:cNvPr id="7" name="Text Box 6"/>
+          <p:cNvSpPr txBox="1"/>
+          <p:nvPr/>
+        </p:nvSpPr>
+        <p:spPr>
+          <a:xfrm>
+            <a:off x="7701915" y="3495675"/>
+            <a:ext cx="3917950" cy="2553335"/>
+          </a:xfrm>
+          <a:prstGeom prst="rect">
+            <a:avLst/>
+          </a:prstGeom>
+          <a:noFill/>
+        </p:spPr>
+        <p:txBody>
+          <a:bodyPr wrap="square" rtlCol="0">
+            <a:spAutoFit/>
+          </a:bodyPr>
+          <a:p>
+            <a:pPr algn="ctr"/>
+            <a:r>
+              <a:rPr lang="" altLang="en-US" sz="2000" b="1">
+                <a:solidFill>
+                  <a:srgbClr val="C00000"/>
+                </a:solidFill>
+              </a:rPr>
+              <a:t>通过与***谈恋爱，</a:t>
+            </a:r>
+            <a:endParaRPr lang="" altLang="en-US" sz="2000" b="1">
+              <a:solidFill>
+                <a:srgbClr val="C00000"/>
+              </a:solidFill>
+            </a:endParaRPr>
+          </a:p>
+          <a:p>
+            <a:pPr algn="ctr"/>
+            <a:r>
+              <a:rPr lang="" altLang="en-US" sz="2000" b="1">
+                <a:solidFill>
+                  <a:srgbClr val="C00000"/>
+                </a:solidFill>
+              </a:rPr>
+              <a:t>我训练出了追帅哥的模型。</a:t>
+            </a:r>
+            <a:endParaRPr lang="" altLang="en-US" sz="2000" b="1">
+              <a:solidFill>
+                <a:srgbClr val="C00000"/>
+              </a:solidFill>
+            </a:endParaRPr>
+          </a:p>
+          <a:p>
+            <a:pPr algn="ctr"/>
+            <a:endParaRPr lang="" altLang="en-US" sz="2000" b="1">
+              <a:solidFill>
+                <a:srgbClr val="C00000"/>
+              </a:solidFill>
+            </a:endParaRPr>
+          </a:p>
+          <a:p>
+            <a:pPr algn="ctr"/>
+            <a:r>
+              <a:rPr lang="" altLang="en-US" sz="2000" b="1">
+                <a:solidFill>
+                  <a:srgbClr val="00B050"/>
+                </a:solidFill>
+              </a:rPr>
+              <a:t>为了验证这个模型，</a:t>
+            </a:r>
+            <a:endParaRPr lang="" altLang="en-US" sz="2000" b="1">
+              <a:solidFill>
+                <a:srgbClr val="00B050"/>
+              </a:solidFill>
+            </a:endParaRPr>
+          </a:p>
+          <a:p>
+            <a:pPr algn="ctr"/>
+            <a:r>
+              <a:rPr lang="" altLang="en-US" sz="2000" b="1">
+                <a:solidFill>
+                  <a:srgbClr val="00B050"/>
+                </a:solidFill>
+              </a:rPr>
+              <a:t>我必须找一些新的帅哥来测试。</a:t>
+            </a:r>
+            <a:endParaRPr lang="" altLang="en-US" sz="2000" b="1">
+              <a:solidFill>
+                <a:srgbClr val="00B050"/>
+              </a:solidFill>
+            </a:endParaRPr>
+          </a:p>
+          <a:p>
+            <a:pPr algn="ctr"/>
+            <a:endParaRPr lang="" altLang="en-US" sz="2000" b="1">
+              <a:solidFill>
+                <a:srgbClr val="C00000"/>
+              </a:solidFill>
+            </a:endParaRPr>
+          </a:p>
+          <a:p>
+            <a:pPr algn="ctr"/>
+            <a:r>
+              <a:rPr lang="" altLang="en-US" sz="2000" b="1">
+                <a:solidFill>
+                  <a:srgbClr val="002060"/>
+                </a:solidFill>
+              </a:rPr>
+              <a:t>我的模型只适用于帅哥。</a:t>
+            </a:r>
+            <a:endParaRPr lang="" altLang="en-US" sz="2000" b="1">
+              <a:solidFill>
+                <a:srgbClr val="002060"/>
+              </a:solidFill>
+            </a:endParaRPr>
+          </a:p>
+          <a:p>
+            <a:pPr algn="ctr"/>
+            <a:r>
+              <a:rPr lang="" altLang="en-US" sz="2000" b="1">
+                <a:solidFill>
+                  <a:srgbClr val="002060"/>
+                </a:solidFill>
+              </a:rPr>
+              <a:t>找渣男来测试是不合理的。</a:t>
+            </a:r>
+            <a:endParaRPr lang="" altLang="en-US" sz="2000" b="1">
+              <a:solidFill>
+                <a:srgbClr val="002060"/>
+              </a:solidFill>
+            </a:endParaRPr>
+          </a:p>
+        </p:txBody>
+      </p:sp>
+      <p:pic>
+        <p:nvPicPr>
+          <p:cNvPr id="8" name="Picture 7"/>
+          <p:cNvPicPr>
+            <a:picLocks noChangeAspect="1"/>
+          </p:cNvPicPr>
+          <p:nvPr/>
+        </p:nvPicPr>
+        <p:blipFill>
+          <a:blip r:embed="rId1"/>
+          <a:stretch>
+            <a:fillRect/>
+          </a:stretch>
+        </p:blipFill>
+        <p:spPr>
+          <a:xfrm>
+            <a:off x="8333105" y="490220"/>
+            <a:ext cx="2888615" cy="2888615"/>
+          </a:xfrm>
+          <a:prstGeom prst="rect">
+            <a:avLst/>
+          </a:prstGeom>
+        </p:spPr>
+      </p:pic>
+    </p:spTree>
+  </p:cSld>
+  <p:clrMapOvr>
+    <a:masterClrMapping/>
+  </p:clrMapOvr>
+  <p:timing>
+    <p:tnLst>
+      <p:par>
+        <p:cTn id="1" dur="indefinite" restart="never" nodeType="tmRoot">
+          <p:childTnLst>
+            <p:seq concurrent="1" nextAc="seek">
+              <p:cTn id="2" dur="indefinite" nodeType="mainSeq">
+                <p:childTnLst>
+                  <p:par>
+                    <p:cTn id="3" fill="hold">
+                      <p:stCondLst>
+                        <p:cond delay="indefinite"/>
+                      </p:stCondLst>
+                      <p:childTnLst>
+                        <p:par>
+                          <p:cTn id="4" fill="hold">
+                            <p:stCondLst>
+                              <p:cond delay="0"/>
+                            </p:stCondLst>
+                            <p:childTnLst>
+                              <p:par>
+                                <p:cTn id="5" presetID="1" presetClass="entr" presetSubtype="0" fill="hold" nodeType="clickEffect">
+                                  <p:stCondLst>
+                                    <p:cond delay="0"/>
+                                  </p:stCondLst>
+                                  <p:childTnLst>
+                                    <p:set>
+                                      <p:cBhvr>
+                                        <p:cTn id="6" dur="1" fill="hold">
+                                          <p:stCondLst>
+                                            <p:cond delay="0"/>
+                                          </p:stCondLst>
+                                        </p:cTn>
+                                        <p:tgtEl>
+                                          <p:spTgt spid="3">
+                                            <p:txEl>
+                                              <p:pRg st="3" end="3"/>
+                                            </p:txEl>
+                                          </p:spTgt>
+                                        </p:tgtEl>
+                                        <p:attrNameLst>
+                                          <p:attrName>style.visibility</p:attrName>
+                                        </p:attrNameLst>
+                                      </p:cBhvr>
+                                      <p:to>
+                                        <p:strVal val="visible"/>
+                                      </p:to>
+                                    </p:set>
+                                  </p:childTnLst>
+                                </p:cTn>
+                              </p:par>
+                            </p:childTnLst>
+                          </p:cTn>
+                        </p:par>
+                      </p:childTnLst>
+                    </p:cTn>
+                  </p:par>
+                  <p:par>
+                    <p:cTn id="7" fill="hold">
+                      <p:stCondLst>
+                        <p:cond delay="indefinite"/>
+                      </p:stCondLst>
+                      <p:childTnLst>
+                        <p:par>
+                          <p:cTn id="8" fill="hold">
+                            <p:stCondLst>
+                              <p:cond delay="0"/>
+                            </p:stCondLst>
+                            <p:childTnLst>
+                              <p:par>
+                                <p:cTn id="9" presetID="1" presetClass="entr" presetSubtype="0" fill="hold" nodeType="clickEffect">
+                                  <p:stCondLst>
+                                    <p:cond delay="0"/>
+                                  </p:stCondLst>
+                                  <p:childTnLst>
+                                    <p:set>
+                                      <p:cBhvr>
+                                        <p:cTn id="10" dur="1" fill="hold">
+                                          <p:stCondLst>
+                                            <p:cond delay="0"/>
+                                          </p:stCondLst>
+                                        </p:cTn>
+                                        <p:tgtEl>
+                                          <p:spTgt spid="3">
+                                            <p:txEl>
+                                              <p:pRg st="4" end="4"/>
+                                            </p:txEl>
+                                          </p:spTgt>
+                                        </p:tgtEl>
+                                        <p:attrNameLst>
+                                          <p:attrName>style.visibility</p:attrName>
+                                        </p:attrNameLst>
+                                      </p:cBhvr>
+                                      <p:to>
+                                        <p:strVal val="visible"/>
+                                      </p:to>
+                                    </p:set>
+                                  </p:childTnLst>
+                                </p:cTn>
+                              </p:par>
+                            </p:childTnLst>
+                          </p:cTn>
+                        </p:par>
+                      </p:childTnLst>
+                    </p:cTn>
+                  </p:par>
+                  <p:par>
+                    <p:cTn id="11" fill="hold">
+                      <p:stCondLst>
+                        <p:cond delay="indefinite"/>
+                      </p:stCondLst>
+                      <p:childTnLst>
+                        <p:par>
+                          <p:cTn id="12" fill="hold">
+                            <p:stCondLst>
+                              <p:cond delay="0"/>
+                            </p:stCondLst>
+                            <p:childTnLst>
+                              <p:par>
+                                <p:cTn id="13" presetID="1" presetClass="entr" presetSubtype="0" fill="hold" nodeType="clickEffect">
+                                  <p:stCondLst>
+                                    <p:cond delay="0"/>
+                                  </p:stCondLst>
+                                  <p:childTnLst>
+                                    <p:set>
+                                      <p:cBhvr>
+                                        <p:cTn id="14" dur="1" fill="hold">
+                                          <p:stCondLst>
+                                            <p:cond delay="0"/>
+                                          </p:stCondLst>
+                                        </p:cTn>
+                                        <p:tgtEl>
+                                          <p:spTgt spid="3">
+                                            <p:txEl>
+                                              <p:pRg st="0" end="0"/>
+                                            </p:txEl>
+                                          </p:spTgt>
+                                        </p:tgtEl>
+                                        <p:attrNameLst>
+                                          <p:attrName>style.visibility</p:attrName>
+                                        </p:attrNameLst>
+                                      </p:cBhvr>
+                                      <p:to>
+                                        <p:strVal val="visible"/>
+                                      </p:to>
+                                    </p:set>
+                                  </p:childTnLst>
+                                </p:cTn>
+                              </p:par>
+                            </p:childTnLst>
+                          </p:cTn>
+                        </p:par>
+                      </p:childTnLst>
+                    </p:cTn>
+                  </p:par>
+                  <p:par>
+                    <p:cTn id="15" fill="hold">
+                      <p:stCondLst>
+                        <p:cond delay="indefinite"/>
+                      </p:stCondLst>
+                      <p:childTnLst>
+                        <p:par>
+                          <p:cTn id="16" fill="hold">
+                            <p:stCondLst>
+                              <p:cond delay="0"/>
+                            </p:stCondLst>
+                            <p:childTnLst>
+                              <p:par>
+                                <p:cTn id="17" presetID="1" presetClass="entr" presetSubtype="0" fill="hold" nodeType="clickEffect">
+                                  <p:stCondLst>
+                                    <p:cond delay="0"/>
+                                  </p:stCondLst>
+                                  <p:childTnLst>
+                                    <p:set>
+                                      <p:cBhvr>
+                                        <p:cTn id="18" dur="1" fill="hold">
+                                          <p:stCondLst>
+                                            <p:cond delay="0"/>
+                                          </p:stCondLst>
+                                        </p:cTn>
+                                        <p:tgtEl>
+                                          <p:spTgt spid="3">
+                                            <p:txEl>
+                                              <p:pRg st="2" end="2"/>
+                                            </p:txEl>
+                                          </p:spTgt>
+                                        </p:tgtEl>
+                                        <p:attrNameLst>
+                                          <p:attrName>style.visibility</p:attrName>
+                                        </p:attrNameLst>
+                                      </p:cBhvr>
+                                      <p:to>
+                                        <p:strVal val="visible"/>
+                                      </p:to>
+                                    </p:set>
+                                  </p:childTnLst>
+                                </p:cTn>
+                              </p:par>
+                              <p:par>
+                                <p:cTn id="19" presetID="1" presetClass="entr" presetSubtype="0" fill="hold" grpId="0" nodeType="withEffect">
+                                  <p:stCondLst>
+                                    <p:cond delay="0"/>
+                                  </p:stCondLst>
+                                  <p:childTnLst>
+                                    <p:set>
+                                      <p:cBhvr>
+                                        <p:cTn id="20" dur="1" fill="hold">
+                                          <p:stCondLst>
+                                            <p:cond delay="0"/>
+                                          </p:stCondLst>
+                                        </p:cTn>
+                                        <p:tgtEl>
+                                          <p:spTgt spid="7"/>
+                                        </p:tgtEl>
+                                        <p:attrNameLst>
+                                          <p:attrName>style.visibility</p:attrName>
+                                        </p:attrNameLst>
+                                      </p:cBhvr>
+                                      <p:to>
+                                        <p:strVal val="visible"/>
+                                      </p:to>
+                                    </p:set>
+                                  </p:childTnLst>
+                                </p:cTn>
+                              </p:par>
+                            </p:childTnLst>
+                          </p:cTn>
+                        </p:par>
+                      </p:childTnLst>
+                    </p:cTn>
+                  </p:par>
+                </p:childTnLst>
+              </p:cTn>
+              <p:prevCondLst>
+                <p:cond evt="onPrev" delay="0">
+                  <p:tgtEl>
+                    <p:sldTgt/>
+                  </p:tgtEl>
+                </p:cond>
+              </p:prevCondLst>
+              <p:nextCondLst>
+                <p:cond evt="onNext" delay="0">
+                  <p:tgtEl>
+                    <p:sldTgt/>
+                  </p:tgtEl>
+                </p:cond>
+              </p:nextCondLst>
+            </p:seq>
+          </p:childTnLst>
+        </p:cTn>
+      </p:par>
+    </p:tnLst>
+    <p:bldLst>
+      <p:bldP spid="7" grpId="0"/>
+      <p:bldP spid="7" grpId="1"/>
+    </p:bldLst>
+  </p:timing>
+</p:sld>
+</file>
+
+<file path=ppt/slides/slide5.xml><?xml version="1.0" encoding="utf-8"?>
 <p:sld xmlns:a="http://schemas.openxmlformats.org/drawingml/2006/main" xmlns:r="http://schemas.openxmlformats.org/officeDocument/2006/relationships" xmlns:p="http://schemas.openxmlformats.org/presentationml/2006/main">
   <p:cSld>
     <p:spTree>
@@ -5991,7 +7435,7 @@
 </p:sld>
 </file>
 
-<file path=ppt/slides/slide4.xml><?xml version="1.0" encoding="utf-8"?>
+<file path=ppt/slides/slide6.xml><?xml version="1.0" encoding="utf-8"?>
 <p:sld xmlns:a="http://schemas.openxmlformats.org/drawingml/2006/main" xmlns:r="http://schemas.openxmlformats.org/officeDocument/2006/relationships" xmlns:p="http://schemas.openxmlformats.org/presentationml/2006/main">
   <p:cSld>
     <p:spTree>
@@ -6077,7 +7521,7 @@
 </p:sld>
 </file>
 
-<file path=ppt/slides/slide5.xml><?xml version="1.0" encoding="utf-8"?>
+<file path=ppt/slides/slide7.xml><?xml version="1.0" encoding="utf-8"?>
 <p:sld xmlns:a="http://schemas.openxmlformats.org/drawingml/2006/main" xmlns:r="http://schemas.openxmlformats.org/officeDocument/2006/relationships" xmlns:p="http://schemas.openxmlformats.org/presentationml/2006/main">
   <p:cSld>
     <p:spTree>
@@ -6868,7 +8312,7 @@
 </p:sld>
 </file>
 
-<file path=ppt/slides/slide6.xml><?xml version="1.0" encoding="utf-8"?>
+<file path=ppt/slides/slide8.xml><?xml version="1.0" encoding="utf-8"?>
 <p:sld xmlns:a="http://schemas.openxmlformats.org/drawingml/2006/main" xmlns:r="http://schemas.openxmlformats.org/officeDocument/2006/relationships" xmlns:p="http://schemas.openxmlformats.org/presentationml/2006/main">
   <p:cSld>
     <p:spTree>
@@ -7105,7 +8549,7 @@
 </p:sld>
 </file>
 
-<file path=ppt/slides/slide7.xml><?xml version="1.0" encoding="utf-8"?>
+<file path=ppt/slides/slide9.xml><?xml version="1.0" encoding="utf-8"?>
 <p:sld xmlns:a="http://schemas.openxmlformats.org/drawingml/2006/main" xmlns:r="http://schemas.openxmlformats.org/officeDocument/2006/relationships" xmlns:p="http://schemas.openxmlformats.org/presentationml/2006/main">
   <p:cSld>
     <p:spTree>
@@ -7232,400 +8676,6 @@
   <p:clrMapOvr>
     <a:masterClrMapping/>
   </p:clrMapOvr>
-</p:sld>
-</file>
-
-<file path=ppt/slides/slide8.xml><?xml version="1.0" encoding="utf-8"?>
-<p:sld xmlns:a="http://schemas.openxmlformats.org/drawingml/2006/main" xmlns:r="http://schemas.openxmlformats.org/officeDocument/2006/relationships" xmlns:p="http://schemas.openxmlformats.org/presentationml/2006/main">
-  <p:cSld>
-    <p:spTree>
-      <p:nvGrpSpPr>
-        <p:cNvPr id="1" name=""/>
-        <p:cNvGrpSpPr/>
-        <p:nvPr/>
-      </p:nvGrpSpPr>
-      <p:grpSpPr/>
-      <p:sp>
-        <p:nvSpPr>
-          <p:cNvPr id="2" name="Title 1"/>
-          <p:cNvSpPr>
-            <a:spLocks noGrp="1"/>
-          </p:cNvSpPr>
-          <p:nvPr>
-            <p:ph type="title"/>
-          </p:nvPr>
-        </p:nvSpPr>
-        <p:spPr/>
-        <p:txBody>
-          <a:bodyPr/>
-          <a:p>
-            <a:r>
-              <a:rPr lang="en-US" altLang="en-US" b="1"/>
-              <a:t>什么是萼片...</a:t>
-            </a:r>
-            <a:endParaRPr lang="en-US" altLang="en-US" b="1"/>
-          </a:p>
-        </p:txBody>
-      </p:sp>
-      <p:sp>
-        <p:nvSpPr>
-          <p:cNvPr id="4" name="Text Box 3"/>
-          <p:cNvSpPr txBox="1"/>
-          <p:nvPr/>
-        </p:nvSpPr>
-        <p:spPr>
-          <a:xfrm>
-            <a:off x="1181100" y="5109210"/>
-            <a:ext cx="9131300" cy="1383665"/>
-          </a:xfrm>
-          <a:prstGeom prst="rect">
-            <a:avLst/>
-          </a:prstGeom>
-          <a:noFill/>
-        </p:spPr>
-        <p:txBody>
-          <a:bodyPr wrap="square" rtlCol="0" anchor="t">
-            <a:spAutoFit/>
-          </a:bodyPr>
-          <a:p>
-            <a:pPr algn="ctr"/>
-            <a:r>
-              <a:rPr lang="en-US" sz="2800" b="1"/>
-              <a:t>萼片是植物组织，指花的最外一环，能保护花蕾的内部。</a:t>
-            </a:r>
-            <a:endParaRPr lang="en-US" sz="2800" b="1"/>
-          </a:p>
-          <a:p>
-            <a:pPr algn="ctr"/>
-            <a:endParaRPr lang="en-US" sz="2800" b="1"/>
-          </a:p>
-          <a:p>
-            <a:pPr algn="ctr"/>
-            <a:r>
-              <a:rPr lang="en-US" sz="2800" b="1"/>
-              <a:t> 一环完整的萼片组成了花萼(calyx)。常为绿色。</a:t>
-            </a:r>
-            <a:endParaRPr lang="en-US" sz="2800" b="1"/>
-          </a:p>
-        </p:txBody>
-      </p:sp>
-      <p:pic>
-        <p:nvPicPr>
-          <p:cNvPr id="5" name="Picture 4"/>
-          <p:cNvPicPr>
-            <a:picLocks noChangeAspect="1"/>
-          </p:cNvPicPr>
-          <p:nvPr/>
-        </p:nvPicPr>
-        <p:blipFill>
-          <a:blip r:embed="rId1"/>
-          <a:stretch>
-            <a:fillRect/>
-          </a:stretch>
-        </p:blipFill>
-        <p:spPr>
-          <a:xfrm>
-            <a:off x="4340860" y="1309370"/>
-            <a:ext cx="3277870" cy="3400425"/>
-          </a:xfrm>
-          <a:prstGeom prst="rect">
-            <a:avLst/>
-          </a:prstGeom>
-        </p:spPr>
-      </p:pic>
-    </p:spTree>
-  </p:cSld>
-  <p:clrMapOvr>
-    <a:masterClrMapping/>
-  </p:clrMapOvr>
-</p:sld>
-</file>
-
-<file path=ppt/slides/slide9.xml><?xml version="1.0" encoding="utf-8"?>
-<p:sld xmlns:a="http://schemas.openxmlformats.org/drawingml/2006/main" xmlns:r="http://schemas.openxmlformats.org/officeDocument/2006/relationships" xmlns:p="http://schemas.openxmlformats.org/presentationml/2006/main">
-  <p:cSld>
-    <p:spTree>
-      <p:nvGrpSpPr>
-        <p:cNvPr id="1" name=""/>
-        <p:cNvGrpSpPr/>
-        <p:nvPr/>
-      </p:nvGrpSpPr>
-      <p:grpSpPr/>
-      <p:sp>
-        <p:nvSpPr>
-          <p:cNvPr id="2" name="Title 1"/>
-          <p:cNvSpPr>
-            <a:spLocks noGrp="1"/>
-          </p:cNvSpPr>
-          <p:nvPr>
-            <p:ph type="title"/>
-          </p:nvPr>
-        </p:nvSpPr>
-        <p:spPr/>
-        <p:txBody>
-          <a:bodyPr/>
-          <a:p>
-            <a:r>
-              <a:rPr lang="en-US" altLang="en-US"/>
-              <a:t>knn（</a:t>
-            </a:r>
-            <a:r>
-              <a:rPr lang="en-US">
-                <a:sym typeface="+mn-ea"/>
-              </a:rPr>
-              <a:t>K-Nearest Neighbours</a:t>
-            </a:r>
-            <a:r>
-              <a:rPr lang="en-US" altLang="en-US"/>
-              <a:t>）分类</a:t>
-            </a:r>
-            <a:endParaRPr lang="en-US" altLang="en-US"/>
-          </a:p>
-        </p:txBody>
-      </p:sp>
-      <p:sp>
-        <p:nvSpPr>
-          <p:cNvPr id="3" name="Content Placeholder 2"/>
-          <p:cNvSpPr>
-            <a:spLocks noGrp="1"/>
-          </p:cNvSpPr>
-          <p:nvPr>
-            <p:ph idx="1"/>
-          </p:nvPr>
-        </p:nvSpPr>
-        <p:spPr>
-          <a:xfrm>
-            <a:off x="838200" y="1825625"/>
-            <a:ext cx="5426710" cy="4874895"/>
-          </a:xfrm>
-        </p:spPr>
-        <p:txBody>
-          <a:bodyPr>
-            <a:normAutofit fontScale="90000"/>
-          </a:bodyPr>
-          <a:p>
-            <a:pPr marL="0" indent="0">
-              <a:lnSpc>
-                <a:spcPct val="150000"/>
-              </a:lnSpc>
-              <a:buNone/>
-            </a:pPr>
-            <a:r>
-              <a:rPr lang="en-US" sz="2400" b="1"/>
-              <a:t>K邻近算法是一个简单的，常被用于分类问题的算法</a:t>
-            </a:r>
-            <a:r>
-              <a:rPr lang="en-US" altLang="en-US" sz="2400" b="1"/>
-              <a:t>。是一种“懒算法”</a:t>
-            </a:r>
-            <a:r>
-              <a:rPr lang="en-US" sz="2400" b="1"/>
-              <a:t>。</a:t>
-            </a:r>
-            <a:endParaRPr lang="en-US" sz="2400"/>
-          </a:p>
-          <a:p>
-            <a:pPr marL="0" indent="0">
-              <a:lnSpc>
-                <a:spcPct val="150000"/>
-              </a:lnSpc>
-              <a:buNone/>
-            </a:pPr>
-            <a:r>
-              <a:rPr lang="en-US" altLang="en-US" sz="2400" b="1">
-                <a:solidFill>
-                  <a:srgbClr val="C00000"/>
-                </a:solidFill>
-              </a:rPr>
-              <a:t>如右图，已知有三类样本，在参数空间的分布为亮绿、绿、棕。现需确定灰色样本点应当分在哪一类？</a:t>
-            </a:r>
-            <a:endParaRPr lang="en-US" altLang="en-US" sz="2400"/>
-          </a:p>
-          <a:p>
-            <a:pPr marL="0" indent="0">
-              <a:lnSpc>
-                <a:spcPct val="150000"/>
-              </a:lnSpc>
-              <a:buNone/>
-            </a:pPr>
-            <a:r>
-              <a:rPr lang="en-US" altLang="en-US" sz="2400" b="1">
-                <a:solidFill>
-                  <a:srgbClr val="00B050"/>
-                </a:solidFill>
-              </a:rPr>
-              <a:t>算法寻找距离它最近的k个点。例如，k=3的情况下发现三个最近邻居里亮绿色的点最多（2个）。于是将它划分为亮绿。</a:t>
-            </a:r>
-            <a:endParaRPr lang="en-US" sz="2400"/>
-          </a:p>
-          <a:p>
-            <a:pPr marL="0" indent="0">
-              <a:lnSpc>
-                <a:spcPct val="150000"/>
-              </a:lnSpc>
-              <a:buNone/>
-            </a:pPr>
-            <a:endParaRPr lang="en-US" sz="2400"/>
-          </a:p>
-        </p:txBody>
-      </p:sp>
-      <p:pic>
-        <p:nvPicPr>
-          <p:cNvPr id="4" name="Picture 3"/>
-          <p:cNvPicPr>
-            <a:picLocks noChangeAspect="1"/>
-          </p:cNvPicPr>
-          <p:nvPr/>
-        </p:nvPicPr>
-        <p:blipFill>
-          <a:blip r:embed="rId1"/>
-          <a:stretch>
-            <a:fillRect/>
-          </a:stretch>
-        </p:blipFill>
-        <p:spPr>
-          <a:xfrm>
-            <a:off x="6461125" y="1307465"/>
-            <a:ext cx="5923280" cy="5883910"/>
-          </a:xfrm>
-          <a:prstGeom prst="rect">
-            <a:avLst/>
-          </a:prstGeom>
-        </p:spPr>
-      </p:pic>
-    </p:spTree>
-  </p:cSld>
-  <p:clrMapOvr>
-    <a:masterClrMapping/>
-  </p:clrMapOvr>
-  <p:timing>
-    <p:tnLst>
-      <p:par>
-        <p:cTn id="1" dur="indefinite" restart="never" nodeType="tmRoot">
-          <p:childTnLst>
-            <p:seq concurrent="1" nextAc="seek">
-              <p:cTn id="2" dur="indefinite" nodeType="mainSeq">
-                <p:childTnLst>
-                  <p:par>
-                    <p:cTn id="3" fill="hold">
-                      <p:stCondLst>
-                        <p:cond delay="indefinite"/>
-                      </p:stCondLst>
-                      <p:childTnLst>
-                        <p:par>
-                          <p:cTn id="4" fill="hold">
-                            <p:stCondLst>
-                              <p:cond delay="0"/>
-                            </p:stCondLst>
-                            <p:childTnLst>
-                              <p:par>
-                                <p:cTn id="5" presetID="1" presetClass="entr" presetSubtype="0" fill="hold" nodeType="clickEffect">
-                                  <p:stCondLst>
-                                    <p:cond delay="0"/>
-                                  </p:stCondLst>
-                                  <p:childTnLst>
-                                    <p:set>
-                                      <p:cBhvr>
-                                        <p:cTn id="6" dur="1" fill="hold">
-                                          <p:stCondLst>
-                                            <p:cond delay="0"/>
-                                          </p:stCondLst>
-                                        </p:cTn>
-                                        <p:tgtEl>
-                                          <p:spTgt spid="3">
-                                            <p:txEl>
-                                              <p:pRg st="1" end="1"/>
-                                            </p:txEl>
-                                          </p:spTgt>
-                                        </p:tgtEl>
-                                        <p:attrNameLst>
-                                          <p:attrName>style.visibility</p:attrName>
-                                        </p:attrNameLst>
-                                      </p:cBhvr>
-                                      <p:to>
-                                        <p:strVal val="visible"/>
-                                      </p:to>
-                                    </p:set>
-                                  </p:childTnLst>
-                                </p:cTn>
-                              </p:par>
-                            </p:childTnLst>
-                          </p:cTn>
-                        </p:par>
-                      </p:childTnLst>
-                    </p:cTn>
-                  </p:par>
-                  <p:par>
-                    <p:cTn id="7" fill="hold">
-                      <p:stCondLst>
-                        <p:cond delay="indefinite"/>
-                      </p:stCondLst>
-                      <p:childTnLst>
-                        <p:par>
-                          <p:cTn id="8" fill="hold">
-                            <p:stCondLst>
-                              <p:cond delay="0"/>
-                            </p:stCondLst>
-                            <p:childTnLst>
-                              <p:par>
-                                <p:cTn id="9" presetID="1" presetClass="entr" presetSubtype="0" fill="hold" nodeType="clickEffect">
-                                  <p:stCondLst>
-                                    <p:cond delay="0"/>
-                                  </p:stCondLst>
-                                  <p:childTnLst>
-                                    <p:set>
-                                      <p:cBhvr>
-                                        <p:cTn id="10" dur="1" fill="hold">
-                                          <p:stCondLst>
-                                            <p:cond delay="0"/>
-                                          </p:stCondLst>
-                                        </p:cTn>
-                                        <p:tgtEl>
-                                          <p:spTgt spid="3">
-                                            <p:txEl>
-                                              <p:pRg st="2" end="2"/>
-                                            </p:txEl>
-                                          </p:spTgt>
-                                        </p:tgtEl>
-                                        <p:attrNameLst>
-                                          <p:attrName>style.visibility</p:attrName>
-                                        </p:attrNameLst>
-                                      </p:cBhvr>
-                                      <p:to>
-                                        <p:strVal val="visible"/>
-                                      </p:to>
-                                    </p:set>
-                                  </p:childTnLst>
-                                </p:cTn>
-                              </p:par>
-                            </p:childTnLst>
-                          </p:cTn>
-                        </p:par>
-                      </p:childTnLst>
-                    </p:cTn>
-                  </p:par>
-                </p:childTnLst>
-              </p:cTn>
-              <p:prevCondLst>
-                <p:cond evt="onPrev" delay="0">
-                  <p:tgtEl>
-                    <p:sldTgt/>
-                  </p:tgtEl>
-                </p:cond>
-              </p:prevCondLst>
-              <p:nextCondLst>
-                <p:cond evt="onNext" delay="0">
-                  <p:tgtEl>
-                    <p:sldTgt/>
-                  </p:tgtEl>
-                </p:cond>
-              </p:nextCondLst>
-            </p:seq>
-          </p:childTnLst>
-        </p:cTn>
-      </p:par>
-    </p:tnLst>
-  </p:timing>
 </p:sld>
 </file>
 

--- a/week5_ml_concepts.pptx
+++ b/week5_ml_concepts.pptx
@@ -9,17 +9,17 @@
     <p:sldId id="379" r:id="rId4"/>
     <p:sldId id="260" r:id="rId5"/>
     <p:sldId id="380" r:id="rId6"/>
-    <p:sldId id="363" r:id="rId7"/>
-    <p:sldId id="262" r:id="rId8"/>
-    <p:sldId id="291" r:id="rId9"/>
-    <p:sldId id="371" r:id="rId10"/>
-    <p:sldId id="295" r:id="rId11"/>
-    <p:sldId id="365" r:id="rId12"/>
-    <p:sldId id="366" r:id="rId13"/>
-    <p:sldId id="367" r:id="rId14"/>
-    <p:sldId id="368" r:id="rId15"/>
-    <p:sldId id="372" r:id="rId16"/>
-    <p:sldId id="370" r:id="rId17"/>
+    <p:sldId id="393" r:id="rId7"/>
+    <p:sldId id="394" r:id="rId8"/>
+    <p:sldId id="395" r:id="rId9"/>
+    <p:sldId id="396" r:id="rId10"/>
+    <p:sldId id="397" r:id="rId11"/>
+    <p:sldId id="398" r:id="rId12"/>
+    <p:sldId id="399" r:id="rId13"/>
+    <p:sldId id="400" r:id="rId14"/>
+    <p:sldId id="404" r:id="rId15"/>
+    <p:sldId id="401" r:id="rId16"/>
+    <p:sldId id="402" r:id="rId17"/>
   </p:sldIdLst>
   <p:sldSz cx="12192000" cy="6858000"/>
   <p:notesSz cx="6858000" cy="9144000"/>
@@ -3020,7 +3020,7 @@
               </a:rPr>
             </a:br>
             <a:r>
-              <a:rPr lang="" altLang="en-US" sz="5400" b="1">
+              <a:rPr lang="en-US" altLang="en-US" sz="5400" b="1">
                 <a:solidFill>
                   <a:schemeClr val="tx1"/>
                 </a:solidFill>
@@ -3040,7 +3040,7 @@
               </a:rPr>
               <a:t>训练，测试，泛化，过拟合</a:t>
             </a:r>
-            <a:endParaRPr lang="" altLang="en-US" sz="5400" b="1">
+            <a:endParaRPr lang="en-US" altLang="en-US" sz="5400" b="1">
               <a:solidFill>
                 <a:schemeClr val="tx1"/>
               </a:solidFill>
@@ -3318,126 +3318,10 @@
           <a:bodyPr/>
           <a:p>
             <a:r>
-              <a:rPr lang="en-US" altLang="en-US" b="1"/>
-              <a:t>什么是萼片...</a:t>
-            </a:r>
-            <a:endParaRPr lang="en-US" altLang="en-US" b="1"/>
-          </a:p>
-        </p:txBody>
-      </p:sp>
-      <p:sp>
-        <p:nvSpPr>
-          <p:cNvPr id="4" name="Text Box 3"/>
-          <p:cNvSpPr txBox="1"/>
-          <p:nvPr/>
-        </p:nvSpPr>
-        <p:spPr>
-          <a:xfrm>
-            <a:off x="1181100" y="5109210"/>
-            <a:ext cx="9131300" cy="1383665"/>
-          </a:xfrm>
-          <a:prstGeom prst="rect">
-            <a:avLst/>
-          </a:prstGeom>
-          <a:noFill/>
-        </p:spPr>
-        <p:txBody>
-          <a:bodyPr wrap="square" rtlCol="0" anchor="t">
-            <a:spAutoFit/>
-          </a:bodyPr>
-          <a:p>
-            <a:pPr algn="ctr"/>
-            <a:r>
-              <a:rPr lang="en-US" sz="2800" b="1"/>
-              <a:t>萼片是植物组织，指花的最外一环，能保护花蕾的内部。</a:t>
-            </a:r>
-            <a:endParaRPr lang="en-US" sz="2800" b="1"/>
-          </a:p>
-          <a:p>
-            <a:pPr algn="ctr"/>
-            <a:endParaRPr lang="en-US" sz="2800" b="1"/>
-          </a:p>
-          <a:p>
-            <a:pPr algn="ctr"/>
-            <a:r>
-              <a:rPr lang="en-US" sz="2800" b="1"/>
-              <a:t> 一环完整的萼片组成了花萼(calyx)。常为绿色。</a:t>
-            </a:r>
-            <a:endParaRPr lang="en-US" sz="2800" b="1"/>
-          </a:p>
-        </p:txBody>
-      </p:sp>
-      <p:pic>
-        <p:nvPicPr>
-          <p:cNvPr id="5" name="Picture 4"/>
-          <p:cNvPicPr>
-            <a:picLocks noChangeAspect="1"/>
-          </p:cNvPicPr>
-          <p:nvPr/>
-        </p:nvPicPr>
-        <p:blipFill>
-          <a:blip r:embed="rId1"/>
-          <a:stretch>
-            <a:fillRect/>
-          </a:stretch>
-        </p:blipFill>
-        <p:spPr>
-          <a:xfrm>
-            <a:off x="4340860" y="1309370"/>
-            <a:ext cx="3277870" cy="3400425"/>
-          </a:xfrm>
-          <a:prstGeom prst="rect">
-            <a:avLst/>
-          </a:prstGeom>
-        </p:spPr>
-      </p:pic>
-    </p:spTree>
-  </p:cSld>
-  <p:clrMapOvr>
-    <a:masterClrMapping/>
-  </p:clrMapOvr>
-</p:sld>
-</file>
-
-<file path=ppt/slides/slide11.xml><?xml version="1.0" encoding="utf-8"?>
-<p:sld xmlns:a="http://schemas.openxmlformats.org/drawingml/2006/main" xmlns:r="http://schemas.openxmlformats.org/officeDocument/2006/relationships" xmlns:p="http://schemas.openxmlformats.org/presentationml/2006/main">
-  <p:cSld>
-    <p:spTree>
-      <p:nvGrpSpPr>
-        <p:cNvPr id="1" name=""/>
-        <p:cNvGrpSpPr/>
-        <p:nvPr/>
-      </p:nvGrpSpPr>
-      <p:grpSpPr/>
-      <p:sp>
-        <p:nvSpPr>
-          <p:cNvPr id="2" name="Title 1"/>
-          <p:cNvSpPr>
-            <a:spLocks noGrp="1"/>
-          </p:cNvSpPr>
-          <p:nvPr>
-            <p:ph type="title"/>
-          </p:nvPr>
-        </p:nvSpPr>
-        <p:spPr/>
-        <p:txBody>
-          <a:bodyPr/>
-          <a:p>
-            <a:r>
-              <a:rPr lang="en-US" altLang="en-US"/>
-              <a:t>knn（</a:t>
-            </a:r>
-            <a:r>
-              <a:rPr lang="en-US">
-                <a:sym typeface="+mn-ea"/>
-              </a:rPr>
-              <a:t>K-Nearest Neighbours</a:t>
-            </a:r>
-            <a:r>
-              <a:rPr lang="en-US" altLang="en-US"/>
-              <a:t>）分类</a:t>
-            </a:r>
-            <a:endParaRPr lang="en-US" altLang="en-US"/>
+              <a:rPr lang="" altLang="en-US" sz="3600" b="1"/>
+              <a:t>sklearn 实现训练与测试数据分割</a:t>
+            </a:r>
+            <a:endParaRPr lang="" altLang="en-US" sz="3600" b="1"/>
           </a:p>
         </p:txBody>
       </p:sp>
@@ -3454,103 +3338,79 @@
         <p:spPr>
           <a:xfrm>
             <a:off x="838200" y="1825625"/>
-            <a:ext cx="5426710" cy="4874895"/>
+            <a:ext cx="7033895" cy="4351655"/>
           </a:xfrm>
         </p:spPr>
         <p:txBody>
           <a:bodyPr>
-            <a:normAutofit fontScale="90000"/>
+            <a:noAutofit/>
           </a:bodyPr>
           <a:p>
             <a:pPr marL="0" indent="0">
               <a:lnSpc>
-                <a:spcPct val="150000"/>
+                <a:spcPct val="120000"/>
               </a:lnSpc>
+              <a:spcAft>
+                <a:spcPts val="0"/>
+              </a:spcAft>
               <a:buNone/>
             </a:pPr>
-            <a:r>
-              <a:rPr lang="en-US" sz="2400" b="1"/>
-              <a:t>K邻近算法是一个简单的，常被用于分类问题的算法</a:t>
-            </a:r>
-            <a:r>
-              <a:rPr lang="en-US" altLang="en-US" sz="2400" b="1"/>
-              <a:t>。是一种“懒算法”</a:t>
-            </a:r>
-            <a:r>
-              <a:rPr lang="en-US" sz="2400" b="1"/>
-              <a:t>。</a:t>
-            </a:r>
-            <a:endParaRPr lang="en-US" sz="2400"/>
           </a:p>
           <a:p>
             <a:pPr marL="0" indent="0">
               <a:lnSpc>
-                <a:spcPct val="150000"/>
+                <a:spcPct val="120000"/>
               </a:lnSpc>
+              <a:spcAft>
+                <a:spcPts val="0"/>
+              </a:spcAft>
               <a:buNone/>
             </a:pPr>
-            <a:r>
-              <a:rPr lang="en-US" altLang="en-US" sz="2400" b="1">
-                <a:solidFill>
-                  <a:srgbClr val="C00000"/>
-                </a:solidFill>
-              </a:rPr>
-              <a:t>如右图，已知有三类样本，在参数空间的分布为亮绿、绿、棕。现需确定灰色样本点应当分在哪一类？</a:t>
-            </a:r>
-            <a:endParaRPr lang="en-US" altLang="en-US" sz="2400"/>
-          </a:p>
-          <a:p>
-            <a:pPr marL="0" indent="0">
-              <a:lnSpc>
-                <a:spcPct val="150000"/>
-              </a:lnSpc>
-              <a:buNone/>
-            </a:pPr>
-            <a:r>
-              <a:rPr lang="en-US" altLang="en-US" sz="2400" b="1">
-                <a:solidFill>
-                  <a:srgbClr val="00B050"/>
-                </a:solidFill>
-              </a:rPr>
-              <a:t>算法寻找距离它最近的k个点。例如，k=3的情况下发现三个最近邻居里亮绿色的点最多（2个）。于是将它划分为亮绿。</a:t>
-            </a:r>
-            <a:endParaRPr lang="en-US" sz="2400"/>
-          </a:p>
-          <a:p>
-            <a:pPr marL="0" indent="0">
-              <a:lnSpc>
-                <a:spcPct val="150000"/>
-              </a:lnSpc>
-              <a:buNone/>
-            </a:pPr>
-            <a:endParaRPr lang="en-US" sz="2400"/>
-          </a:p>
-        </p:txBody>
-      </p:sp>
-      <p:pic>
-        <p:nvPicPr>
-          <p:cNvPr id="4" name="Picture 3"/>
-          <p:cNvPicPr>
-            <a:picLocks noChangeAspect="1"/>
-          </p:cNvPicPr>
+          </a:p>
+        </p:txBody>
+      </p:sp>
+      <p:sp>
+        <p:nvSpPr>
+          <p:cNvPr id="5" name="Text Box 4"/>
+          <p:cNvSpPr txBox="1"/>
           <p:nvPr/>
-        </p:nvPicPr>
-        <p:blipFill>
-          <a:blip r:embed="rId1"/>
-          <a:stretch>
-            <a:fillRect/>
-          </a:stretch>
-        </p:blipFill>
+        </p:nvSpPr>
         <p:spPr>
           <a:xfrm>
-            <a:off x="6461125" y="1307465"/>
-            <a:ext cx="5923280" cy="5883910"/>
+            <a:off x="1064895" y="2690495"/>
+            <a:ext cx="10446385" cy="1322070"/>
           </a:xfrm>
           <a:prstGeom prst="rect">
             <a:avLst/>
           </a:prstGeom>
+          <a:noFill/>
         </p:spPr>
-      </p:pic>
+        <p:txBody>
+          <a:bodyPr wrap="square" rtlCol="0" anchor="t">
+            <a:spAutoFit/>
+          </a:bodyPr>
+          <a:p>
+            <a:pPr>
+              <a:lnSpc>
+                <a:spcPct val="200000"/>
+              </a:lnSpc>
+            </a:pPr>
+            <a:r>
+              <a:rPr lang="en-US" sz="2000" b="1"/>
+              <a:t>X_train, X_test, y_train, y_test = model_selection.train_test_split(X, y, </a:t>
+            </a:r>
+            <a:r>
+              <a:rPr lang="" altLang="en-US" sz="2000" b="1"/>
+              <a:t>	</a:t>
+            </a:r>
+            <a:r>
+              <a:rPr lang="en-US" sz="2000" b="1"/>
+              <a:t>test_size=0.3)</a:t>
+            </a:r>
+            <a:endParaRPr lang="en-US" sz="2000" b="1"/>
+          </a:p>
+        </p:txBody>
+      </p:sp>
     </p:spTree>
   </p:cSld>
   <p:clrMapOvr>
@@ -3613,33 +3473,429 @@
                       </p:childTnLst>
                     </p:cTn>
                   </p:par>
+                </p:childTnLst>
+              </p:cTn>
+              <p:prevCondLst>
+                <p:cond evt="onPrev" delay="0">
+                  <p:tgtEl>
+                    <p:sldTgt/>
+                  </p:tgtEl>
+                </p:cond>
+              </p:prevCondLst>
+              <p:nextCondLst>
+                <p:cond evt="onNext" delay="0">
+                  <p:tgtEl>
+                    <p:sldTgt/>
+                  </p:tgtEl>
+                </p:cond>
+              </p:nextCondLst>
+            </p:seq>
+          </p:childTnLst>
+        </p:cTn>
+      </p:par>
+    </p:tnLst>
+  </p:timing>
+</p:sld>
+</file>
+
+<file path=ppt/slides/slide11.xml><?xml version="1.0" encoding="utf-8"?>
+<p:sld xmlns:a="http://schemas.openxmlformats.org/drawingml/2006/main" xmlns:r="http://schemas.openxmlformats.org/officeDocument/2006/relationships" xmlns:p="http://schemas.openxmlformats.org/presentationml/2006/main">
+  <p:cSld>
+    <p:spTree>
+      <p:nvGrpSpPr>
+        <p:cNvPr id="1" name=""/>
+        <p:cNvGrpSpPr/>
+        <p:nvPr/>
+      </p:nvGrpSpPr>
+      <p:grpSpPr/>
+      <p:sp>
+        <p:nvSpPr>
+          <p:cNvPr id="2" name="Title 1"/>
+          <p:cNvSpPr>
+            <a:spLocks noGrp="1"/>
+          </p:cNvSpPr>
+          <p:nvPr>
+            <p:ph type="title"/>
+          </p:nvPr>
+        </p:nvSpPr>
+        <p:spPr/>
+        <p:txBody>
+          <a:bodyPr/>
+          <a:p>
+            <a:r>
+              <a:rPr lang="" altLang="en-US" sz="3600" b="1"/>
+              <a:t>k-折交叉检验（k-fold cross-validation）</a:t>
+            </a:r>
+            <a:endParaRPr lang="" altLang="en-US" sz="3600" b="1"/>
+          </a:p>
+        </p:txBody>
+      </p:sp>
+      <p:sp>
+        <p:nvSpPr>
+          <p:cNvPr id="3" name="Content Placeholder 2"/>
+          <p:cNvSpPr>
+            <a:spLocks noGrp="1"/>
+          </p:cNvSpPr>
+          <p:nvPr>
+            <p:ph idx="1"/>
+          </p:nvPr>
+        </p:nvSpPr>
+        <p:spPr>
+          <a:xfrm>
+            <a:off x="838200" y="1825625"/>
+            <a:ext cx="7033895" cy="4351655"/>
+          </a:xfrm>
+        </p:spPr>
+        <p:txBody>
+          <a:bodyPr>
+            <a:noAutofit/>
+          </a:bodyPr>
+          <a:p>
+            <a:pPr marL="0" indent="0">
+              <a:lnSpc>
+                <a:spcPct val="120000"/>
+              </a:lnSpc>
+              <a:spcAft>
+                <a:spcPts val="0"/>
+              </a:spcAft>
+              <a:buNone/>
+            </a:pPr>
+          </a:p>
+          <a:p>
+            <a:pPr marL="0" indent="0">
+              <a:lnSpc>
+                <a:spcPct val="120000"/>
+              </a:lnSpc>
+              <a:spcAft>
+                <a:spcPts val="0"/>
+              </a:spcAft>
+              <a:buNone/>
+            </a:pPr>
+          </a:p>
+        </p:txBody>
+      </p:sp>
+      <p:sp>
+        <p:nvSpPr>
+          <p:cNvPr id="5" name="Text Box 4"/>
+          <p:cNvSpPr txBox="1"/>
+          <p:nvPr/>
+        </p:nvSpPr>
+        <p:spPr>
+          <a:xfrm>
+            <a:off x="838200" y="1691005"/>
+            <a:ext cx="10911205" cy="5015865"/>
+          </a:xfrm>
+          <a:prstGeom prst="rect">
+            <a:avLst/>
+          </a:prstGeom>
+          <a:noFill/>
+        </p:spPr>
+        <p:txBody>
+          <a:bodyPr wrap="square" rtlCol="0" anchor="t">
+            <a:spAutoFit/>
+          </a:bodyPr>
+          <a:p>
+            <a:pPr>
+              <a:lnSpc>
+                <a:spcPct val="200000"/>
+              </a:lnSpc>
+            </a:pPr>
+            <a:r>
+              <a:rPr lang="en-US" sz="2000" b="1"/>
+              <a:t>train, test 分割有很多划分方式，在有限的样本下，只分一次是不是太浪费了？</a:t>
+            </a:r>
+            <a:endParaRPr lang="en-US" sz="2000" b="1"/>
+          </a:p>
+          <a:p>
+            <a:pPr>
+              <a:lnSpc>
+                <a:spcPct val="200000"/>
+              </a:lnSpc>
+            </a:pPr>
+            <a:r>
+              <a:rPr lang="en-US" sz="2000" b="1"/>
+              <a:t>所以，一般用 k折交叉检验～</a:t>
+            </a:r>
+            <a:endParaRPr lang="en-US" sz="2000" b="1"/>
+          </a:p>
+          <a:p>
+            <a:pPr>
+              <a:lnSpc>
+                <a:spcPct val="200000"/>
+              </a:lnSpc>
+            </a:pPr>
+            <a:r>
+              <a:rPr lang="en-US" sz="2000" b="1"/>
+              <a:t>K层交叉检验就是把原始的数据随机分成K个部分。在这K个部分中，选择一个作为测试数据，剩下的K-1个作为训练数据。</a:t>
+            </a:r>
+            <a:endParaRPr lang="en-US" sz="2000" b="1"/>
+          </a:p>
+          <a:p>
+            <a:pPr>
+              <a:lnSpc>
+                <a:spcPct val="200000"/>
+              </a:lnSpc>
+            </a:pPr>
+            <a:r>
+              <a:rPr lang="en-US" sz="2000" b="1"/>
+              <a:t>实际上是把实验重复做K次，每次实验都从K个部分中选择一个不同的部分作为测试数据（保证K个部分的数据都分别做过测试数据），剩下的K-1个当作训练数据进行实验。</a:t>
+            </a:r>
+            <a:endParaRPr lang="en-US" sz="2000" b="1"/>
+          </a:p>
+          <a:p>
+            <a:pPr>
+              <a:lnSpc>
+                <a:spcPct val="200000"/>
+              </a:lnSpc>
+            </a:pPr>
+            <a:r>
+              <a:rPr lang="en-US" sz="2000" b="1"/>
+              <a:t>最后把得到的K个实验结果平均。</a:t>
+            </a:r>
+            <a:endParaRPr lang="en-US" sz="2000" b="1"/>
+          </a:p>
+          <a:p>
+            <a:pPr>
+              <a:lnSpc>
+                <a:spcPct val="200000"/>
+              </a:lnSpc>
+            </a:pPr>
+            <a:r>
+              <a:rPr lang="en-US" sz="2000" b="1"/>
+              <a:t>一般取 k 为 5 或 10。</a:t>
+            </a:r>
+            <a:endParaRPr lang="en-US" sz="2000" b="1"/>
+          </a:p>
+        </p:txBody>
+      </p:sp>
+    </p:spTree>
+  </p:cSld>
+  <p:clrMapOvr>
+    <a:masterClrMapping/>
+  </p:clrMapOvr>
+  <p:timing>
+    <p:tnLst>
+      <p:par>
+        <p:cTn id="1" dur="indefinite" restart="never" nodeType="tmRoot">
+          <p:childTnLst>
+            <p:seq concurrent="1" nextAc="seek">
+              <p:cTn id="2" dur="indefinite" nodeType="mainSeq">
+                <p:childTnLst>
                   <p:par>
-                    <p:cTn id="7" fill="hold">
+                    <p:cTn id="3" fill="hold">
                       <p:stCondLst>
                         <p:cond delay="indefinite"/>
                       </p:stCondLst>
                       <p:childTnLst>
                         <p:par>
-                          <p:cTn id="8" fill="hold">
+                          <p:cTn id="4" fill="hold">
                             <p:stCondLst>
                               <p:cond delay="0"/>
                             </p:stCondLst>
                             <p:childTnLst>
                               <p:par>
-                                <p:cTn id="9" presetID="1" presetClass="entr" presetSubtype="0" fill="hold" nodeType="clickEffect">
+                                <p:cTn id="5" presetID="2" presetClass="entr" presetSubtype="4" fill="hold" nodeType="clickEffect">
                                   <p:stCondLst>
                                     <p:cond delay="0"/>
                                   </p:stCondLst>
                                   <p:childTnLst>
                                     <p:set>
                                       <p:cBhvr>
-                                        <p:cTn id="10" dur="1" fill="hold">
+                                        <p:cTn id="6" dur="1" fill="hold">
                                           <p:stCondLst>
                                             <p:cond delay="0"/>
                                           </p:stCondLst>
                                         </p:cTn>
                                         <p:tgtEl>
-                                          <p:spTgt spid="3">
+                                          <p:spTgt spid="5">
+                                            <p:txEl>
+                                              <p:pRg st="0" end="0"/>
+                                            </p:txEl>
+                                          </p:spTgt>
+                                        </p:tgtEl>
+                                        <p:attrNameLst>
+                                          <p:attrName>style.visibility</p:attrName>
+                                        </p:attrNameLst>
+                                      </p:cBhvr>
+                                      <p:to>
+                                        <p:strVal val="visible"/>
+                                      </p:to>
+                                    </p:set>
+                                    <p:anim calcmode="lin" valueType="num">
+                                      <p:cBhvr additive="base">
+                                        <p:cTn id="7" dur="500" fill="hold"/>
+                                        <p:tgtEl>
+                                          <p:spTgt spid="5">
+                                            <p:txEl>
+                                              <p:pRg st="0" end="0"/>
+                                            </p:txEl>
+                                          </p:spTgt>
+                                        </p:tgtEl>
+                                        <p:attrNameLst>
+                                          <p:attrName>ppt_x</p:attrName>
+                                        </p:attrNameLst>
+                                      </p:cBhvr>
+                                      <p:tavLst>
+                                        <p:tav tm="0">
+                                          <p:val>
+                                            <p:strVal val="#ppt_x"/>
+                                          </p:val>
+                                        </p:tav>
+                                        <p:tav tm="100000">
+                                          <p:val>
+                                            <p:strVal val="#ppt_x"/>
+                                          </p:val>
+                                        </p:tav>
+                                      </p:tavLst>
+                                    </p:anim>
+                                    <p:anim calcmode="lin" valueType="num">
+                                      <p:cBhvr additive="base">
+                                        <p:cTn id="8" dur="500" fill="hold"/>
+                                        <p:tgtEl>
+                                          <p:spTgt spid="5">
+                                            <p:txEl>
+                                              <p:pRg st="0" end="0"/>
+                                            </p:txEl>
+                                          </p:spTgt>
+                                        </p:tgtEl>
+                                        <p:attrNameLst>
+                                          <p:attrName>ppt_y</p:attrName>
+                                        </p:attrNameLst>
+                                      </p:cBhvr>
+                                      <p:tavLst>
+                                        <p:tav tm="0">
+                                          <p:val>
+                                            <p:strVal val="1+#ppt_h/2"/>
+                                          </p:val>
+                                        </p:tav>
+                                        <p:tav tm="100000">
+                                          <p:val>
+                                            <p:strVal val="#ppt_y"/>
+                                          </p:val>
+                                        </p:tav>
+                                      </p:tavLst>
+                                    </p:anim>
+                                  </p:childTnLst>
+                                </p:cTn>
+                              </p:par>
+                            </p:childTnLst>
+                          </p:cTn>
+                        </p:par>
+                      </p:childTnLst>
+                    </p:cTn>
+                  </p:par>
+                  <p:par>
+                    <p:cTn id="9" fill="hold">
+                      <p:stCondLst>
+                        <p:cond delay="indefinite"/>
+                      </p:stCondLst>
+                      <p:childTnLst>
+                        <p:par>
+                          <p:cTn id="10" fill="hold">
+                            <p:stCondLst>
+                              <p:cond delay="0"/>
+                            </p:stCondLst>
+                            <p:childTnLst>
+                              <p:par>
+                                <p:cTn id="11" presetID="2" presetClass="entr" presetSubtype="4" fill="hold" nodeType="clickEffect">
+                                  <p:stCondLst>
+                                    <p:cond delay="0"/>
+                                  </p:stCondLst>
+                                  <p:childTnLst>
+                                    <p:set>
+                                      <p:cBhvr>
+                                        <p:cTn id="12" dur="1" fill="hold">
+                                          <p:stCondLst>
+                                            <p:cond delay="0"/>
+                                          </p:stCondLst>
+                                        </p:cTn>
+                                        <p:tgtEl>
+                                          <p:spTgt spid="5">
+                                            <p:txEl>
+                                              <p:pRg st="1" end="1"/>
+                                            </p:txEl>
+                                          </p:spTgt>
+                                        </p:tgtEl>
+                                        <p:attrNameLst>
+                                          <p:attrName>style.visibility</p:attrName>
+                                        </p:attrNameLst>
+                                      </p:cBhvr>
+                                      <p:to>
+                                        <p:strVal val="visible"/>
+                                      </p:to>
+                                    </p:set>
+                                    <p:anim calcmode="lin" valueType="num">
+                                      <p:cBhvr additive="base">
+                                        <p:cTn id="13" dur="500" fill="hold"/>
+                                        <p:tgtEl>
+                                          <p:spTgt spid="5">
+                                            <p:txEl>
+                                              <p:pRg st="1" end="1"/>
+                                            </p:txEl>
+                                          </p:spTgt>
+                                        </p:tgtEl>
+                                        <p:attrNameLst>
+                                          <p:attrName>ppt_x</p:attrName>
+                                        </p:attrNameLst>
+                                      </p:cBhvr>
+                                      <p:tavLst>
+                                        <p:tav tm="0">
+                                          <p:val>
+                                            <p:strVal val="#ppt_x"/>
+                                          </p:val>
+                                        </p:tav>
+                                        <p:tav tm="100000">
+                                          <p:val>
+                                            <p:strVal val="#ppt_x"/>
+                                          </p:val>
+                                        </p:tav>
+                                      </p:tavLst>
+                                    </p:anim>
+                                    <p:anim calcmode="lin" valueType="num">
+                                      <p:cBhvr additive="base">
+                                        <p:cTn id="14" dur="500" fill="hold"/>
+                                        <p:tgtEl>
+                                          <p:spTgt spid="5">
+                                            <p:txEl>
+                                              <p:pRg st="1" end="1"/>
+                                            </p:txEl>
+                                          </p:spTgt>
+                                        </p:tgtEl>
+                                        <p:attrNameLst>
+                                          <p:attrName>ppt_y</p:attrName>
+                                        </p:attrNameLst>
+                                      </p:cBhvr>
+                                      <p:tavLst>
+                                        <p:tav tm="0">
+                                          <p:val>
+                                            <p:strVal val="1+#ppt_h/2"/>
+                                          </p:val>
+                                        </p:tav>
+                                        <p:tav tm="100000">
+                                          <p:val>
+                                            <p:strVal val="#ppt_y"/>
+                                          </p:val>
+                                        </p:tav>
+                                      </p:tavLst>
+                                    </p:anim>
+                                  </p:childTnLst>
+                                </p:cTn>
+                              </p:par>
+                              <p:par>
+                                <p:cTn id="15" presetID="2" presetClass="entr" presetSubtype="4" fill="hold" nodeType="withEffect">
+                                  <p:stCondLst>
+                                    <p:cond delay="0"/>
+                                  </p:stCondLst>
+                                  <p:childTnLst>
+                                    <p:set>
+                                      <p:cBhvr>
+                                        <p:cTn id="16" dur="1" fill="hold">
+                                          <p:stCondLst>
+                                            <p:cond delay="0"/>
+                                          </p:stCondLst>
+                                        </p:cTn>
+                                        <p:tgtEl>
+                                          <p:spTgt spid="5">
                                             <p:txEl>
                                               <p:pRg st="2" end="2"/>
                                             </p:txEl>
@@ -3653,6 +3909,351 @@
                                         <p:strVal val="visible"/>
                                       </p:to>
                                     </p:set>
+                                    <p:anim calcmode="lin" valueType="num">
+                                      <p:cBhvr additive="base">
+                                        <p:cTn id="17" dur="500" fill="hold"/>
+                                        <p:tgtEl>
+                                          <p:spTgt spid="5">
+                                            <p:txEl>
+                                              <p:pRg st="2" end="2"/>
+                                            </p:txEl>
+                                          </p:spTgt>
+                                        </p:tgtEl>
+                                        <p:attrNameLst>
+                                          <p:attrName>ppt_x</p:attrName>
+                                        </p:attrNameLst>
+                                      </p:cBhvr>
+                                      <p:tavLst>
+                                        <p:tav tm="0">
+                                          <p:val>
+                                            <p:strVal val="#ppt_x"/>
+                                          </p:val>
+                                        </p:tav>
+                                        <p:tav tm="100000">
+                                          <p:val>
+                                            <p:strVal val="#ppt_x"/>
+                                          </p:val>
+                                        </p:tav>
+                                      </p:tavLst>
+                                    </p:anim>
+                                    <p:anim calcmode="lin" valueType="num">
+                                      <p:cBhvr additive="base">
+                                        <p:cTn id="18" dur="500" fill="hold"/>
+                                        <p:tgtEl>
+                                          <p:spTgt spid="5">
+                                            <p:txEl>
+                                              <p:pRg st="2" end="2"/>
+                                            </p:txEl>
+                                          </p:spTgt>
+                                        </p:tgtEl>
+                                        <p:attrNameLst>
+                                          <p:attrName>ppt_y</p:attrName>
+                                        </p:attrNameLst>
+                                      </p:cBhvr>
+                                      <p:tavLst>
+                                        <p:tav tm="0">
+                                          <p:val>
+                                            <p:strVal val="1+#ppt_h/2"/>
+                                          </p:val>
+                                        </p:tav>
+                                        <p:tav tm="100000">
+                                          <p:val>
+                                            <p:strVal val="#ppt_y"/>
+                                          </p:val>
+                                        </p:tav>
+                                      </p:tavLst>
+                                    </p:anim>
+                                  </p:childTnLst>
+                                </p:cTn>
+                              </p:par>
+                            </p:childTnLst>
+                          </p:cTn>
+                        </p:par>
+                      </p:childTnLst>
+                    </p:cTn>
+                  </p:par>
+                  <p:par>
+                    <p:cTn id="19" fill="hold">
+                      <p:stCondLst>
+                        <p:cond delay="indefinite"/>
+                      </p:stCondLst>
+                      <p:childTnLst>
+                        <p:par>
+                          <p:cTn id="20" fill="hold">
+                            <p:stCondLst>
+                              <p:cond delay="0"/>
+                            </p:stCondLst>
+                            <p:childTnLst>
+                              <p:par>
+                                <p:cTn id="21" presetID="2" presetClass="entr" presetSubtype="4" fill="hold" nodeType="clickEffect">
+                                  <p:stCondLst>
+                                    <p:cond delay="0"/>
+                                  </p:stCondLst>
+                                  <p:childTnLst>
+                                    <p:set>
+                                      <p:cBhvr>
+                                        <p:cTn id="22" dur="1" fill="hold">
+                                          <p:stCondLst>
+                                            <p:cond delay="0"/>
+                                          </p:stCondLst>
+                                        </p:cTn>
+                                        <p:tgtEl>
+                                          <p:spTgt spid="5">
+                                            <p:txEl>
+                                              <p:pRg st="3" end="3"/>
+                                            </p:txEl>
+                                          </p:spTgt>
+                                        </p:tgtEl>
+                                        <p:attrNameLst>
+                                          <p:attrName>style.visibility</p:attrName>
+                                        </p:attrNameLst>
+                                      </p:cBhvr>
+                                      <p:to>
+                                        <p:strVal val="visible"/>
+                                      </p:to>
+                                    </p:set>
+                                    <p:anim calcmode="lin" valueType="num">
+                                      <p:cBhvr additive="base">
+                                        <p:cTn id="23" dur="500" fill="hold"/>
+                                        <p:tgtEl>
+                                          <p:spTgt spid="5">
+                                            <p:txEl>
+                                              <p:pRg st="3" end="3"/>
+                                            </p:txEl>
+                                          </p:spTgt>
+                                        </p:tgtEl>
+                                        <p:attrNameLst>
+                                          <p:attrName>ppt_x</p:attrName>
+                                        </p:attrNameLst>
+                                      </p:cBhvr>
+                                      <p:tavLst>
+                                        <p:tav tm="0">
+                                          <p:val>
+                                            <p:strVal val="#ppt_x"/>
+                                          </p:val>
+                                        </p:tav>
+                                        <p:tav tm="100000">
+                                          <p:val>
+                                            <p:strVal val="#ppt_x"/>
+                                          </p:val>
+                                        </p:tav>
+                                      </p:tavLst>
+                                    </p:anim>
+                                    <p:anim calcmode="lin" valueType="num">
+                                      <p:cBhvr additive="base">
+                                        <p:cTn id="24" dur="500" fill="hold"/>
+                                        <p:tgtEl>
+                                          <p:spTgt spid="5">
+                                            <p:txEl>
+                                              <p:pRg st="3" end="3"/>
+                                            </p:txEl>
+                                          </p:spTgt>
+                                        </p:tgtEl>
+                                        <p:attrNameLst>
+                                          <p:attrName>ppt_y</p:attrName>
+                                        </p:attrNameLst>
+                                      </p:cBhvr>
+                                      <p:tavLst>
+                                        <p:tav tm="0">
+                                          <p:val>
+                                            <p:strVal val="1+#ppt_h/2"/>
+                                          </p:val>
+                                        </p:tav>
+                                        <p:tav tm="100000">
+                                          <p:val>
+                                            <p:strVal val="#ppt_y"/>
+                                          </p:val>
+                                        </p:tav>
+                                      </p:tavLst>
+                                    </p:anim>
+                                  </p:childTnLst>
+                                </p:cTn>
+                              </p:par>
+                            </p:childTnLst>
+                          </p:cTn>
+                        </p:par>
+                      </p:childTnLst>
+                    </p:cTn>
+                  </p:par>
+                  <p:par>
+                    <p:cTn id="25" fill="hold">
+                      <p:stCondLst>
+                        <p:cond delay="indefinite"/>
+                      </p:stCondLst>
+                      <p:childTnLst>
+                        <p:par>
+                          <p:cTn id="26" fill="hold">
+                            <p:stCondLst>
+                              <p:cond delay="0"/>
+                            </p:stCondLst>
+                            <p:childTnLst>
+                              <p:par>
+                                <p:cTn id="27" presetID="2" presetClass="entr" presetSubtype="4" fill="hold" nodeType="clickEffect">
+                                  <p:stCondLst>
+                                    <p:cond delay="0"/>
+                                  </p:stCondLst>
+                                  <p:childTnLst>
+                                    <p:set>
+                                      <p:cBhvr>
+                                        <p:cTn id="28" dur="1" fill="hold">
+                                          <p:stCondLst>
+                                            <p:cond delay="0"/>
+                                          </p:stCondLst>
+                                        </p:cTn>
+                                        <p:tgtEl>
+                                          <p:spTgt spid="5">
+                                            <p:txEl>
+                                              <p:pRg st="4" end="4"/>
+                                            </p:txEl>
+                                          </p:spTgt>
+                                        </p:tgtEl>
+                                        <p:attrNameLst>
+                                          <p:attrName>style.visibility</p:attrName>
+                                        </p:attrNameLst>
+                                      </p:cBhvr>
+                                      <p:to>
+                                        <p:strVal val="visible"/>
+                                      </p:to>
+                                    </p:set>
+                                    <p:anim calcmode="lin" valueType="num">
+                                      <p:cBhvr additive="base">
+                                        <p:cTn id="29" dur="500" fill="hold"/>
+                                        <p:tgtEl>
+                                          <p:spTgt spid="5">
+                                            <p:txEl>
+                                              <p:pRg st="4" end="4"/>
+                                            </p:txEl>
+                                          </p:spTgt>
+                                        </p:tgtEl>
+                                        <p:attrNameLst>
+                                          <p:attrName>ppt_x</p:attrName>
+                                        </p:attrNameLst>
+                                      </p:cBhvr>
+                                      <p:tavLst>
+                                        <p:tav tm="0">
+                                          <p:val>
+                                            <p:strVal val="#ppt_x"/>
+                                          </p:val>
+                                        </p:tav>
+                                        <p:tav tm="100000">
+                                          <p:val>
+                                            <p:strVal val="#ppt_x"/>
+                                          </p:val>
+                                        </p:tav>
+                                      </p:tavLst>
+                                    </p:anim>
+                                    <p:anim calcmode="lin" valueType="num">
+                                      <p:cBhvr additive="base">
+                                        <p:cTn id="30" dur="500" fill="hold"/>
+                                        <p:tgtEl>
+                                          <p:spTgt spid="5">
+                                            <p:txEl>
+                                              <p:pRg st="4" end="4"/>
+                                            </p:txEl>
+                                          </p:spTgt>
+                                        </p:tgtEl>
+                                        <p:attrNameLst>
+                                          <p:attrName>ppt_y</p:attrName>
+                                        </p:attrNameLst>
+                                      </p:cBhvr>
+                                      <p:tavLst>
+                                        <p:tav tm="0">
+                                          <p:val>
+                                            <p:strVal val="1+#ppt_h/2"/>
+                                          </p:val>
+                                        </p:tav>
+                                        <p:tav tm="100000">
+                                          <p:val>
+                                            <p:strVal val="#ppt_y"/>
+                                          </p:val>
+                                        </p:tav>
+                                      </p:tavLst>
+                                    </p:anim>
+                                  </p:childTnLst>
+                                </p:cTn>
+                              </p:par>
+                              <p:par>
+                                <p:cTn id="31" presetID="2" presetClass="entr" presetSubtype="4" fill="hold" nodeType="withEffect">
+                                  <p:stCondLst>
+                                    <p:cond delay="0"/>
+                                  </p:stCondLst>
+                                  <p:childTnLst>
+                                    <p:set>
+                                      <p:cBhvr>
+                                        <p:cTn id="32" dur="1" fill="hold">
+                                          <p:stCondLst>
+                                            <p:cond delay="0"/>
+                                          </p:stCondLst>
+                                        </p:cTn>
+                                        <p:tgtEl>
+                                          <p:spTgt spid="5">
+                                            <p:txEl>
+                                              <p:pRg st="5" end="5"/>
+                                            </p:txEl>
+                                          </p:spTgt>
+                                        </p:tgtEl>
+                                        <p:attrNameLst>
+                                          <p:attrName>style.visibility</p:attrName>
+                                        </p:attrNameLst>
+                                      </p:cBhvr>
+                                      <p:to>
+                                        <p:strVal val="visible"/>
+                                      </p:to>
+                                    </p:set>
+                                    <p:anim calcmode="lin" valueType="num">
+                                      <p:cBhvr additive="base">
+                                        <p:cTn id="33" dur="500" fill="hold"/>
+                                        <p:tgtEl>
+                                          <p:spTgt spid="5">
+                                            <p:txEl>
+                                              <p:pRg st="5" end="5"/>
+                                            </p:txEl>
+                                          </p:spTgt>
+                                        </p:tgtEl>
+                                        <p:attrNameLst>
+                                          <p:attrName>ppt_x</p:attrName>
+                                        </p:attrNameLst>
+                                      </p:cBhvr>
+                                      <p:tavLst>
+                                        <p:tav tm="0">
+                                          <p:val>
+                                            <p:strVal val="#ppt_x"/>
+                                          </p:val>
+                                        </p:tav>
+                                        <p:tav tm="100000">
+                                          <p:val>
+                                            <p:strVal val="#ppt_x"/>
+                                          </p:val>
+                                        </p:tav>
+                                      </p:tavLst>
+                                    </p:anim>
+                                    <p:anim calcmode="lin" valueType="num">
+                                      <p:cBhvr additive="base">
+                                        <p:cTn id="34" dur="500" fill="hold"/>
+                                        <p:tgtEl>
+                                          <p:spTgt spid="5">
+                                            <p:txEl>
+                                              <p:pRg st="5" end="5"/>
+                                            </p:txEl>
+                                          </p:spTgt>
+                                        </p:tgtEl>
+                                        <p:attrNameLst>
+                                          <p:attrName>ppt_y</p:attrName>
+                                        </p:attrNameLst>
+                                      </p:cBhvr>
+                                      <p:tavLst>
+                                        <p:tav tm="0">
+                                          <p:val>
+                                            <p:strVal val="1+#ppt_h/2"/>
+                                          </p:val>
+                                        </p:tav>
+                                        <p:tav tm="100000">
+                                          <p:val>
+                                            <p:strVal val="#ppt_y"/>
+                                          </p:val>
+                                        </p:tav>
+                                      </p:tavLst>
+                                    </p:anim>
                                   </p:childTnLst>
                                 </p:cTn>
                               </p:par>
@@ -3712,10 +4313,10 @@
           <a:bodyPr/>
           <a:p>
             <a:r>
-              <a:rPr lang="en-US" altLang="en-US"/>
-              <a:t>k取值的影响</a:t>
-            </a:r>
-            <a:endParaRPr lang="en-US" altLang="en-US"/>
+              <a:rPr lang="en-US" altLang="en-US" sz="3600" b="1"/>
+              <a:t>k-折交叉检验（k-fold cross-validation）</a:t>
+            </a:r>
+            <a:endParaRPr lang="en-US" altLang="en-US" sz="3600" b="1"/>
           </a:p>
         </p:txBody>
       </p:sp>
@@ -3731,99 +4332,41 @@
         </p:nvSpPr>
         <p:spPr>
           <a:xfrm>
-            <a:off x="559435" y="1812290"/>
-            <a:ext cx="5717540" cy="4874895"/>
+            <a:off x="838200" y="1825625"/>
+            <a:ext cx="7033895" cy="4351655"/>
           </a:xfrm>
         </p:spPr>
         <p:txBody>
           <a:bodyPr>
-            <a:normAutofit/>
+            <a:noAutofit/>
           </a:bodyPr>
           <a:p>
             <a:pPr marL="0" indent="0">
               <a:lnSpc>
-                <a:spcPct val="150000"/>
+                <a:spcPct val="120000"/>
               </a:lnSpc>
+              <a:spcAft>
+                <a:spcPts val="0"/>
+              </a:spcAft>
               <a:buNone/>
             </a:pPr>
-            <a:r>
-              <a:rPr lang="en-US" sz="2400" b="1"/>
-              <a:t>KNN的这样的基本思想有点类似于生活中的“物以类聚。人以群分”。</a:t>
-            </a:r>
-            <a:endParaRPr lang="en-US" sz="2400"/>
           </a:p>
           <a:p>
             <a:pPr marL="0" indent="0">
               <a:lnSpc>
-                <a:spcPct val="150000"/>
+                <a:spcPct val="120000"/>
               </a:lnSpc>
+              <a:spcAft>
+                <a:spcPts val="0"/>
+              </a:spcAft>
               <a:buNone/>
             </a:pPr>
-            <a:r>
-              <a:rPr lang="en-US" altLang="en-US" sz="2400" b="1"/>
-              <a:t>不同的 </a:t>
-            </a:r>
-            <a:r>
-              <a:rPr lang="en-US" sz="2400" b="1"/>
-              <a:t>k 取值</a:t>
-            </a:r>
-            <a:r>
-              <a:rPr lang="en-US" altLang="en-US" sz="2400" b="1"/>
-              <a:t>会导致不同的分类结果。</a:t>
-            </a:r>
-            <a:endParaRPr lang="en-US" altLang="en-US" sz="2400"/>
-          </a:p>
-          <a:p>
-            <a:pPr marL="0" indent="0">
-              <a:lnSpc>
-                <a:spcPct val="150000"/>
-              </a:lnSpc>
-              <a:buNone/>
-            </a:pPr>
-            <a:r>
-              <a:rPr lang="en-US" sz="2400" b="1">
-                <a:solidFill>
-                  <a:srgbClr val="C00000"/>
-                </a:solidFill>
-              </a:rPr>
-              <a:t>k 值取小的话，意味着数据噪音将会在结果上有很大的影响。</a:t>
-            </a:r>
-            <a:r>
-              <a:rPr lang="en-US" sz="2400" b="1">
-                <a:solidFill>
-                  <a:srgbClr val="92D050"/>
-                </a:solidFill>
-              </a:rPr>
-              <a:t>k 值取大的话，将会使计算成本很大。</a:t>
-            </a:r>
-            <a:endParaRPr lang="en-US" sz="2400"/>
-          </a:p>
-          <a:p>
-            <a:pPr marL="0" indent="0">
-              <a:lnSpc>
-                <a:spcPct val="150000"/>
-              </a:lnSpc>
-              <a:buNone/>
-            </a:pPr>
-            <a:r>
-              <a:rPr lang="en-US" sz="2400" b="1"/>
-              <a:t>k 的取值</a:t>
-            </a:r>
-            <a:r>
-              <a:rPr lang="en-US" altLang="en-US" sz="2400" b="1"/>
-              <a:t>要具体问题具体分析，需要</a:t>
-            </a:r>
-            <a:r>
-              <a:rPr lang="en-US" sz="2400" b="1"/>
-              <a:t>自己来衡量。</a:t>
-            </a:r>
-            <a:endParaRPr lang="en-US" sz="2400" b="1"/>
           </a:p>
         </p:txBody>
       </p:sp>
       <p:pic>
         <p:nvPicPr>
-          <p:cNvPr id="5" name="Picture 4"/>
+          <p:cNvPr id="4" name="Picture 3"/>
           <p:cNvPicPr>
             <a:picLocks noChangeAspect="1"/>
           </p:cNvPicPr>
@@ -3837,14 +4380,567 @@
         </p:blipFill>
         <p:spPr>
           <a:xfrm>
-            <a:off x="6664960" y="2189480"/>
-            <a:ext cx="5018405" cy="3758565"/>
+            <a:off x="2030095" y="1691005"/>
+            <a:ext cx="7292340" cy="4938395"/>
           </a:xfrm>
           <a:prstGeom prst="rect">
             <a:avLst/>
           </a:prstGeom>
         </p:spPr>
       </p:pic>
+      <p:sp>
+        <p:nvSpPr>
+          <p:cNvPr id="6" name="Text Box 5"/>
+          <p:cNvSpPr txBox="1"/>
+          <p:nvPr/>
+        </p:nvSpPr>
+        <p:spPr>
+          <a:xfrm>
+            <a:off x="4826000" y="2829560"/>
+            <a:ext cx="2540000" cy="1198880"/>
+          </a:xfrm>
+          <a:prstGeom prst="rect">
+            <a:avLst/>
+          </a:prstGeom>
+          <a:noFill/>
+        </p:spPr>
+        <p:txBody>
+          <a:bodyPr wrap="square" rtlCol="0" anchor="t">
+            <a:spAutoFit/>
+          </a:bodyPr>
+          <a:p>
+            <a:r>
+              <a:rPr lang="en-US"/>
+              <a:t>model_selection.cross_validate(model, X,y, cv=5, scoring='accuracy' )</a:t>
+            </a:r>
+            <a:endParaRPr lang="en-US"/>
+          </a:p>
+        </p:txBody>
+      </p:sp>
+    </p:spTree>
+  </p:cSld>
+  <p:clrMapOvr>
+    <a:masterClrMapping/>
+  </p:clrMapOvr>
+  <p:timing>
+    <p:tnLst>
+      <p:par>
+        <p:cTn id="1" dur="indefinite" restart="never" nodeType="tmRoot"/>
+      </p:par>
+    </p:tnLst>
+  </p:timing>
+</p:sld>
+</file>
+
+<file path=ppt/slides/slide13.xml><?xml version="1.0" encoding="utf-8"?>
+<p:sld xmlns:a="http://schemas.openxmlformats.org/drawingml/2006/main" xmlns:r="http://schemas.openxmlformats.org/officeDocument/2006/relationships" xmlns:p="http://schemas.openxmlformats.org/presentationml/2006/main">
+  <p:cSld>
+    <p:spTree>
+      <p:nvGrpSpPr>
+        <p:cNvPr id="1" name=""/>
+        <p:cNvGrpSpPr/>
+        <p:nvPr/>
+      </p:nvGrpSpPr>
+      <p:grpSpPr/>
+      <p:sp>
+        <p:nvSpPr>
+          <p:cNvPr id="2" name="Title 1"/>
+          <p:cNvSpPr>
+            <a:spLocks noGrp="1"/>
+          </p:cNvSpPr>
+          <p:nvPr>
+            <p:ph type="title"/>
+          </p:nvPr>
+        </p:nvSpPr>
+        <p:spPr/>
+        <p:txBody>
+          <a:bodyPr/>
+          <a:p>
+            <a:r>
+              <a:rPr lang="en-US" altLang="en-US" sz="3600" b="1"/>
+              <a:t>sklearn </a:t>
+            </a:r>
+            <a:r>
+              <a:rPr lang="" altLang="en-US" sz="3600" b="1"/>
+              <a:t>实现 k 折交叉检验</a:t>
+            </a:r>
+            <a:endParaRPr lang="" altLang="en-US" sz="3600" b="1">
+              <a:solidFill>
+                <a:srgbClr val="C00000"/>
+              </a:solidFill>
+            </a:endParaRPr>
+          </a:p>
+        </p:txBody>
+      </p:sp>
+      <p:sp>
+        <p:nvSpPr>
+          <p:cNvPr id="5" name="Text Box 4"/>
+          <p:cNvSpPr txBox="1"/>
+          <p:nvPr/>
+        </p:nvSpPr>
+        <p:spPr>
+          <a:xfrm>
+            <a:off x="551815" y="2131695"/>
+            <a:ext cx="11482705" cy="1938020"/>
+          </a:xfrm>
+          <a:prstGeom prst="rect">
+            <a:avLst/>
+          </a:prstGeom>
+          <a:noFill/>
+        </p:spPr>
+        <p:txBody>
+          <a:bodyPr wrap="square" rtlCol="0" anchor="t">
+            <a:spAutoFit/>
+          </a:bodyPr>
+          <a:p>
+            <a:pPr>
+              <a:lnSpc>
+                <a:spcPct val="200000"/>
+              </a:lnSpc>
+            </a:pPr>
+            <a:endParaRPr lang="en-US" altLang="en-US" sz="2000" b="1"/>
+          </a:p>
+          <a:p>
+            <a:pPr>
+              <a:lnSpc>
+                <a:spcPct val="200000"/>
+              </a:lnSpc>
+            </a:pPr>
+            <a:r>
+              <a:rPr lang="en-US" sz="2000" b="1">
+                <a:sym typeface="+mn-ea"/>
+              </a:rPr>
+              <a:t>model_selection.cross_validate(model, X, y, cv=5, scoring='accuracy' )</a:t>
+            </a:r>
+            <a:endParaRPr lang="en-US" sz="2000"/>
+          </a:p>
+          <a:p>
+            <a:pPr>
+              <a:lnSpc>
+                <a:spcPct val="200000"/>
+              </a:lnSpc>
+            </a:pPr>
+            <a:endParaRPr lang="en-US" sz="2000" b="1"/>
+          </a:p>
+        </p:txBody>
+      </p:sp>
+    </p:spTree>
+  </p:cSld>
+  <p:clrMapOvr>
+    <a:masterClrMapping/>
+  </p:clrMapOvr>
+  <p:timing>
+    <p:tnLst>
+      <p:par>
+        <p:cTn id="1" dur="indefinite" restart="never" nodeType="tmRoot"/>
+      </p:par>
+    </p:tnLst>
+  </p:timing>
+</p:sld>
+</file>
+
+<file path=ppt/slides/slide14.xml><?xml version="1.0" encoding="utf-8"?>
+<p:sld xmlns:a="http://schemas.openxmlformats.org/drawingml/2006/main" xmlns:r="http://schemas.openxmlformats.org/officeDocument/2006/relationships" xmlns:p="http://schemas.openxmlformats.org/presentationml/2006/main">
+  <p:cSld>
+    <p:spTree>
+      <p:nvGrpSpPr>
+        <p:cNvPr id="1" name=""/>
+        <p:cNvGrpSpPr/>
+        <p:nvPr/>
+      </p:nvGrpSpPr>
+      <p:grpSpPr/>
+      <p:sp>
+        <p:nvSpPr>
+          <p:cNvPr id="2" name="Title 1"/>
+          <p:cNvSpPr>
+            <a:spLocks noGrp="1"/>
+          </p:cNvSpPr>
+          <p:nvPr>
+            <p:ph type="title"/>
+          </p:nvPr>
+        </p:nvSpPr>
+        <p:spPr/>
+        <p:txBody>
+          <a:bodyPr/>
+          <a:p>
+            <a:r>
+              <a:rPr lang="" altLang="en-US" sz="3600" b="1"/>
+              <a:t>验证曲线选择</a:t>
+            </a:r>
+            <a:r>
+              <a:rPr lang="" altLang="en-US" sz="3600" b="1">
+                <a:solidFill>
+                  <a:srgbClr val="C00000"/>
+                </a:solidFill>
+              </a:rPr>
+              <a:t>超参数</a:t>
+            </a:r>
+            <a:endParaRPr lang="" altLang="en-US" sz="3600" b="1">
+              <a:solidFill>
+                <a:srgbClr val="C00000"/>
+              </a:solidFill>
+            </a:endParaRPr>
+          </a:p>
+        </p:txBody>
+      </p:sp>
+      <p:sp>
+        <p:nvSpPr>
+          <p:cNvPr id="3" name="Content Placeholder 2"/>
+          <p:cNvSpPr>
+            <a:spLocks noGrp="1"/>
+          </p:cNvSpPr>
+          <p:nvPr>
+            <p:ph idx="1"/>
+          </p:nvPr>
+        </p:nvSpPr>
+        <p:spPr>
+          <a:xfrm>
+            <a:off x="838200" y="1825625"/>
+            <a:ext cx="7033895" cy="4351655"/>
+          </a:xfrm>
+        </p:spPr>
+        <p:txBody>
+          <a:bodyPr>
+            <a:noAutofit/>
+          </a:bodyPr>
+          <a:p>
+            <a:pPr marL="0" indent="0">
+              <a:lnSpc>
+                <a:spcPct val="120000"/>
+              </a:lnSpc>
+              <a:spcAft>
+                <a:spcPts val="0"/>
+              </a:spcAft>
+              <a:buNone/>
+            </a:pPr>
+          </a:p>
+          <a:p>
+            <a:pPr marL="0" indent="0">
+              <a:lnSpc>
+                <a:spcPct val="120000"/>
+              </a:lnSpc>
+              <a:spcAft>
+                <a:spcPts val="0"/>
+              </a:spcAft>
+              <a:buNone/>
+            </a:pPr>
+          </a:p>
+        </p:txBody>
+      </p:sp>
+      <p:sp>
+        <p:nvSpPr>
+          <p:cNvPr id="5" name="Content Placeholder 2"/>
+          <p:cNvSpPr>
+            <a:spLocks noGrp="1"/>
+          </p:cNvSpPr>
+          <p:nvPr/>
+        </p:nvSpPr>
+        <p:spPr>
+          <a:xfrm>
+            <a:off x="965200" y="1825625"/>
+            <a:ext cx="9956800" cy="4351655"/>
+          </a:xfrm>
+          <a:prstGeom prst="rect">
+            <a:avLst/>
+          </a:prstGeom>
+        </p:spPr>
+        <p:txBody>
+          <a:bodyPr vert="horz" lIns="91440" tIns="45720" rIns="91440" bIns="45720" rtlCol="0">
+            <a:noAutofit/>
+          </a:bodyPr>
+          <a:lstStyle>
+            <a:lvl1pPr marL="228600" indent="-228600" algn="l" defTabSz="914400" rtl="0" eaLnBrk="1" latinLnBrk="0" hangingPunct="1">
+              <a:lnSpc>
+                <a:spcPct val="90000"/>
+              </a:lnSpc>
+              <a:spcBef>
+                <a:spcPts val="1000"/>
+              </a:spcBef>
+              <a:buFont typeface="Arial" panose="02080604020202020204" pitchFamily="34" charset="0"/>
+              <a:buChar char="•"/>
+              <a:defRPr sz="2800" kern="1200">
+                <a:solidFill>
+                  <a:schemeClr val="tx1"/>
+                </a:solidFill>
+                <a:latin typeface="+mn-lt"/>
+                <a:ea typeface="+mn-ea"/>
+                <a:cs typeface="+mn-cs"/>
+              </a:defRPr>
+            </a:lvl1pPr>
+            <a:lvl2pPr marL="685800" indent="-228600" algn="l" defTabSz="914400" rtl="0" eaLnBrk="1" latinLnBrk="0" hangingPunct="1">
+              <a:lnSpc>
+                <a:spcPct val="90000"/>
+              </a:lnSpc>
+              <a:spcBef>
+                <a:spcPts val="500"/>
+              </a:spcBef>
+              <a:buFont typeface="Arial" panose="02080604020202020204" pitchFamily="34" charset="0"/>
+              <a:buChar char="•"/>
+              <a:defRPr sz="2400" kern="1200">
+                <a:solidFill>
+                  <a:schemeClr val="tx1"/>
+                </a:solidFill>
+                <a:latin typeface="+mn-lt"/>
+                <a:ea typeface="+mn-ea"/>
+                <a:cs typeface="+mn-cs"/>
+              </a:defRPr>
+            </a:lvl2pPr>
+            <a:lvl3pPr marL="1143000" indent="-228600" algn="l" defTabSz="914400" rtl="0" eaLnBrk="1" latinLnBrk="0" hangingPunct="1">
+              <a:lnSpc>
+                <a:spcPct val="90000"/>
+              </a:lnSpc>
+              <a:spcBef>
+                <a:spcPts val="500"/>
+              </a:spcBef>
+              <a:buFont typeface="Arial" panose="02080604020202020204" pitchFamily="34" charset="0"/>
+              <a:buChar char="•"/>
+              <a:defRPr sz="2000" kern="1200">
+                <a:solidFill>
+                  <a:schemeClr val="tx1"/>
+                </a:solidFill>
+                <a:latin typeface="+mn-lt"/>
+                <a:ea typeface="+mn-ea"/>
+                <a:cs typeface="+mn-cs"/>
+              </a:defRPr>
+            </a:lvl3pPr>
+            <a:lvl4pPr marL="1600200" indent="-228600" algn="l" defTabSz="914400" rtl="0" eaLnBrk="1" latinLnBrk="0" hangingPunct="1">
+              <a:lnSpc>
+                <a:spcPct val="90000"/>
+              </a:lnSpc>
+              <a:spcBef>
+                <a:spcPts val="500"/>
+              </a:spcBef>
+              <a:buFont typeface="Arial" panose="02080604020202020204" pitchFamily="34" charset="0"/>
+              <a:buChar char="•"/>
+              <a:defRPr sz="1800" kern="1200">
+                <a:solidFill>
+                  <a:schemeClr val="tx1"/>
+                </a:solidFill>
+                <a:latin typeface="+mn-lt"/>
+                <a:ea typeface="+mn-ea"/>
+                <a:cs typeface="+mn-cs"/>
+              </a:defRPr>
+            </a:lvl4pPr>
+            <a:lvl5pPr marL="2057400" indent="-228600" algn="l" defTabSz="914400" rtl="0" eaLnBrk="1" latinLnBrk="0" hangingPunct="1">
+              <a:lnSpc>
+                <a:spcPct val="90000"/>
+              </a:lnSpc>
+              <a:spcBef>
+                <a:spcPts val="500"/>
+              </a:spcBef>
+              <a:buFont typeface="Arial" panose="02080604020202020204" pitchFamily="34" charset="0"/>
+              <a:buChar char="•"/>
+              <a:defRPr sz="1800" kern="1200">
+                <a:solidFill>
+                  <a:schemeClr val="tx1"/>
+                </a:solidFill>
+                <a:latin typeface="+mn-lt"/>
+                <a:ea typeface="+mn-ea"/>
+                <a:cs typeface="+mn-cs"/>
+              </a:defRPr>
+            </a:lvl5pPr>
+            <a:lvl6pPr marL="2514600" indent="-228600" algn="l" defTabSz="914400" rtl="0" eaLnBrk="1" latinLnBrk="0" hangingPunct="1">
+              <a:lnSpc>
+                <a:spcPct val="90000"/>
+              </a:lnSpc>
+              <a:spcBef>
+                <a:spcPts val="500"/>
+              </a:spcBef>
+              <a:buFont typeface="Arial" panose="02080604020202020204" pitchFamily="34" charset="0"/>
+              <a:buChar char="•"/>
+              <a:defRPr sz="1800" kern="1200">
+                <a:solidFill>
+                  <a:schemeClr val="tx1"/>
+                </a:solidFill>
+                <a:latin typeface="+mn-lt"/>
+                <a:ea typeface="+mn-ea"/>
+                <a:cs typeface="+mn-cs"/>
+              </a:defRPr>
+            </a:lvl6pPr>
+            <a:lvl7pPr marL="2971800" indent="-228600" algn="l" defTabSz="914400" rtl="0" eaLnBrk="1" latinLnBrk="0" hangingPunct="1">
+              <a:lnSpc>
+                <a:spcPct val="90000"/>
+              </a:lnSpc>
+              <a:spcBef>
+                <a:spcPts val="500"/>
+              </a:spcBef>
+              <a:buFont typeface="Arial" panose="02080604020202020204" pitchFamily="34" charset="0"/>
+              <a:buChar char="•"/>
+              <a:defRPr sz="1800" kern="1200">
+                <a:solidFill>
+                  <a:schemeClr val="tx1"/>
+                </a:solidFill>
+                <a:latin typeface="+mn-lt"/>
+                <a:ea typeface="+mn-ea"/>
+                <a:cs typeface="+mn-cs"/>
+              </a:defRPr>
+            </a:lvl7pPr>
+            <a:lvl8pPr marL="3429000" indent="-228600" algn="l" defTabSz="914400" rtl="0" eaLnBrk="1" latinLnBrk="0" hangingPunct="1">
+              <a:lnSpc>
+                <a:spcPct val="90000"/>
+              </a:lnSpc>
+              <a:spcBef>
+                <a:spcPts val="500"/>
+              </a:spcBef>
+              <a:buFont typeface="Arial" panose="02080604020202020204" pitchFamily="34" charset="0"/>
+              <a:buChar char="•"/>
+              <a:defRPr sz="1800" kern="1200">
+                <a:solidFill>
+                  <a:schemeClr val="tx1"/>
+                </a:solidFill>
+                <a:latin typeface="+mn-lt"/>
+                <a:ea typeface="+mn-ea"/>
+                <a:cs typeface="+mn-cs"/>
+              </a:defRPr>
+            </a:lvl8pPr>
+            <a:lvl9pPr marL="3886200" indent="-228600" algn="l" defTabSz="914400" rtl="0" eaLnBrk="1" latinLnBrk="0" hangingPunct="1">
+              <a:lnSpc>
+                <a:spcPct val="90000"/>
+              </a:lnSpc>
+              <a:spcBef>
+                <a:spcPts val="500"/>
+              </a:spcBef>
+              <a:buFont typeface="Arial" panose="02080604020202020204" pitchFamily="34" charset="0"/>
+              <a:buChar char="•"/>
+              <a:defRPr sz="1800" kern="1200">
+                <a:solidFill>
+                  <a:schemeClr val="tx1"/>
+                </a:solidFill>
+                <a:latin typeface="+mn-lt"/>
+                <a:ea typeface="+mn-ea"/>
+                <a:cs typeface="+mn-cs"/>
+              </a:defRPr>
+            </a:lvl9pPr>
+          </a:lstStyle>
+          <a:p>
+            <a:pPr marL="0" indent="0">
+              <a:lnSpc>
+                <a:spcPct val="120000"/>
+              </a:lnSpc>
+              <a:spcAft>
+                <a:spcPts val="0"/>
+              </a:spcAft>
+              <a:buNone/>
+            </a:pPr>
+            <a:r>
+              <a:t>超参数是在</a:t>
+            </a:r>
+            <a:r>
+              <a:rPr b="1"/>
+              <a:t>学习过程之前</a:t>
+            </a:r>
+            <a:r>
+              <a:rPr lang="" b="1"/>
+              <a:t>人工</a:t>
+            </a:r>
+            <a:r>
+              <a:rPr b="1"/>
+              <a:t>设置值的参数</a:t>
+            </a:r>
+            <a:r>
+              <a:t>，而不是通过训练得到的参数数据。</a:t>
+            </a:r>
+          </a:p>
+          <a:p>
+            <a:pPr marL="0" indent="0">
+              <a:lnSpc>
+                <a:spcPct val="120000"/>
+              </a:lnSpc>
+              <a:spcAft>
+                <a:spcPts val="0"/>
+              </a:spcAft>
+              <a:buNone/>
+            </a:pPr>
+            <a:r>
+              <a:rPr lang=""/>
+              <a:t>例如：使用 2 阶曲线 a x</a:t>
+            </a:r>
+            <a:r>
+              <a:rPr lang="" baseline="30000"/>
+              <a:t>2</a:t>
+            </a:r>
+            <a:r>
+              <a:rPr lang=""/>
+              <a:t> + b x + c 拟合(X, y)；阶数 2 称为</a:t>
+            </a:r>
+            <a:r>
+              <a:rPr lang="" b="1"/>
+              <a:t>超参数</a:t>
+            </a:r>
+            <a:r>
+              <a:rPr lang=""/>
+              <a:t>（人工指定）； a b c 称为</a:t>
+            </a:r>
+            <a:r>
+              <a:rPr lang="" b="1"/>
+              <a:t>训练参数</a:t>
+            </a:r>
+            <a:r>
+              <a:rPr lang=""/>
+              <a:t>（计算机得到）</a:t>
+            </a:r>
+          </a:p>
+          <a:p>
+            <a:pPr lvl="0">
+              <a:lnSpc>
+                <a:spcPct val="120000"/>
+              </a:lnSpc>
+              <a:spcAft>
+                <a:spcPts val="0"/>
+              </a:spcAft>
+            </a:pPr>
+          </a:p>
+          <a:p>
+            <a:pPr marL="0" lvl="0" indent="0">
+              <a:lnSpc>
+                <a:spcPct val="120000"/>
+              </a:lnSpc>
+              <a:spcAft>
+                <a:spcPts val="0"/>
+              </a:spcAft>
+              <a:buNone/>
+            </a:pPr>
+            <a:r>
+              <a:rPr lang=""/>
+              <a:t>超参数决定模型的大框架。训练参数是模型训练的具体结果。</a:t>
+            </a:r>
+          </a:p>
+          <a:p>
+            <a:pPr marL="0" lvl="0" indent="0">
+              <a:lnSpc>
+                <a:spcPct val="120000"/>
+              </a:lnSpc>
+              <a:spcAft>
+                <a:spcPts val="0"/>
+              </a:spcAft>
+              <a:buNone/>
+            </a:pPr>
+            <a:r>
+              <a:rPr lang=""/>
+              <a:t>如何确定超参数？绘制 </a:t>
+            </a:r>
+            <a:r>
+              <a:rPr lang="" b="1"/>
+              <a:t>超参数-验证结果</a:t>
+            </a:r>
+            <a:r>
+              <a:rPr lang=""/>
+              <a:t> 的曲线，即</a:t>
+            </a:r>
+            <a:r>
+              <a:rPr lang="" b="1"/>
+              <a:t>验证曲线</a:t>
+            </a:r>
+            <a:r>
+              <a:rPr lang=""/>
+              <a:t>。</a:t>
+            </a:r>
+            <a:r>
+              <a:t>　</a:t>
+            </a:r>
+          </a:p>
+        </p:txBody>
+      </p:sp>
     </p:spTree>
   </p:cSld>
   <p:clrMapOvr>
@@ -3884,7 +4980,7 @@
                                           </p:stCondLst>
                                         </p:cTn>
                                         <p:tgtEl>
-                                          <p:spTgt spid="3">
+                                          <p:spTgt spid="5">
                                             <p:txEl>
                                               <p:pRg st="0" end="0"/>
                                             </p:txEl>
@@ -3933,7 +5029,7 @@
                                           </p:stCondLst>
                                         </p:cTn>
                                         <p:tgtEl>
-                                          <p:spTgt spid="3">
+                                          <p:spTgt spid="5">
                                             <p:txEl>
                                               <p:pRg st="1" end="1"/>
                                             </p:txEl>
@@ -3982,9 +5078,9 @@
                                           </p:stCondLst>
                                         </p:cTn>
                                         <p:tgtEl>
-                                          <p:spTgt spid="3">
+                                          <p:spTgt spid="5">
                                             <p:txEl>
-                                              <p:pRg st="2" end="2"/>
+                                              <p:pRg st="3" end="3"/>
                                             </p:txEl>
                                           </p:spTgt>
                                         </p:tgtEl>
@@ -4031,296 +5127,7 @@
                                           </p:stCondLst>
                                         </p:cTn>
                                         <p:tgtEl>
-                                          <p:spTgt spid="3">
-                                            <p:txEl>
-                                              <p:pRg st="3" end="3"/>
-                                            </p:txEl>
-                                          </p:spTgt>
-                                        </p:tgtEl>
-                                        <p:attrNameLst>
-                                          <p:attrName>style.visibility</p:attrName>
-                                        </p:attrNameLst>
-                                      </p:cBhvr>
-                                      <p:to>
-                                        <p:strVal val="visible"/>
-                                      </p:to>
-                                    </p:set>
-                                  </p:childTnLst>
-                                </p:cTn>
-                              </p:par>
-                            </p:childTnLst>
-                          </p:cTn>
-                        </p:par>
-                      </p:childTnLst>
-                    </p:cTn>
-                  </p:par>
-                </p:childTnLst>
-              </p:cTn>
-              <p:prevCondLst>
-                <p:cond evt="onPrev" delay="0">
-                  <p:tgtEl>
-                    <p:sldTgt/>
-                  </p:tgtEl>
-                </p:cond>
-              </p:prevCondLst>
-              <p:nextCondLst>
-                <p:cond evt="onNext" delay="0">
-                  <p:tgtEl>
-                    <p:sldTgt/>
-                  </p:tgtEl>
-                </p:cond>
-              </p:nextCondLst>
-            </p:seq>
-          </p:childTnLst>
-        </p:cTn>
-      </p:par>
-    </p:tnLst>
-  </p:timing>
-</p:sld>
-</file>
-
-<file path=ppt/slides/slide13.xml><?xml version="1.0" encoding="utf-8"?>
-<p:sld xmlns:a="http://schemas.openxmlformats.org/drawingml/2006/main" xmlns:r="http://schemas.openxmlformats.org/officeDocument/2006/relationships" xmlns:p="http://schemas.openxmlformats.org/presentationml/2006/main">
-  <p:cSld>
-    <p:spTree>
-      <p:nvGrpSpPr>
-        <p:cNvPr id="1" name=""/>
-        <p:cNvGrpSpPr/>
-        <p:nvPr/>
-      </p:nvGrpSpPr>
-      <p:grpSpPr/>
-      <p:sp>
-        <p:nvSpPr>
-          <p:cNvPr id="2" name="Title 1"/>
-          <p:cNvSpPr>
-            <a:spLocks noGrp="1"/>
-          </p:cNvSpPr>
-          <p:nvPr>
-            <p:ph type="title"/>
-          </p:nvPr>
-        </p:nvSpPr>
-        <p:spPr/>
-        <p:txBody>
-          <a:bodyPr/>
-          <a:p>
-            <a:r>
-              <a:rPr lang="en-US" altLang="en-US"/>
-              <a:t>距离计算</a:t>
-            </a:r>
-            <a:endParaRPr lang="en-US" altLang="en-US"/>
-          </a:p>
-        </p:txBody>
-      </p:sp>
-      <p:sp>
-        <p:nvSpPr>
-          <p:cNvPr id="3" name="Content Placeholder 2"/>
-          <p:cNvSpPr>
-            <a:spLocks noGrp="1"/>
-          </p:cNvSpPr>
-          <p:nvPr>
-            <p:ph idx="1"/>
-          </p:nvPr>
-        </p:nvSpPr>
-        <p:spPr>
-          <a:xfrm>
-            <a:off x="559435" y="1812290"/>
-            <a:ext cx="5845175" cy="4874895"/>
-          </a:xfrm>
-        </p:spPr>
-        <p:txBody>
-          <a:bodyPr>
-            <a:normAutofit/>
-          </a:bodyPr>
-          <a:p>
-            <a:pPr marL="0" indent="0">
-              <a:lnSpc>
-                <a:spcPct val="150000"/>
-              </a:lnSpc>
-              <a:buNone/>
-            </a:pPr>
-            <a:r>
-              <a:rPr lang="en-US" altLang="en-US" sz="2400" b="1">
-                <a:sym typeface="+mn-ea"/>
-              </a:rPr>
-              <a:t>距离计算</a:t>
-            </a:r>
-            <a:r>
-              <a:rPr lang="en-US" altLang="en-US" sz="2400" b="1"/>
-              <a:t>经常简单地用“欧几里德距离”。</a:t>
-            </a:r>
-            <a:endParaRPr lang="en-US" altLang="en-US" sz="2400" b="1"/>
-          </a:p>
-          <a:p>
-            <a:pPr marL="0" indent="0">
-              <a:lnSpc>
-                <a:spcPct val="150000"/>
-              </a:lnSpc>
-              <a:buNone/>
-            </a:pPr>
-            <a:endParaRPr lang="en-US" altLang="en-US" sz="2400" b="1"/>
-          </a:p>
-          <a:p>
-            <a:pPr marL="0" indent="0">
-              <a:lnSpc>
-                <a:spcPct val="150000"/>
-              </a:lnSpc>
-              <a:buNone/>
-            </a:pPr>
-            <a:r>
-              <a:rPr lang="en-US" altLang="en-US" sz="2400" b="1">
-                <a:solidFill>
-                  <a:srgbClr val="C00000"/>
-                </a:solidFill>
-              </a:rPr>
-              <a:t>也可用“曼哈顿距离”“明可夫斯基距离”。</a:t>
-            </a:r>
-            <a:endParaRPr lang="en-US" altLang="en-US" sz="2400" b="1"/>
-          </a:p>
-          <a:p>
-            <a:pPr marL="0" indent="0">
-              <a:lnSpc>
-                <a:spcPct val="150000"/>
-              </a:lnSpc>
-              <a:buNone/>
-            </a:pPr>
-            <a:endParaRPr lang="en-US" altLang="en-US" sz="2400" b="1"/>
-          </a:p>
-          <a:p>
-            <a:pPr marL="0" indent="0">
-              <a:lnSpc>
-                <a:spcPct val="150000"/>
-              </a:lnSpc>
-              <a:buNone/>
-            </a:pPr>
-            <a:r>
-              <a:rPr lang="en-US" altLang="en-US" sz="2400" b="1">
-                <a:solidFill>
-                  <a:srgbClr val="00B050"/>
-                </a:solidFill>
-              </a:rPr>
-              <a:t>距离的选取也要具体问题具体分析。</a:t>
-            </a:r>
-            <a:endParaRPr lang="en-US" altLang="en-US" sz="2400" b="1">
-              <a:solidFill>
-                <a:srgbClr val="00B050"/>
-              </a:solidFill>
-            </a:endParaRPr>
-          </a:p>
-        </p:txBody>
-      </p:sp>
-      <p:pic>
-        <p:nvPicPr>
-          <p:cNvPr id="6" name="Picture 5"/>
-          <p:cNvPicPr>
-            <a:picLocks noChangeAspect="1"/>
-          </p:cNvPicPr>
-          <p:nvPr/>
-        </p:nvPicPr>
-        <p:blipFill>
-          <a:blip r:embed="rId1"/>
-          <a:stretch>
-            <a:fillRect/>
-          </a:stretch>
-        </p:blipFill>
-        <p:spPr>
-          <a:xfrm>
-            <a:off x="6597650" y="1978660"/>
-            <a:ext cx="4352925" cy="4123690"/>
-          </a:xfrm>
-          <a:prstGeom prst="rect">
-            <a:avLst/>
-          </a:prstGeom>
-        </p:spPr>
-      </p:pic>
-    </p:spTree>
-  </p:cSld>
-  <p:clrMapOvr>
-    <a:masterClrMapping/>
-  </p:clrMapOvr>
-  <p:timing>
-    <p:tnLst>
-      <p:par>
-        <p:cTn id="1" dur="indefinite" restart="never" nodeType="tmRoot">
-          <p:childTnLst>
-            <p:seq concurrent="1" nextAc="seek">
-              <p:cTn id="2" dur="indefinite" nodeType="mainSeq">
-                <p:childTnLst>
-                  <p:par>
-                    <p:cTn id="3" fill="hold">
-                      <p:stCondLst>
-                        <p:cond delay="indefinite"/>
-                      </p:stCondLst>
-                      <p:childTnLst>
-                        <p:par>
-                          <p:cTn id="4" fill="hold">
-                            <p:stCondLst>
-                              <p:cond delay="0"/>
-                            </p:stCondLst>
-                            <p:childTnLst>
-                              <p:par>
-                                <p:cTn id="5" presetID="1" presetClass="entr" presetSubtype="0" fill="hold" nodeType="clickEffect">
-                                  <p:stCondLst>
-                                    <p:cond delay="0"/>
-                                  </p:stCondLst>
-                                  <p:childTnLst>
-                                    <p:set>
-                                      <p:cBhvr>
-                                        <p:cTn id="6" dur="1" fill="hold">
-                                          <p:stCondLst>
-                                            <p:cond delay="0"/>
-                                          </p:stCondLst>
-                                        </p:cTn>
-                                        <p:tgtEl>
-                                          <p:spTgt spid="3">
-                                            <p:txEl>
-                                              <p:pRg st="2" end="2"/>
-                                            </p:txEl>
-                                          </p:spTgt>
-                                        </p:tgtEl>
-                                        <p:attrNameLst>
-                                          <p:attrName>style.visibility</p:attrName>
-                                        </p:attrNameLst>
-                                      </p:cBhvr>
-                                      <p:to>
-                                        <p:strVal val="visible"/>
-                                      </p:to>
-                                    </p:set>
-                                  </p:childTnLst>
-                                </p:cTn>
-                              </p:par>
-                            </p:childTnLst>
-                          </p:cTn>
-                        </p:par>
-                      </p:childTnLst>
-                    </p:cTn>
-                  </p:par>
-                  <p:par>
-                    <p:cTn id="7" fill="hold">
-                      <p:stCondLst>
-                        <p:cond delay="indefinite"/>
-                      </p:stCondLst>
-                      <p:childTnLst>
-                        <p:par>
-                          <p:cTn id="8" fill="hold">
-                            <p:stCondLst>
-                              <p:cond delay="0"/>
-                            </p:stCondLst>
-                            <p:childTnLst>
-                              <p:par>
-                                <p:cTn id="9" presetID="1" presetClass="entr" presetSubtype="0" fill="hold" nodeType="clickEffect">
-                                  <p:stCondLst>
-                                    <p:cond delay="0"/>
-                                  </p:stCondLst>
-                                  <p:childTnLst>
-                                    <p:set>
-                                      <p:cBhvr>
-                                        <p:cTn id="10" dur="1" fill="hold">
-                                          <p:stCondLst>
-                                            <p:cond delay="0"/>
-                                          </p:stCondLst>
-                                        </p:cTn>
-                                        <p:tgtEl>
-                                          <p:spTgt spid="3">
+                                          <p:spTgt spid="5">
                                             <p:txEl>
                                               <p:pRg st="4" end="4"/>
                                             </p:txEl>
@@ -4368,79 +5175,6 @@
 </p:sld>
 </file>
 
-<file path=ppt/slides/slide14.xml><?xml version="1.0" encoding="utf-8"?>
-<p:sld xmlns:a="http://schemas.openxmlformats.org/drawingml/2006/main" xmlns:r="http://schemas.openxmlformats.org/officeDocument/2006/relationships" xmlns:p="http://schemas.openxmlformats.org/presentationml/2006/main">
-  <p:cSld>
-    <p:spTree>
-      <p:nvGrpSpPr>
-        <p:cNvPr id="1" name=""/>
-        <p:cNvGrpSpPr/>
-        <p:nvPr/>
-      </p:nvGrpSpPr>
-      <p:grpSpPr/>
-      <p:sp>
-        <p:nvSpPr>
-          <p:cNvPr id="2" name="Title 1"/>
-          <p:cNvSpPr>
-            <a:spLocks noGrp="1"/>
-          </p:cNvSpPr>
-          <p:nvPr>
-            <p:ph type="title"/>
-          </p:nvPr>
-        </p:nvSpPr>
-        <p:spPr/>
-        <p:txBody>
-          <a:bodyPr>
-            <a:normAutofit fontScale="90000"/>
-          </a:bodyPr>
-          <a:p>
-            <a:r>
-              <a:rPr lang="en-US" altLang="en-US" b="1"/>
-              <a:t>sklearn 之 Iris 数据 knn 训练测试全代码</a:t>
-            </a:r>
-            <a:endParaRPr lang="en-US" altLang="en-US" b="1"/>
-          </a:p>
-        </p:txBody>
-      </p:sp>
-      <p:pic>
-        <p:nvPicPr>
-          <p:cNvPr id="9" name="Picture 8"/>
-          <p:cNvPicPr>
-            <a:picLocks noChangeAspect="1"/>
-          </p:cNvPicPr>
-          <p:nvPr/>
-        </p:nvPicPr>
-        <p:blipFill>
-          <a:blip r:embed="rId1"/>
-          <a:stretch>
-            <a:fillRect/>
-          </a:stretch>
-        </p:blipFill>
-        <p:spPr>
-          <a:xfrm>
-            <a:off x="631825" y="2075815"/>
-            <a:ext cx="10506075" cy="3917315"/>
-          </a:xfrm>
-          <a:prstGeom prst="rect">
-            <a:avLst/>
-          </a:prstGeom>
-        </p:spPr>
-      </p:pic>
-    </p:spTree>
-  </p:cSld>
-  <p:clrMapOvr>
-    <a:masterClrMapping/>
-  </p:clrMapOvr>
-  <p:timing>
-    <p:tnLst>
-      <p:par>
-        <p:cTn id="1" dur="indefinite" restart="never" nodeType="tmRoot"/>
-      </p:par>
-    </p:tnLst>
-  </p:timing>
-</p:sld>
-</file>
-
 <file path=ppt/slides/slide15.xml><?xml version="1.0" encoding="utf-8"?>
 <p:sld xmlns:a="http://schemas.openxmlformats.org/drawingml/2006/main" xmlns:r="http://schemas.openxmlformats.org/officeDocument/2006/relationships" xmlns:p="http://schemas.openxmlformats.org/presentationml/2006/main">
   <p:cSld>
@@ -4466,161 +5200,119 @@
           <a:bodyPr/>
           <a:p>
             <a:r>
-              <a:rPr lang="en-US" altLang="en-US"/>
-              <a:t>优缺点</a:t>
-            </a:r>
-            <a:endParaRPr lang="en-US" altLang="en-US"/>
-          </a:p>
-        </p:txBody>
-      </p:sp>
-      <p:sp>
-        <p:nvSpPr>
-          <p:cNvPr id="3" name="Content Placeholder 2"/>
-          <p:cNvSpPr>
-            <a:spLocks noGrp="1"/>
-          </p:cNvSpPr>
-          <p:nvPr>
-            <p:ph idx="1"/>
-          </p:nvPr>
-        </p:nvSpPr>
-        <p:spPr>
-          <a:xfrm>
-            <a:off x="559435" y="1812290"/>
-            <a:ext cx="5717540" cy="4874895"/>
-          </a:xfrm>
-        </p:spPr>
-        <p:txBody>
-          <a:bodyPr>
-            <a:normAutofit/>
-          </a:bodyPr>
-          <a:p>
-            <a:pPr marL="0" indent="0">
-              <a:lnSpc>
-                <a:spcPct val="150000"/>
-              </a:lnSpc>
-              <a:buNone/>
-            </a:pPr>
-            <a:r>
-              <a:rPr lang="en-US" altLang="en-US" sz="2400" b="1">
-                <a:solidFill>
-                  <a:srgbClr val="92D050"/>
-                </a:solidFill>
-                <a:sym typeface="+mn-ea"/>
-              </a:rPr>
-              <a:t>knn 不建立具体的数学模型，适用范围广，对简单的数据集简单有效。</a:t>
-            </a:r>
-            <a:endParaRPr lang="en-US" altLang="en-US" sz="2400">
-              <a:sym typeface="+mn-ea"/>
-            </a:endParaRPr>
-          </a:p>
-          <a:p>
-            <a:pPr marL="0" indent="0">
-              <a:lnSpc>
-                <a:spcPct val="150000"/>
-              </a:lnSpc>
-              <a:buNone/>
-            </a:pPr>
-            <a:r>
-              <a:rPr lang="en-US" altLang="en-US" sz="2400" b="1">
+              <a:rPr lang="en-US" altLang="en-US" sz="3600" b="1"/>
+              <a:t>sklearn </a:t>
+            </a:r>
+            <a:r>
+              <a:rPr lang="" altLang="en-US" sz="3600" b="1"/>
+              <a:t>绘制</a:t>
+            </a:r>
+            <a:r>
+              <a:rPr lang="" altLang="en-US" sz="3600" b="1">
                 <a:solidFill>
                   <a:srgbClr val="C00000"/>
                 </a:solidFill>
               </a:rPr>
-              <a:t>样本个数不对称时（例如，某种类别的样本系统地偏少），会造成不公平。可用按样本数加权的方法解决。</a:t>
-            </a:r>
-            <a:endParaRPr lang="en-US" altLang="en-US" sz="2400" b="1">
+              <a:t>验证曲线</a:t>
+            </a:r>
+            <a:endParaRPr lang="" altLang="en-US" sz="3600" b="1">
               <a:solidFill>
                 <a:srgbClr val="C00000"/>
               </a:solidFill>
             </a:endParaRPr>
           </a:p>
-          <a:p>
-            <a:pPr marL="0" indent="0">
+        </p:txBody>
+      </p:sp>
+      <p:sp>
+        <p:nvSpPr>
+          <p:cNvPr id="5" name="Text Box 4"/>
+          <p:cNvSpPr txBox="1"/>
+          <p:nvPr/>
+        </p:nvSpPr>
+        <p:spPr>
+          <a:xfrm>
+            <a:off x="551815" y="2131695"/>
+            <a:ext cx="11482705" cy="3784600"/>
+          </a:xfrm>
+          <a:prstGeom prst="rect">
+            <a:avLst/>
+          </a:prstGeom>
+          <a:noFill/>
+        </p:spPr>
+        <p:txBody>
+          <a:bodyPr wrap="square" rtlCol="0" anchor="t">
+            <a:spAutoFit/>
+          </a:bodyPr>
+          <a:p>
+            <a:pPr>
               <a:lnSpc>
-                <a:spcPct val="150000"/>
+                <a:spcPct val="200000"/>
               </a:lnSpc>
-              <a:buNone/>
             </a:pPr>
             <a:r>
-              <a:rPr lang="en-US" altLang="en-US" sz="2400" b="1">
-                <a:solidFill>
-                  <a:srgbClr val="7030A0"/>
-                </a:solidFill>
-              </a:rPr>
-              <a:t>寻找邻居是很复杂的过程，一般采用kd-tree的算法。当样本数量很大时，仍然耗费大量时间。</a:t>
-            </a:r>
-            <a:endParaRPr lang="en-US" altLang="en-US" sz="2400" b="1">
-              <a:solidFill>
-                <a:srgbClr val="7030A0"/>
-              </a:solidFill>
-            </a:endParaRPr>
-          </a:p>
-        </p:txBody>
-      </p:sp>
-      <p:grpSp>
-        <p:nvGrpSpPr>
-          <p:cNvPr id="8" name="Group 7"/>
-          <p:cNvGrpSpPr/>
-          <p:nvPr/>
-        </p:nvGrpSpPr>
-        <p:grpSpPr>
-          <a:xfrm>
-            <a:off x="6946265" y="2052320"/>
-            <a:ext cx="4719320" cy="3327400"/>
-            <a:chOff x="10939" y="3232"/>
-            <a:chExt cx="7432" cy="5240"/>
-          </a:xfrm>
-        </p:grpSpPr>
-        <p:pic>
-          <p:nvPicPr>
-            <p:cNvPr id="5" name="Picture 4"/>
-            <p:cNvPicPr>
-              <a:picLocks noChangeAspect="1"/>
-            </p:cNvPicPr>
-            <p:nvPr/>
-          </p:nvPicPr>
-          <p:blipFill>
-            <a:blip r:embed="rId1"/>
-            <a:srcRect b="11874"/>
-            <a:stretch>
-              <a:fillRect/>
-            </a:stretch>
-          </p:blipFill>
-          <p:spPr>
-            <a:xfrm>
-              <a:off x="10939" y="3232"/>
-              <a:ext cx="7432" cy="5240"/>
-            </a:xfrm>
-            <a:prstGeom prst="rect">
-              <a:avLst/>
-            </a:prstGeom>
-          </p:spPr>
-        </p:pic>
-        <p:pic>
-          <p:nvPicPr>
-            <p:cNvPr id="7" name="Picture 6"/>
-            <p:cNvPicPr>
-              <a:picLocks noChangeAspect="1"/>
-            </p:cNvPicPr>
-            <p:nvPr/>
-          </p:nvPicPr>
-          <p:blipFill>
-            <a:blip r:embed="rId2"/>
-            <a:stretch>
-              <a:fillRect/>
-            </a:stretch>
-          </p:blipFill>
-          <p:spPr>
-            <a:xfrm>
-              <a:off x="16048" y="3760"/>
-              <a:ext cx="770" cy="569"/>
-            </a:xfrm>
-            <a:prstGeom prst="rect">
-              <a:avLst/>
-            </a:prstGeom>
-          </p:spPr>
-        </p:pic>
-      </p:grpSp>
+              <a:rPr lang="" altLang="en-US" sz="2000" b="1"/>
+              <a:t>对 KNN 分类的 n_neighbors 参数绘制 5 折 cross-validation 验证曲线</a:t>
+            </a:r>
+            <a:endParaRPr lang="en-US" sz="2000" b="1"/>
+          </a:p>
+          <a:p>
+            <a:pPr>
+              <a:lnSpc>
+                <a:spcPct val="200000"/>
+              </a:lnSpc>
+            </a:pPr>
+            <a:r>
+              <a:rPr lang="" altLang="en-US" sz="2000" b="1"/>
+              <a:t>（本质就是对 param_range 的一个循环）</a:t>
+            </a:r>
+            <a:endParaRPr lang="" altLang="en-US" sz="2000" b="1"/>
+          </a:p>
+          <a:p>
+            <a:pPr>
+              <a:lnSpc>
+                <a:spcPct val="200000"/>
+              </a:lnSpc>
+            </a:pPr>
+            <a:endParaRPr lang="en-US" sz="2000" b="1"/>
+          </a:p>
+          <a:p>
+            <a:pPr>
+              <a:lnSpc>
+                <a:spcPct val="200000"/>
+              </a:lnSpc>
+            </a:pPr>
+            <a:r>
+              <a:rPr lang="en-US" sz="2000" b="1"/>
+              <a:t>model = neighbors.KNeighborsClassifier()</a:t>
+            </a:r>
+            <a:endParaRPr lang="en-US" sz="2000" b="1"/>
+          </a:p>
+          <a:p>
+            <a:pPr>
+              <a:lnSpc>
+                <a:spcPct val="200000"/>
+              </a:lnSpc>
+            </a:pPr>
+            <a:r>
+              <a:rPr lang="en-US" sz="2000" b="1"/>
+              <a:t>train_scores, test_scores = model_selection.validation_curve(model, X, y,  </a:t>
+            </a:r>
+            <a:endParaRPr lang="en-US" sz="2000" b="1"/>
+          </a:p>
+          <a:p>
+            <a:pPr>
+              <a:lnSpc>
+                <a:spcPct val="200000"/>
+              </a:lnSpc>
+            </a:pPr>
+            <a:r>
+              <a:rPr lang="en-US" sz="2000" b="1"/>
+              <a:t>                    param_name='n_neighbors', param_range=range(1,31), cv=5)</a:t>
+            </a:r>
+            <a:endParaRPr lang="en-US" sz="2000" b="1"/>
+          </a:p>
+        </p:txBody>
+      </p:sp>
     </p:spTree>
   </p:cSld>
   <p:clrMapOvr>
@@ -4629,128 +5321,7 @@
   <p:timing>
     <p:tnLst>
       <p:par>
-        <p:cTn id="1" dur="indefinite" restart="never" nodeType="tmRoot">
-          <p:childTnLst>
-            <p:seq concurrent="1" nextAc="seek">
-              <p:cTn id="2" dur="indefinite" nodeType="mainSeq">
-                <p:childTnLst>
-                  <p:par>
-                    <p:cTn id="3" fill="hold">
-                      <p:stCondLst>
-                        <p:cond delay="indefinite"/>
-                      </p:stCondLst>
-                      <p:childTnLst>
-                        <p:par>
-                          <p:cTn id="4" fill="hold">
-                            <p:stCondLst>
-                              <p:cond delay="0"/>
-                            </p:stCondLst>
-                            <p:childTnLst>
-                              <p:par>
-                                <p:cTn id="5" presetID="1" presetClass="entr" presetSubtype="0" fill="hold" nodeType="clickEffect">
-                                  <p:stCondLst>
-                                    <p:cond delay="0"/>
-                                  </p:stCondLst>
-                                  <p:childTnLst>
-                                    <p:set>
-                                      <p:cBhvr>
-                                        <p:cTn id="6" dur="1" fill="hold">
-                                          <p:stCondLst>
-                                            <p:cond delay="0"/>
-                                          </p:stCondLst>
-                                        </p:cTn>
-                                        <p:tgtEl>
-                                          <p:spTgt spid="3">
-                                            <p:txEl>
-                                              <p:pRg st="1" end="1"/>
-                                            </p:txEl>
-                                          </p:spTgt>
-                                        </p:tgtEl>
-                                        <p:attrNameLst>
-                                          <p:attrName>style.visibility</p:attrName>
-                                        </p:attrNameLst>
-                                      </p:cBhvr>
-                                      <p:to>
-                                        <p:strVal val="visible"/>
-                                      </p:to>
-                                    </p:set>
-                                  </p:childTnLst>
-                                </p:cTn>
-                              </p:par>
-                            </p:childTnLst>
-                          </p:cTn>
-                        </p:par>
-                      </p:childTnLst>
-                    </p:cTn>
-                  </p:par>
-                  <p:par>
-                    <p:cTn id="7" fill="hold">
-                      <p:stCondLst>
-                        <p:cond delay="indefinite"/>
-                      </p:stCondLst>
-                      <p:childTnLst>
-                        <p:par>
-                          <p:cTn id="8" fill="hold">
-                            <p:stCondLst>
-                              <p:cond delay="0"/>
-                            </p:stCondLst>
-                            <p:childTnLst>
-                              <p:par>
-                                <p:cTn id="9" presetID="1" presetClass="entr" presetSubtype="0" fill="hold" nodeType="clickEffect">
-                                  <p:stCondLst>
-                                    <p:cond delay="0"/>
-                                  </p:stCondLst>
-                                  <p:childTnLst>
-                                    <p:set>
-                                      <p:cBhvr>
-                                        <p:cTn id="10" dur="1" fill="hold">
-                                          <p:stCondLst>
-                                            <p:cond delay="0"/>
-                                          </p:stCondLst>
-                                        </p:cTn>
-                                        <p:tgtEl>
-                                          <p:spTgt spid="3">
-                                            <p:txEl>
-                                              <p:pRg st="2" end="2"/>
-                                            </p:txEl>
-                                          </p:spTgt>
-                                        </p:tgtEl>
-                                        <p:attrNameLst>
-                                          <p:attrName>style.visibility</p:attrName>
-                                        </p:attrNameLst>
-                                      </p:cBhvr>
-                                      <p:to>
-                                        <p:strVal val="visible"/>
-                                      </p:to>
-                                    </p:set>
-                                  </p:childTnLst>
-                                </p:cTn>
-                              </p:par>
-                            </p:childTnLst>
-                          </p:cTn>
-                        </p:par>
-                      </p:childTnLst>
-                    </p:cTn>
-                  </p:par>
-                </p:childTnLst>
-              </p:cTn>
-              <p:prevCondLst>
-                <p:cond evt="onPrev" delay="0">
-                  <p:tgtEl>
-                    <p:sldTgt/>
-                  </p:tgtEl>
-                </p:cond>
-              </p:prevCondLst>
-              <p:nextCondLst>
-                <p:cond evt="onNext" delay="0">
-                  <p:tgtEl>
-                    <p:sldTgt/>
-                  </p:tgtEl>
-                </p:cond>
-              </p:nextCondLst>
-            </p:seq>
-          </p:childTnLst>
-        </p:cTn>
+        <p:cTn id="1" dur="indefinite" restart="never" nodeType="tmRoot"/>
       </p:par>
     </p:tnLst>
   </p:timing>
@@ -5573,10 +6144,10 @@
           <a:bodyPr/>
           <a:p>
             <a:r>
-              <a:rPr lang="" altLang="en-US" b="1"/>
+              <a:rPr lang="en-US" altLang="en-US" b="1"/>
               <a:t>泛化</a:t>
             </a:r>
-            <a:endParaRPr lang="" altLang="en-US" b="1"/>
+            <a:endParaRPr lang="en-US" altLang="en-US" b="1"/>
           </a:p>
         </p:txBody>
       </p:sp>
@@ -5642,7 +6213,61 @@
             </a:pPr>
             <a:r>
               <a:rPr altLang="en-US"/>
-              <a:t> 学习的目的是学到隐含在数据背后的规律，对具有同一规律的学习集以外的数据，经过训练的网络也能给出合适的输出，该能力称为泛化能力。</a:t>
+              <a:t> 学习的目的是学到隐含在数据背后的规律</a:t>
+            </a:r>
+            <a:r>
+              <a:rPr lang=""/>
+              <a:t>。</a:t>
+            </a:r>
+            <a:endParaRPr lang=""/>
+          </a:p>
+          <a:p>
+            <a:pPr lvl="1">
+              <a:lnSpc>
+                <a:spcPct val="120000"/>
+              </a:lnSpc>
+              <a:spcAft>
+                <a:spcPts val="0"/>
+              </a:spcAft>
+            </a:pPr>
+            <a:endParaRPr lang="" altLang="en-US"/>
+          </a:p>
+          <a:p>
+            <a:pPr lvl="1">
+              <a:lnSpc>
+                <a:spcPct val="120000"/>
+              </a:lnSpc>
+              <a:spcAft>
+                <a:spcPts val="0"/>
+              </a:spcAft>
+            </a:pPr>
+            <a:r>
+              <a:rPr altLang="en-US"/>
+              <a:t>对</a:t>
+            </a:r>
+            <a:r>
+              <a:rPr altLang="en-US" b="1"/>
+              <a:t>具有同一规律</a:t>
+            </a:r>
+            <a:r>
+              <a:rPr altLang="en-US"/>
+              <a:t>的学习集以外的数据，</a:t>
+            </a:r>
+            <a:r>
+              <a:rPr lang=""/>
+              <a:t>模型</a:t>
+            </a:r>
+            <a:r>
+              <a:rPr altLang="en-US"/>
+              <a:t>也能给出合适的输出</a:t>
+            </a:r>
+            <a:r>
+              <a:rPr lang=""/>
+              <a:t>。</a:t>
+            </a:r>
+            <a:r>
+              <a:rPr altLang="en-US"/>
+              <a:t>该能力称为泛化能力。</a:t>
             </a:r>
             <a:endParaRPr altLang="en-US"/>
           </a:p>
@@ -5696,14 +6321,14 @@
           <a:p>
             <a:pPr algn="ctr"/>
             <a:r>
-              <a:rPr lang="" altLang="en-US" sz="2000" b="1">
+              <a:rPr lang="en-US" altLang="en-US" sz="2000" b="1">
                 <a:solidFill>
                   <a:srgbClr val="C00000"/>
                 </a:solidFill>
               </a:rPr>
               <a:t>去年我成功追到了一个帅哥。</a:t>
             </a:r>
-            <a:endParaRPr lang="" altLang="en-US" sz="2000" b="1">
+            <a:endParaRPr lang="en-US" altLang="en-US" sz="2000" b="1">
               <a:solidFill>
                 <a:srgbClr val="C00000"/>
               </a:solidFill>
@@ -5711,7 +6336,7 @@
           </a:p>
           <a:p>
             <a:pPr algn="ctr"/>
-            <a:endParaRPr lang="" altLang="en-US" sz="2000" b="1">
+            <a:endParaRPr lang="en-US" altLang="en-US" sz="2000" b="1">
               <a:solidFill>
                 <a:srgbClr val="C00000"/>
               </a:solidFill>
@@ -5720,14 +6345,14 @@
           <a:p>
             <a:pPr algn="ctr"/>
             <a:r>
-              <a:rPr lang="" altLang="en-US" sz="2000" b="1">
+              <a:rPr lang="en-US" altLang="en-US" sz="2000" b="1">
                 <a:solidFill>
                   <a:srgbClr val="C00000"/>
                 </a:solidFill>
               </a:rPr>
               <a:t>今年，我用同样的套路，</a:t>
             </a:r>
-            <a:endParaRPr lang="" altLang="en-US" sz="2000" b="1">
+            <a:endParaRPr lang="en-US" altLang="en-US" sz="2000" b="1">
               <a:solidFill>
                 <a:srgbClr val="C00000"/>
               </a:solidFill>
@@ -5736,14 +6361,14 @@
           <a:p>
             <a:pPr algn="ctr"/>
             <a:r>
-              <a:rPr lang="" altLang="en-US" sz="2000" b="1">
+              <a:rPr lang="en-US" altLang="en-US" sz="2000" b="1">
                 <a:solidFill>
                   <a:srgbClr val="C00000"/>
                 </a:solidFill>
               </a:rPr>
               <a:t>追到了n个...</a:t>
             </a:r>
-            <a:endParaRPr lang="" altLang="en-US" sz="2000" b="1">
+            <a:endParaRPr lang="en-US" altLang="en-US" sz="2000" b="1">
               <a:solidFill>
                 <a:srgbClr val="C00000"/>
               </a:solidFill>
@@ -5937,6 +6562,55 @@
                                           </p:stCondLst>
                                         </p:cTn>
                                         <p:tgtEl>
+                                          <p:spTgt spid="3">
+                                            <p:txEl>
+                                              <p:pRg st="4" end="4"/>
+                                            </p:txEl>
+                                          </p:spTgt>
+                                        </p:tgtEl>
+                                        <p:attrNameLst>
+                                          <p:attrName>style.visibility</p:attrName>
+                                        </p:attrNameLst>
+                                      </p:cBhvr>
+                                      <p:to>
+                                        <p:strVal val="visible"/>
+                                      </p:to>
+                                    </p:set>
+                                  </p:childTnLst>
+                                </p:cTn>
+                              </p:par>
+                            </p:childTnLst>
+                          </p:cTn>
+                        </p:par>
+                      </p:childTnLst>
+                    </p:cTn>
+                  </p:par>
+                  <p:par>
+                    <p:cTn id="19" fill="hold">
+                      <p:stCondLst>
+                        <p:cond delay="indefinite"/>
+                      </p:stCondLst>
+                      <p:childTnLst>
+                        <p:par>
+                          <p:cTn id="20" fill="hold">
+                            <p:stCondLst>
+                              <p:cond delay="0"/>
+                            </p:stCondLst>
+                            <p:childTnLst>
+                              <p:par>
+                                <p:cTn id="21" presetID="1" presetClass="entr" presetSubtype="0" fill="hold" nodeType="clickEffect">
+                                  <p:stCondLst>
+                                    <p:cond delay="0"/>
+                                  </p:stCondLst>
+                                  <p:childTnLst>
+                                    <p:set>
+                                      <p:cBhvr>
+                                        <p:cTn id="22" dur="1" fill="hold">
+                                          <p:stCondLst>
+                                            <p:cond delay="0"/>
+                                          </p:stCondLst>
+                                        </p:cTn>
+                                        <p:tgtEl>
                                           <p:spTgt spid="4"/>
                                         </p:tgtEl>
                                         <p:attrNameLst>
@@ -5951,14 +6625,14 @@
                                 </p:cTn>
                               </p:par>
                               <p:par>
-                                <p:cTn id="19" presetID="1" presetClass="entr" presetSubtype="0" fill="hold" grpId="0" nodeType="withEffect">
+                                <p:cTn id="23" presetID="1" presetClass="entr" presetSubtype="0" fill="hold" grpId="0" nodeType="withEffect">
                                   <p:stCondLst>
                                     <p:cond delay="0"/>
                                   </p:stCondLst>
                                   <p:childTnLst>
                                     <p:set>
                                       <p:cBhvr>
-                                        <p:cTn id="20" dur="1" fill="hold">
+                                        <p:cTn id="24" dur="1" fill="hold">
                                           <p:stCondLst>
                                             <p:cond delay="0"/>
                                           </p:stCondLst>
@@ -6037,7 +6711,7 @@
           <a:bodyPr/>
           <a:p>
             <a:r>
-              <a:rPr lang="" altLang="en-US" sz="3600" b="1"/>
+              <a:rPr lang="en-US" altLang="en-US" sz="3600" b="1"/>
               <a:t>训练</a:t>
             </a:r>
             <a:r>
@@ -6047,10 +6721,10 @@
               <a:t>集</a:t>
             </a:r>
             <a:r>
-              <a:rPr lang="" altLang="en-US" sz="3600" b="1"/>
-              <a:t>与测试集(test set)的划分</a:t>
-            </a:r>
-            <a:endParaRPr lang="" altLang="en-US" sz="3600" b="1"/>
+              <a:rPr lang="en-US" altLang="en-US" sz="3600" b="1"/>
+              <a:t>与测试集</a:t>
+            </a:r>
+            <a:endParaRPr lang="en-US" altLang="en-US" sz="3600" b="1"/>
           </a:p>
         </p:txBody>
       </p:sp>
@@ -6087,22 +6761,10 @@
               <a:rPr lang="en-US" altLang="en-US" b="1">
                 <a:sym typeface="+mn-ea"/>
               </a:rPr>
-              <a:t>训练</a:t>
-            </a:r>
-            <a:r>
-              <a:rPr lang="en-US" altLang="en-US" b="1">
-                <a:sym typeface="+mn-ea"/>
-              </a:rPr>
-              <a:t>集 </a:t>
-            </a:r>
-            <a:r>
-              <a:rPr lang="" altLang="en-US" b="1">
-                <a:sym typeface="+mn-ea"/>
-              </a:rPr>
-              <a:t>(</a:t>
-            </a:r>
-            <a:r>
-              <a:rPr lang="" b="1"/>
+              <a:t>训练集 (</a:t>
+            </a:r>
+            <a:r>
+              <a:rPr lang="en-US" b="1"/>
               <a:t>t</a:t>
             </a:r>
             <a:r>
@@ -6110,7 +6772,7 @@
               <a:t>raining set</a:t>
             </a:r>
             <a:r>
-              <a:rPr lang="" b="1"/>
+              <a:rPr lang="en-US" b="1"/>
               <a:t>)</a:t>
             </a:r>
             <a:r>
@@ -6140,7 +6802,7 @@
               </a:spcAft>
             </a:pPr>
             <a:r>
-              <a:rPr lang="" b="1"/>
+              <a:rPr lang="en-US" b="1"/>
               <a:t>测试集 (</a:t>
             </a:r>
             <a:r>
@@ -6148,7 +6810,7 @@
               <a:t>test set</a:t>
             </a:r>
             <a:r>
-              <a:rPr lang="" b="1"/>
+              <a:rPr lang="en-US" b="1"/>
               <a:t>)</a:t>
             </a:r>
             <a:r>
@@ -6183,11 +6845,11 @@
               </a:spcAft>
             </a:pPr>
             <a:r>
-              <a:rPr lang="" b="1"/>
+              <a:rPr lang="en-US" b="1"/>
               <a:t>一般地，测试集与训练集具有</a:t>
             </a:r>
             <a:r>
-              <a:rPr lang="" b="1">
+              <a:rPr lang="en-US" b="1">
                 <a:solidFill>
                   <a:srgbClr val="FF0000"/>
                 </a:solidFill>
@@ -6195,11 +6857,11 @@
               <a:t>相同的内在规律</a:t>
             </a:r>
             <a:r>
-              <a:rPr lang="" b="1"/>
+              <a:rPr lang="en-US" b="1"/>
               <a:t>，且</a:t>
             </a:r>
             <a:r>
-              <a:rPr lang="" b="1">
+              <a:rPr lang="en-US" b="1">
                 <a:solidFill>
                   <a:srgbClr val="FF0000"/>
                 </a:solidFill>
@@ -6207,10 +6869,10 @@
               <a:t>不能有交集</a:t>
             </a:r>
             <a:r>
-              <a:rPr lang="" b="1"/>
+              <a:rPr lang="en-US" b="1"/>
               <a:t>。</a:t>
             </a:r>
-            <a:endParaRPr lang="" b="1"/>
+            <a:endParaRPr lang="en-US" b="1"/>
           </a:p>
         </p:txBody>
       </p:sp>
@@ -6223,7 +6885,7 @@
         <p:spPr>
           <a:xfrm>
             <a:off x="7701915" y="3495675"/>
-            <a:ext cx="3917950" cy="2553335"/>
+            <a:ext cx="3917950" cy="1322070"/>
           </a:xfrm>
           <a:prstGeom prst="rect">
             <a:avLst/>
@@ -6237,14 +6899,14 @@
           <a:p>
             <a:pPr algn="ctr"/>
             <a:r>
-              <a:rPr lang="" altLang="en-US" sz="2000" b="1">
+              <a:rPr lang="en-US" altLang="en-US" sz="2000" b="1">
                 <a:solidFill>
                   <a:srgbClr val="C00000"/>
                 </a:solidFill>
               </a:rPr>
               <a:t>通过与***谈恋爱，</a:t>
             </a:r>
-            <a:endParaRPr lang="" altLang="en-US" sz="2000" b="1">
+            <a:endParaRPr lang="en-US" altLang="en-US" sz="2000" b="1">
               <a:solidFill>
                 <a:srgbClr val="C00000"/>
               </a:solidFill>
@@ -6253,14 +6915,14 @@
           <a:p>
             <a:pPr algn="ctr"/>
             <a:r>
-              <a:rPr lang="" altLang="en-US" sz="2000" b="1">
+              <a:rPr lang="en-US" altLang="en-US" sz="2000" b="1">
                 <a:solidFill>
                   <a:srgbClr val="C00000"/>
                 </a:solidFill>
               </a:rPr>
               <a:t>我训练出了追帅哥的模型。</a:t>
             </a:r>
-            <a:endParaRPr lang="" altLang="en-US" sz="2000" b="1">
+            <a:endParaRPr lang="en-US" altLang="en-US" sz="2000" b="1">
               <a:solidFill>
                 <a:srgbClr val="C00000"/>
               </a:solidFill>
@@ -6268,81 +6930,57 @@
           </a:p>
           <a:p>
             <a:pPr algn="ctr"/>
-            <a:endParaRPr lang="" altLang="en-US" sz="2000" b="1">
+            <a:r>
+              <a:rPr lang="en-US" altLang="en-US" sz="2000" b="1">
+                <a:solidFill>
+                  <a:srgbClr val="00B050"/>
+                </a:solidFill>
+              </a:rPr>
+              <a:t>为了验证这个模型，</a:t>
+            </a:r>
+            <a:endParaRPr lang="en-US" altLang="en-US" sz="2000" b="1">
               <a:solidFill>
-                <a:srgbClr val="C00000"/>
+                <a:srgbClr val="00B050"/>
               </a:solidFill>
             </a:endParaRPr>
           </a:p>
           <a:p>
             <a:pPr algn="ctr"/>
+            <a:r>
+              <a:rPr lang="en-US" altLang="en-US" sz="2000" b="1">
+                <a:solidFill>
+                  <a:srgbClr val="00B050"/>
+                </a:solidFill>
+              </a:rPr>
+              <a:t>我</a:t>
+            </a:r>
             <a:r>
               <a:rPr lang="" altLang="en-US" sz="2000" b="1">
                 <a:solidFill>
                   <a:srgbClr val="00B050"/>
                 </a:solidFill>
               </a:rPr>
-              <a:t>为了验证这个模型，</a:t>
-            </a:r>
-            <a:endParaRPr lang="" altLang="en-US" sz="2000" b="1">
-              <a:solidFill>
-                <a:srgbClr val="00B050"/>
-              </a:solidFill>
-            </a:endParaRPr>
-          </a:p>
-          <a:p>
-            <a:pPr algn="ctr"/>
+              <a:t>来</a:t>
+            </a:r>
+            <a:r>
+              <a:rPr lang="en-US" altLang="en-US" sz="2000" b="1">
+                <a:solidFill>
+                  <a:srgbClr val="00B050"/>
+                </a:solidFill>
+              </a:rPr>
+              <a:t>找些新的帅哥测试。</a:t>
+            </a:r>
             <a:r>
               <a:rPr lang="" altLang="en-US" sz="2000" b="1">
                 <a:solidFill>
                   <a:srgbClr val="00B050"/>
                 </a:solidFill>
               </a:rPr>
-              <a:t>我必须找一些新的帅哥来测试。</a:t>
+              <a:t>。。</a:t>
             </a:r>
             <a:endParaRPr lang="" altLang="en-US" sz="2000" b="1">
               <a:solidFill>
                 <a:srgbClr val="00B050"/>
-              </a:solidFill>
-            </a:endParaRPr>
-          </a:p>
-          <a:p>
-            <a:pPr algn="ctr"/>
-            <a:endParaRPr lang="" altLang="en-US" sz="2000" b="1">
-              <a:solidFill>
-                <a:srgbClr val="C00000"/>
-              </a:solidFill>
-            </a:endParaRPr>
-          </a:p>
-          <a:p>
-            <a:pPr algn="ctr"/>
-            <a:r>
-              <a:rPr lang="" altLang="en-US" sz="2000" b="1">
-                <a:solidFill>
-                  <a:srgbClr val="002060"/>
-                </a:solidFill>
-              </a:rPr>
-              <a:t>我的模型只适用于帅哥。</a:t>
-            </a:r>
-            <a:endParaRPr lang="" altLang="en-US" sz="2000" b="1">
-              <a:solidFill>
-                <a:srgbClr val="002060"/>
-              </a:solidFill>
-            </a:endParaRPr>
-          </a:p>
-          <a:p>
-            <a:pPr algn="ctr"/>
-            <a:r>
-              <a:rPr lang="" altLang="en-US" sz="2000" b="1">
-                <a:solidFill>
-                  <a:srgbClr val="002060"/>
-                </a:solidFill>
-              </a:rPr>
-              <a:t>找渣男来测试是不合理的。</a:t>
-            </a:r>
-            <a:endParaRPr lang="" altLang="en-US" sz="2000" b="1">
-              <a:solidFill>
-                <a:srgbClr val="002060"/>
               </a:solidFill>
             </a:endParaRPr>
           </a:p>
@@ -6662,10 +7300,403 @@
           <a:bodyPr/>
           <a:p>
             <a:r>
-              <a:rPr lang="en-US" altLang="en-US" b="1"/>
-              <a:t>机器学习四大类问题</a:t>
-            </a:r>
-            <a:endParaRPr lang="en-US" altLang="en-US" b="1"/>
+              <a:rPr lang="" altLang="en-US" sz="3600" b="1"/>
+              <a:t>欠拟合、过拟合</a:t>
+            </a:r>
+            <a:endParaRPr lang="" altLang="en-US" sz="3600" b="1"/>
+          </a:p>
+        </p:txBody>
+      </p:sp>
+      <p:pic>
+        <p:nvPicPr>
+          <p:cNvPr id="4" name="Picture 3"/>
+          <p:cNvPicPr>
+            <a:picLocks noChangeAspect="1"/>
+          </p:cNvPicPr>
+          <p:nvPr/>
+        </p:nvPicPr>
+        <p:blipFill>
+          <a:blip r:embed="rId1"/>
+          <a:stretch>
+            <a:fillRect/>
+          </a:stretch>
+        </p:blipFill>
+        <p:spPr>
+          <a:xfrm>
+            <a:off x="1508125" y="2134870"/>
+            <a:ext cx="8970010" cy="2588895"/>
+          </a:xfrm>
+          <a:prstGeom prst="rect">
+            <a:avLst/>
+          </a:prstGeom>
+        </p:spPr>
+      </p:pic>
+      <p:sp>
+        <p:nvSpPr>
+          <p:cNvPr id="6" name="Text Box 5"/>
+          <p:cNvSpPr txBox="1"/>
+          <p:nvPr/>
+        </p:nvSpPr>
+        <p:spPr>
+          <a:xfrm>
+            <a:off x="2306955" y="5015230"/>
+            <a:ext cx="1251585" cy="521970"/>
+          </a:xfrm>
+          <a:prstGeom prst="rect">
+            <a:avLst/>
+          </a:prstGeom>
+          <a:noFill/>
+        </p:spPr>
+        <p:txBody>
+          <a:bodyPr wrap="none" rtlCol="0" anchor="t">
+            <a:spAutoFit/>
+          </a:bodyPr>
+          <a:p>
+            <a:r>
+              <a:rPr lang="" sz="2800" b="1">
+                <a:sym typeface="+mn-ea"/>
+              </a:rPr>
+              <a:t>欠拟合</a:t>
+            </a:r>
+            <a:endParaRPr lang="" sz="2800" b="1">
+              <a:sym typeface="+mn-ea"/>
+            </a:endParaRPr>
+          </a:p>
+        </p:txBody>
+      </p:sp>
+      <p:sp>
+        <p:nvSpPr>
+          <p:cNvPr id="9" name="Text Box 8"/>
+          <p:cNvSpPr txBox="1"/>
+          <p:nvPr/>
+        </p:nvSpPr>
+        <p:spPr>
+          <a:xfrm>
+            <a:off x="5344795" y="5015230"/>
+            <a:ext cx="1964055" cy="521970"/>
+          </a:xfrm>
+          <a:prstGeom prst="rect">
+            <a:avLst/>
+          </a:prstGeom>
+          <a:noFill/>
+        </p:spPr>
+        <p:txBody>
+          <a:bodyPr wrap="none" rtlCol="0" anchor="t">
+            <a:spAutoFit/>
+          </a:bodyPr>
+          <a:p>
+            <a:r>
+              <a:rPr lang="" altLang="en-US" sz="2800" b="1">
+                <a:sym typeface="+mn-ea"/>
+              </a:rPr>
+              <a:t>理想的</a:t>
+            </a:r>
+            <a:r>
+              <a:rPr lang="en-US" sz="2800" b="1">
+                <a:sym typeface="+mn-ea"/>
+              </a:rPr>
+              <a:t>拟合</a:t>
+            </a:r>
+            <a:endParaRPr lang="en-US" sz="2800" b="1">
+              <a:sym typeface="+mn-ea"/>
+            </a:endParaRPr>
+          </a:p>
+        </p:txBody>
+      </p:sp>
+      <p:sp>
+        <p:nvSpPr>
+          <p:cNvPr id="10" name="Text Box 9"/>
+          <p:cNvSpPr txBox="1"/>
+          <p:nvPr/>
+        </p:nvSpPr>
+        <p:spPr>
+          <a:xfrm>
+            <a:off x="8433435" y="5015230"/>
+            <a:ext cx="1251585" cy="521970"/>
+          </a:xfrm>
+          <a:prstGeom prst="rect">
+            <a:avLst/>
+          </a:prstGeom>
+          <a:noFill/>
+        </p:spPr>
+        <p:txBody>
+          <a:bodyPr wrap="none" rtlCol="0" anchor="t">
+            <a:spAutoFit/>
+          </a:bodyPr>
+          <a:p>
+            <a:r>
+              <a:rPr lang="" altLang="en-US" sz="2800" b="1">
+                <a:sym typeface="+mn-ea"/>
+              </a:rPr>
+              <a:t>过</a:t>
+            </a:r>
+            <a:r>
+              <a:rPr lang="en-US" sz="2800" b="1">
+                <a:sym typeface="+mn-ea"/>
+              </a:rPr>
+              <a:t>拟合</a:t>
+            </a:r>
+            <a:endParaRPr lang="en-US" sz="2800" b="1">
+              <a:sym typeface="+mn-ea"/>
+            </a:endParaRPr>
+          </a:p>
+        </p:txBody>
+      </p:sp>
+    </p:spTree>
+  </p:cSld>
+  <p:clrMapOvr>
+    <a:masterClrMapping/>
+  </p:clrMapOvr>
+  <p:timing>
+    <p:tnLst>
+      <p:par>
+        <p:cTn id="1" dur="indefinite" restart="never" nodeType="tmRoot">
+          <p:childTnLst>
+            <p:seq concurrent="1" nextAc="seek">
+              <p:cTn id="2" dur="indefinite" nodeType="mainSeq">
+                <p:childTnLst>
+                  <p:par>
+                    <p:cTn id="3" fill="hold">
+                      <p:stCondLst>
+                        <p:cond delay="indefinite"/>
+                      </p:stCondLst>
+                      <p:childTnLst>
+                        <p:par>
+                          <p:cTn id="4" fill="hold">
+                            <p:stCondLst>
+                              <p:cond delay="0"/>
+                            </p:stCondLst>
+                            <p:childTnLst>
+                              <p:par>
+                                <p:cTn id="5" presetID="2" presetClass="entr" presetSubtype="4" fill="hold" grpId="0" nodeType="clickEffect">
+                                  <p:stCondLst>
+                                    <p:cond delay="0"/>
+                                  </p:stCondLst>
+                                  <p:childTnLst>
+                                    <p:set>
+                                      <p:cBhvr>
+                                        <p:cTn id="6" dur="1" fill="hold">
+                                          <p:stCondLst>
+                                            <p:cond delay="0"/>
+                                          </p:stCondLst>
+                                        </p:cTn>
+                                        <p:tgtEl>
+                                          <p:spTgt spid="9"/>
+                                        </p:tgtEl>
+                                        <p:attrNameLst>
+                                          <p:attrName>style.visibility</p:attrName>
+                                        </p:attrNameLst>
+                                      </p:cBhvr>
+                                      <p:to>
+                                        <p:strVal val="visible"/>
+                                      </p:to>
+                                    </p:set>
+                                    <p:anim calcmode="lin" valueType="num">
+                                      <p:cBhvr additive="base">
+                                        <p:cTn id="7" dur="500" fill="hold"/>
+                                        <p:tgtEl>
+                                          <p:spTgt spid="9"/>
+                                        </p:tgtEl>
+                                        <p:attrNameLst>
+                                          <p:attrName>ppt_x</p:attrName>
+                                        </p:attrNameLst>
+                                      </p:cBhvr>
+                                      <p:tavLst>
+                                        <p:tav tm="0">
+                                          <p:val>
+                                            <p:strVal val="#ppt_x"/>
+                                          </p:val>
+                                        </p:tav>
+                                        <p:tav tm="100000">
+                                          <p:val>
+                                            <p:strVal val="#ppt_x"/>
+                                          </p:val>
+                                        </p:tav>
+                                      </p:tavLst>
+                                    </p:anim>
+                                    <p:anim calcmode="lin" valueType="num">
+                                      <p:cBhvr additive="base">
+                                        <p:cTn id="8" dur="500" fill="hold"/>
+                                        <p:tgtEl>
+                                          <p:spTgt spid="9"/>
+                                        </p:tgtEl>
+                                        <p:attrNameLst>
+                                          <p:attrName>ppt_y</p:attrName>
+                                        </p:attrNameLst>
+                                      </p:cBhvr>
+                                      <p:tavLst>
+                                        <p:tav tm="0">
+                                          <p:val>
+                                            <p:strVal val="1+#ppt_h/2"/>
+                                          </p:val>
+                                        </p:tav>
+                                        <p:tav tm="100000">
+                                          <p:val>
+                                            <p:strVal val="#ppt_y"/>
+                                          </p:val>
+                                        </p:tav>
+                                      </p:tavLst>
+                                    </p:anim>
+                                  </p:childTnLst>
+                                </p:cTn>
+                              </p:par>
+                            </p:childTnLst>
+                          </p:cTn>
+                        </p:par>
+                      </p:childTnLst>
+                    </p:cTn>
+                  </p:par>
+                  <p:par>
+                    <p:cTn id="9" fill="hold">
+                      <p:stCondLst>
+                        <p:cond delay="indefinite"/>
+                      </p:stCondLst>
+                      <p:childTnLst>
+                        <p:par>
+                          <p:cTn id="10" fill="hold">
+                            <p:stCondLst>
+                              <p:cond delay="0"/>
+                            </p:stCondLst>
+                            <p:childTnLst>
+                              <p:par>
+                                <p:cTn id="11" presetID="2" presetClass="entr" presetSubtype="4" fill="hold" grpId="0" nodeType="clickEffect">
+                                  <p:stCondLst>
+                                    <p:cond delay="0"/>
+                                  </p:stCondLst>
+                                  <p:childTnLst>
+                                    <p:set>
+                                      <p:cBhvr>
+                                        <p:cTn id="12" dur="1" fill="hold">
+                                          <p:stCondLst>
+                                            <p:cond delay="0"/>
+                                          </p:stCondLst>
+                                        </p:cTn>
+                                        <p:tgtEl>
+                                          <p:spTgt spid="10"/>
+                                        </p:tgtEl>
+                                        <p:attrNameLst>
+                                          <p:attrName>style.visibility</p:attrName>
+                                        </p:attrNameLst>
+                                      </p:cBhvr>
+                                      <p:to>
+                                        <p:strVal val="visible"/>
+                                      </p:to>
+                                    </p:set>
+                                    <p:anim calcmode="lin" valueType="num">
+                                      <p:cBhvr additive="base">
+                                        <p:cTn id="13" dur="500" fill="hold"/>
+                                        <p:tgtEl>
+                                          <p:spTgt spid="10"/>
+                                        </p:tgtEl>
+                                        <p:attrNameLst>
+                                          <p:attrName>ppt_x</p:attrName>
+                                        </p:attrNameLst>
+                                      </p:cBhvr>
+                                      <p:tavLst>
+                                        <p:tav tm="0">
+                                          <p:val>
+                                            <p:strVal val="#ppt_x"/>
+                                          </p:val>
+                                        </p:tav>
+                                        <p:tav tm="100000">
+                                          <p:val>
+                                            <p:strVal val="#ppt_x"/>
+                                          </p:val>
+                                        </p:tav>
+                                      </p:tavLst>
+                                    </p:anim>
+                                    <p:anim calcmode="lin" valueType="num">
+                                      <p:cBhvr additive="base">
+                                        <p:cTn id="14" dur="500" fill="hold"/>
+                                        <p:tgtEl>
+                                          <p:spTgt spid="10"/>
+                                        </p:tgtEl>
+                                        <p:attrNameLst>
+                                          <p:attrName>ppt_y</p:attrName>
+                                        </p:attrNameLst>
+                                      </p:cBhvr>
+                                      <p:tavLst>
+                                        <p:tav tm="0">
+                                          <p:val>
+                                            <p:strVal val="1+#ppt_h/2"/>
+                                          </p:val>
+                                        </p:tav>
+                                        <p:tav tm="100000">
+                                          <p:val>
+                                            <p:strVal val="#ppt_y"/>
+                                          </p:val>
+                                        </p:tav>
+                                      </p:tavLst>
+                                    </p:anim>
+                                  </p:childTnLst>
+                                </p:cTn>
+                              </p:par>
+                            </p:childTnLst>
+                          </p:cTn>
+                        </p:par>
+                      </p:childTnLst>
+                    </p:cTn>
+                  </p:par>
+                </p:childTnLst>
+              </p:cTn>
+              <p:prevCondLst>
+                <p:cond evt="onPrev" delay="0">
+                  <p:tgtEl>
+                    <p:sldTgt/>
+                  </p:tgtEl>
+                </p:cond>
+              </p:prevCondLst>
+              <p:nextCondLst>
+                <p:cond evt="onNext" delay="0">
+                  <p:tgtEl>
+                    <p:sldTgt/>
+                  </p:tgtEl>
+                </p:cond>
+              </p:nextCondLst>
+            </p:seq>
+          </p:childTnLst>
+        </p:cTn>
+      </p:par>
+    </p:tnLst>
+    <p:bldLst>
+      <p:bldP spid="9" grpId="0"/>
+      <p:bldP spid="9" grpId="1"/>
+      <p:bldP spid="10" grpId="0"/>
+      <p:bldP spid="10" grpId="1"/>
+    </p:bldLst>
+  </p:timing>
+</p:sld>
+</file>
+
+<file path=ppt/slides/slide6.xml><?xml version="1.0" encoding="utf-8"?>
+<p:sld xmlns:a="http://schemas.openxmlformats.org/drawingml/2006/main" xmlns:r="http://schemas.openxmlformats.org/officeDocument/2006/relationships" xmlns:p="http://schemas.openxmlformats.org/presentationml/2006/main">
+  <p:cSld>
+    <p:spTree>
+      <p:nvGrpSpPr>
+        <p:cNvPr id="1" name=""/>
+        <p:cNvGrpSpPr/>
+        <p:nvPr/>
+      </p:nvGrpSpPr>
+      <p:grpSpPr/>
+      <p:sp>
+        <p:nvSpPr>
+          <p:cNvPr id="2" name="Title 1"/>
+          <p:cNvSpPr>
+            <a:spLocks noGrp="1"/>
+          </p:cNvSpPr>
+          <p:nvPr>
+            <p:ph type="title"/>
+          </p:nvPr>
+        </p:nvSpPr>
+        <p:spPr/>
+        <p:txBody>
+          <a:bodyPr/>
+          <a:p>
+            <a:r>
+              <a:rPr lang="en-US" altLang="en-US" sz="3600" b="1"/>
+              <a:t>欠拟合</a:t>
+            </a:r>
+            <a:endParaRPr lang="en-US" altLang="en-US" sz="3600" b="1"/>
           </a:p>
         </p:txBody>
       </p:sp>
@@ -6679,119 +7710,16 @@
             <p:ph idx="1"/>
           </p:nvPr>
         </p:nvSpPr>
-        <p:spPr/>
+        <p:spPr>
+          <a:xfrm>
+            <a:off x="838200" y="1825625"/>
+            <a:ext cx="7033895" cy="4351655"/>
+          </a:xfrm>
+        </p:spPr>
         <p:txBody>
           <a:bodyPr>
             <a:noAutofit/>
           </a:bodyPr>
-          <a:p>
-            <a:pPr>
-              <a:lnSpc>
-                <a:spcPct val="120000"/>
-              </a:lnSpc>
-              <a:spcAft>
-                <a:spcPts val="0"/>
-              </a:spcAft>
-            </a:pPr>
-            <a:r>
-              <a:rPr lang="en-US" altLang="en-US" b="1"/>
-              <a:t>聚类（Clustering）</a:t>
-            </a:r>
-            <a:endParaRPr lang="en-US" altLang="en-US"/>
-          </a:p>
-          <a:p>
-            <a:pPr lvl="1">
-              <a:lnSpc>
-                <a:spcPct val="120000"/>
-              </a:lnSpc>
-              <a:spcAft>
-                <a:spcPts val="0"/>
-              </a:spcAft>
-            </a:pPr>
-            <a:r>
-              <a:rPr lang="en-US" altLang="en-US"/>
-              <a:t>将对象的集合分成由类似的对象组成的多个类的</a:t>
-            </a:r>
-            <a:endParaRPr lang="en-US" altLang="en-US"/>
-          </a:p>
-          <a:p>
-            <a:pPr marL="457200" lvl="1" indent="0">
-              <a:lnSpc>
-                <a:spcPct val="120000"/>
-              </a:lnSpc>
-              <a:spcAft>
-                <a:spcPts val="0"/>
-              </a:spcAft>
-              <a:buNone/>
-            </a:pPr>
-            <a:r>
-              <a:rPr lang="en-US" altLang="en-US"/>
-              <a:t>过程被称为聚类。“物以类聚，人以群分”。与分类</a:t>
-            </a:r>
-            <a:endParaRPr lang="en-US" altLang="en-US"/>
-          </a:p>
-          <a:p>
-            <a:pPr marL="457200" lvl="1" indent="0">
-              <a:lnSpc>
-                <a:spcPct val="120000"/>
-              </a:lnSpc>
-              <a:spcAft>
-                <a:spcPts val="0"/>
-              </a:spcAft>
-              <a:buNone/>
-            </a:pPr>
-            <a:r>
-              <a:rPr lang="en-US" altLang="en-US"/>
-              <a:t>不同，聚类所划分的类是未知的。</a:t>
-            </a:r>
-            <a:endParaRPr lang="en-US" altLang="en-US"/>
-          </a:p>
-          <a:p>
-            <a:pPr>
-              <a:lnSpc>
-                <a:spcPct val="120000"/>
-              </a:lnSpc>
-              <a:spcAft>
-                <a:spcPts val="0"/>
-              </a:spcAft>
-            </a:pPr>
-            <a:r>
-              <a:rPr lang="en-US" altLang="en-US" b="1"/>
-              <a:t>降维（Dimension Reduction）</a:t>
-            </a:r>
-            <a:endParaRPr lang="en-US" altLang="en-US" b="1"/>
-          </a:p>
-          <a:p>
-            <a:pPr lvl="1">
-              <a:lnSpc>
-                <a:spcPct val="120000"/>
-              </a:lnSpc>
-              <a:spcAft>
-                <a:spcPts val="0"/>
-              </a:spcAft>
-            </a:pPr>
-            <a:r>
-              <a:rPr lang="en-US" altLang="en-US"/>
-              <a:t>降维指采用某种映射方法，将原高维空间中的数据点</a:t>
-            </a:r>
-            <a:endParaRPr lang="en-US" altLang="en-US"/>
-          </a:p>
-          <a:p>
-            <a:pPr marL="457200" lvl="1" indent="0">
-              <a:lnSpc>
-                <a:spcPct val="120000"/>
-              </a:lnSpc>
-              <a:spcAft>
-                <a:spcPts val="0"/>
-              </a:spcAft>
-              <a:buNone/>
-            </a:pPr>
-            <a:r>
-              <a:rPr lang="en-US" altLang="en-US"/>
-              <a:t>映射到低维度的空间中。</a:t>
-            </a:r>
-            <a:endParaRPr lang="en-US" altLang="en-US"/>
-          </a:p>
           <a:p>
             <a:pPr marL="0" indent="0">
               <a:lnSpc>
@@ -6802,133 +7730,121 @@
               </a:spcAft>
               <a:buNone/>
             </a:pPr>
-            <a:r>
-              <a:rPr lang="en-US" altLang="en-US">
-                <a:sym typeface="+mn-ea"/>
-              </a:rPr>
-              <a:t>聚类与降维都属于</a:t>
-            </a:r>
-            <a:r>
-              <a:rPr lang="en-US" altLang="en-US" b="1">
-                <a:solidFill>
-                  <a:srgbClr val="C00000"/>
-                </a:solidFill>
-                <a:sym typeface="+mn-ea"/>
-              </a:rPr>
-              <a:t>无监督学习</a:t>
-            </a:r>
-            <a:r>
-              <a:rPr lang="en-US" altLang="en-US">
-                <a:sym typeface="+mn-ea"/>
-              </a:rPr>
+            <a:endParaRPr b="1"/>
+          </a:p>
+          <a:p>
+            <a:pPr marL="0" indent="0">
+              <a:lnSpc>
+                <a:spcPct val="120000"/>
+              </a:lnSpc>
+              <a:spcAft>
+                <a:spcPts val="0"/>
+              </a:spcAft>
+              <a:buNone/>
+            </a:pPr>
+            <a:r>
+              <a:t>根本原因</a:t>
+            </a:r>
+            <a:r>
+              <a:rPr lang="en-US"/>
+              <a:t>是</a:t>
+            </a:r>
+            <a:r>
+              <a:rPr b="1"/>
+              <a:t>模型过于简单</a:t>
+            </a:r>
+            <a:r>
+              <a:t>，</a:t>
+            </a:r>
+            <a:r>
+              <a:rPr lang=""/>
+              <a:t>或</a:t>
+            </a:r>
+            <a:r>
+              <a:rPr lang="" b="1"/>
+              <a:t>训练不充分</a:t>
+            </a:r>
+            <a:r>
+              <a:rPr lang=""/>
+              <a:t>，</a:t>
+            </a:r>
+            <a:r>
+              <a:t>拟合的函数无法</a:t>
+            </a:r>
+            <a:r>
+              <a:rPr lang=""/>
+              <a:t>拟合</a:t>
+            </a:r>
+            <a:r>
+              <a:t>训练集，</a:t>
+            </a:r>
+            <a:r>
+              <a:rPr b="1"/>
+              <a:t>误差较大</a:t>
+            </a:r>
+            <a:r>
+              <a:rPr lang=""/>
               <a:t>。</a:t>
             </a:r>
-            <a:endParaRPr lang="en-US" altLang="en-US">
-              <a:sym typeface="+mn-ea"/>
-            </a:endParaRPr>
-          </a:p>
-        </p:txBody>
-      </p:sp>
-      <p:pic>
-        <p:nvPicPr>
-          <p:cNvPr id="14" name="Picture 13"/>
-          <p:cNvPicPr>
-            <a:picLocks noChangeAspect="1"/>
-          </p:cNvPicPr>
-          <p:nvPr/>
-        </p:nvPicPr>
-        <p:blipFill>
-          <a:blip r:embed="rId1"/>
-          <a:srcRect b="21813"/>
-          <a:stretch>
-            <a:fillRect/>
-          </a:stretch>
-        </p:blipFill>
-        <p:spPr>
-          <a:xfrm>
-            <a:off x="9085580" y="4295140"/>
-            <a:ext cx="1898015" cy="1483995"/>
-          </a:xfrm>
-          <a:prstGeom prst="rect">
-            <a:avLst/>
-          </a:prstGeom>
-        </p:spPr>
-      </p:pic>
-      <p:sp>
-        <p:nvSpPr>
-          <p:cNvPr id="16" name="Text Box 15"/>
-          <p:cNvSpPr txBox="1"/>
-          <p:nvPr/>
-        </p:nvSpPr>
-        <p:spPr>
-          <a:xfrm>
-            <a:off x="8075295" y="5883275"/>
-            <a:ext cx="3917950" cy="1014730"/>
-          </a:xfrm>
-          <a:prstGeom prst="rect">
-            <a:avLst/>
-          </a:prstGeom>
-          <a:noFill/>
-        </p:spPr>
-        <p:txBody>
-          <a:bodyPr wrap="square" rtlCol="0">
-            <a:spAutoFit/>
-          </a:bodyPr>
-          <a:p>
-            <a:pPr algn="ctr"/>
-            <a:r>
-              <a:rPr lang="en-US" altLang="en-US" sz="2000" b="1">
-                <a:solidFill>
-                  <a:srgbClr val="C00000"/>
-                </a:solidFill>
-              </a:rPr>
-              <a:t>无监督学习就是训练样本都</a:t>
-            </a:r>
-            <a:r>
-              <a:rPr lang="en-US" altLang="en-US" sz="2000" b="1" u="sng">
-                <a:solidFill>
-                  <a:srgbClr val="C00000"/>
-                </a:solidFill>
-              </a:rPr>
-              <a:t>没有</a:t>
-            </a:r>
-            <a:endParaRPr lang="en-US" altLang="en-US" sz="2000" b="1">
-              <a:solidFill>
-                <a:srgbClr val="C00000"/>
-              </a:solidFill>
-            </a:endParaRPr>
-          </a:p>
-          <a:p>
-            <a:pPr algn="ctr"/>
-            <a:r>
-              <a:rPr lang="en-US" altLang="en-US" sz="2000" b="1">
-                <a:solidFill>
-                  <a:srgbClr val="C00000"/>
-                </a:solidFill>
-              </a:rPr>
-              <a:t>人类监督者贴的标签。这类问题</a:t>
-            </a:r>
-            <a:endParaRPr lang="en-US" altLang="en-US" sz="2000" b="1">
-              <a:solidFill>
-                <a:srgbClr val="C00000"/>
-              </a:solidFill>
-            </a:endParaRPr>
-          </a:p>
-          <a:p>
-            <a:pPr algn="ctr"/>
-            <a:r>
-              <a:rPr lang="en-US" altLang="en-US" sz="2000" b="1">
-                <a:solidFill>
-                  <a:srgbClr val="C00000"/>
-                </a:solidFill>
-              </a:rPr>
-              <a:t>更加困难</a:t>
-            </a:r>
-            <a:endParaRPr lang="en-US" altLang="en-US" sz="2000" b="1">
-              <a:solidFill>
-                <a:srgbClr val="C00000"/>
-              </a:solidFill>
-            </a:endParaRPr>
+            <a:r>
+              <a:t> </a:t>
+            </a:r>
+          </a:p>
+          <a:p>
+            <a:pPr lvl="1">
+              <a:lnSpc>
+                <a:spcPct val="120000"/>
+              </a:lnSpc>
+              <a:spcAft>
+                <a:spcPts val="0"/>
+              </a:spcAft>
+            </a:pPr>
+          </a:p>
+          <a:p>
+            <a:pPr lvl="0">
+              <a:lnSpc>
+                <a:spcPct val="120000"/>
+              </a:lnSpc>
+              <a:spcAft>
+                <a:spcPts val="0"/>
+              </a:spcAft>
+            </a:pPr>
+            <a:r>
+              <a:t> 解决方法：</a:t>
+            </a:r>
+            <a:r>
+              <a:rPr lang=""/>
+              <a:t>改进</a:t>
+            </a:r>
+            <a:r>
+              <a:rPr lang="en-US"/>
+              <a:t>模型</a:t>
+            </a:r>
+            <a:r>
+              <a:rPr lang=""/>
+              <a:t>，</a:t>
+            </a:r>
+            <a:r>
+              <a:rPr lang="" altLang="en-US"/>
+              <a:t>增加训练时间，...</a:t>
+            </a:r>
+            <a:r>
+              <a:t> </a:t>
+            </a:r>
+          </a:p>
+          <a:p>
+            <a:pPr marL="0" indent="0">
+              <a:lnSpc>
+                <a:spcPct val="120000"/>
+              </a:lnSpc>
+              <a:spcAft>
+                <a:spcPts val="0"/>
+              </a:spcAft>
+              <a:buNone/>
+            </a:pPr>
+            <a:r>
+              <a:t>　</a:t>
+            </a:r>
           </a:p>
         </p:txBody>
       </p:sp>
@@ -6941,15 +7857,575 @@
           <p:nvPr/>
         </p:nvPicPr>
         <p:blipFill>
-          <a:blip r:embed="rId2"/>
+          <a:blip r:embed="rId1"/>
+          <a:srcRect b="25833"/>
           <a:stretch>
             <a:fillRect/>
           </a:stretch>
         </p:blipFill>
         <p:spPr>
           <a:xfrm>
-            <a:off x="8361680" y="835660"/>
-            <a:ext cx="3561080" cy="2693035"/>
+            <a:off x="8254365" y="1828800"/>
+            <a:ext cx="3495675" cy="2373630"/>
+          </a:xfrm>
+          <a:prstGeom prst="rect">
+            <a:avLst/>
+          </a:prstGeom>
+        </p:spPr>
+      </p:pic>
+      <p:sp>
+        <p:nvSpPr>
+          <p:cNvPr id="6" name="Text Box 5"/>
+          <p:cNvSpPr txBox="1"/>
+          <p:nvPr/>
+        </p:nvSpPr>
+        <p:spPr>
+          <a:xfrm>
+            <a:off x="8133080" y="4298950"/>
+            <a:ext cx="3917950" cy="1014730"/>
+          </a:xfrm>
+          <a:prstGeom prst="rect">
+            <a:avLst/>
+          </a:prstGeom>
+          <a:noFill/>
+        </p:spPr>
+        <p:txBody>
+          <a:bodyPr wrap="square" rtlCol="0">
+            <a:spAutoFit/>
+          </a:bodyPr>
+          <a:p>
+            <a:pPr algn="ctr">
+              <a:lnSpc>
+                <a:spcPct val="150000"/>
+              </a:lnSpc>
+            </a:pPr>
+            <a:r>
+              <a:rPr lang="" altLang="en-US" sz="2000" b="1">
+                <a:solidFill>
+                  <a:schemeClr val="tx1"/>
+                </a:solidFill>
+              </a:rPr>
+              <a:t>第一次谈女朋友的我，很多时候都摸不清楚她在想什么。</a:t>
+            </a:r>
+            <a:endParaRPr lang="" altLang="en-US" sz="2000" b="1">
+              <a:solidFill>
+                <a:schemeClr val="tx1"/>
+              </a:solidFill>
+            </a:endParaRPr>
+          </a:p>
+        </p:txBody>
+      </p:sp>
+    </p:spTree>
+  </p:cSld>
+  <p:clrMapOvr>
+    <a:masterClrMapping/>
+  </p:clrMapOvr>
+  <p:timing>
+    <p:tnLst>
+      <p:par>
+        <p:cTn id="1" dur="indefinite" restart="never" nodeType="tmRoot">
+          <p:childTnLst>
+            <p:seq concurrent="1" nextAc="seek">
+              <p:cTn id="2" dur="indefinite" nodeType="mainSeq">
+                <p:childTnLst>
+                  <p:par>
+                    <p:cTn id="3" fill="hold">
+                      <p:stCondLst>
+                        <p:cond delay="indefinite"/>
+                      </p:stCondLst>
+                      <p:childTnLst>
+                        <p:par>
+                          <p:cTn id="4" fill="hold">
+                            <p:stCondLst>
+                              <p:cond delay="0"/>
+                            </p:stCondLst>
+                            <p:childTnLst>
+                              <p:par>
+                                <p:cTn id="5" presetID="1" presetClass="entr" presetSubtype="0" fill="hold" nodeType="clickEffect">
+                                  <p:stCondLst>
+                                    <p:cond delay="0"/>
+                                  </p:stCondLst>
+                                  <p:childTnLst>
+                                    <p:set>
+                                      <p:cBhvr>
+                                        <p:cTn id="6" dur="1" fill="hold">
+                                          <p:stCondLst>
+                                            <p:cond delay="0"/>
+                                          </p:stCondLst>
+                                        </p:cTn>
+                                        <p:tgtEl>
+                                          <p:spTgt spid="3">
+                                            <p:txEl>
+                                              <p:pRg st="1" end="1"/>
+                                            </p:txEl>
+                                          </p:spTgt>
+                                        </p:tgtEl>
+                                        <p:attrNameLst>
+                                          <p:attrName>style.visibility</p:attrName>
+                                        </p:attrNameLst>
+                                      </p:cBhvr>
+                                      <p:to>
+                                        <p:strVal val="visible"/>
+                                      </p:to>
+                                    </p:set>
+                                  </p:childTnLst>
+                                </p:cTn>
+                              </p:par>
+                            </p:childTnLst>
+                          </p:cTn>
+                        </p:par>
+                      </p:childTnLst>
+                    </p:cTn>
+                  </p:par>
+                  <p:par>
+                    <p:cTn id="7" fill="hold">
+                      <p:stCondLst>
+                        <p:cond delay="indefinite"/>
+                      </p:stCondLst>
+                      <p:childTnLst>
+                        <p:par>
+                          <p:cTn id="8" fill="hold">
+                            <p:stCondLst>
+                              <p:cond delay="0"/>
+                            </p:stCondLst>
+                            <p:childTnLst>
+                              <p:par>
+                                <p:cTn id="9" presetID="1" presetClass="entr" presetSubtype="0" fill="hold" nodeType="clickEffect">
+                                  <p:stCondLst>
+                                    <p:cond delay="0"/>
+                                  </p:stCondLst>
+                                  <p:childTnLst>
+                                    <p:set>
+                                      <p:cBhvr>
+                                        <p:cTn id="10" dur="1" fill="hold">
+                                          <p:stCondLst>
+                                            <p:cond delay="0"/>
+                                          </p:stCondLst>
+                                        </p:cTn>
+                                        <p:tgtEl>
+                                          <p:spTgt spid="3">
+                                            <p:txEl>
+                                              <p:pRg st="3" end="3"/>
+                                            </p:txEl>
+                                          </p:spTgt>
+                                        </p:tgtEl>
+                                        <p:attrNameLst>
+                                          <p:attrName>style.visibility</p:attrName>
+                                        </p:attrNameLst>
+                                      </p:cBhvr>
+                                      <p:to>
+                                        <p:strVal val="visible"/>
+                                      </p:to>
+                                    </p:set>
+                                  </p:childTnLst>
+                                </p:cTn>
+                              </p:par>
+                            </p:childTnLst>
+                          </p:cTn>
+                        </p:par>
+                      </p:childTnLst>
+                    </p:cTn>
+                  </p:par>
+                  <p:par>
+                    <p:cTn id="11" fill="hold">
+                      <p:stCondLst>
+                        <p:cond delay="indefinite"/>
+                      </p:stCondLst>
+                      <p:childTnLst>
+                        <p:par>
+                          <p:cTn id="12" fill="hold">
+                            <p:stCondLst>
+                              <p:cond delay="0"/>
+                            </p:stCondLst>
+                            <p:childTnLst>
+                              <p:par>
+                                <p:cTn id="13" presetID="1" presetClass="entr" presetSubtype="0" fill="hold" nodeType="clickEffect">
+                                  <p:stCondLst>
+                                    <p:cond delay="0"/>
+                                  </p:stCondLst>
+                                  <p:childTnLst>
+                                    <p:set>
+                                      <p:cBhvr>
+                                        <p:cTn id="14" dur="1" fill="hold">
+                                          <p:stCondLst>
+                                            <p:cond delay="0"/>
+                                          </p:stCondLst>
+                                        </p:cTn>
+                                        <p:tgtEl>
+                                          <p:spTgt spid="3">
+                                            <p:txEl>
+                                              <p:pRg st="4" end="4"/>
+                                            </p:txEl>
+                                          </p:spTgt>
+                                        </p:tgtEl>
+                                        <p:attrNameLst>
+                                          <p:attrName>style.visibility</p:attrName>
+                                        </p:attrNameLst>
+                                      </p:cBhvr>
+                                      <p:to>
+                                        <p:strVal val="visible"/>
+                                      </p:to>
+                                    </p:set>
+                                  </p:childTnLst>
+                                </p:cTn>
+                              </p:par>
+                            </p:childTnLst>
+                          </p:cTn>
+                        </p:par>
+                      </p:childTnLst>
+                    </p:cTn>
+                  </p:par>
+                  <p:par>
+                    <p:cTn id="15" fill="hold">
+                      <p:stCondLst>
+                        <p:cond delay="indefinite"/>
+                      </p:stCondLst>
+                      <p:childTnLst>
+                        <p:par>
+                          <p:cTn id="16" fill="hold">
+                            <p:stCondLst>
+                              <p:cond delay="0"/>
+                            </p:stCondLst>
+                            <p:childTnLst>
+                              <p:par>
+                                <p:cTn id="17" presetID="1" presetClass="entr" presetSubtype="0" fill="hold" nodeType="clickEffect">
+                                  <p:stCondLst>
+                                    <p:cond delay="0"/>
+                                  </p:stCondLst>
+                                  <p:childTnLst>
+                                    <p:set>
+                                      <p:cBhvr>
+                                        <p:cTn id="18" dur="1" fill="hold">
+                                          <p:stCondLst>
+                                            <p:cond delay="0"/>
+                                          </p:stCondLst>
+                                        </p:cTn>
+                                        <p:tgtEl>
+                                          <p:spTgt spid="5"/>
+                                        </p:tgtEl>
+                                        <p:attrNameLst>
+                                          <p:attrName>style.visibility</p:attrName>
+                                        </p:attrNameLst>
+                                      </p:cBhvr>
+                                      <p:to>
+                                        <p:strVal val="visible"/>
+                                      </p:to>
+                                    </p:set>
+                                  </p:childTnLst>
+                                </p:cTn>
+                              </p:par>
+                              <p:par>
+                                <p:cTn id="19" presetID="1" presetClass="entr" presetSubtype="0" fill="hold" grpId="0" nodeType="withEffect">
+                                  <p:stCondLst>
+                                    <p:cond delay="0"/>
+                                  </p:stCondLst>
+                                  <p:childTnLst>
+                                    <p:set>
+                                      <p:cBhvr>
+                                        <p:cTn id="20" dur="1" fill="hold">
+                                          <p:stCondLst>
+                                            <p:cond delay="0"/>
+                                          </p:stCondLst>
+                                        </p:cTn>
+                                        <p:tgtEl>
+                                          <p:spTgt spid="6"/>
+                                        </p:tgtEl>
+                                        <p:attrNameLst>
+                                          <p:attrName>style.visibility</p:attrName>
+                                        </p:attrNameLst>
+                                      </p:cBhvr>
+                                      <p:to>
+                                        <p:strVal val="visible"/>
+                                      </p:to>
+                                    </p:set>
+                                  </p:childTnLst>
+                                </p:cTn>
+                              </p:par>
+                            </p:childTnLst>
+                          </p:cTn>
+                        </p:par>
+                      </p:childTnLst>
+                    </p:cTn>
+                  </p:par>
+                </p:childTnLst>
+              </p:cTn>
+              <p:prevCondLst>
+                <p:cond evt="onPrev" delay="0">
+                  <p:tgtEl>
+                    <p:sldTgt/>
+                  </p:tgtEl>
+                </p:cond>
+              </p:prevCondLst>
+              <p:nextCondLst>
+                <p:cond evt="onNext" delay="0">
+                  <p:tgtEl>
+                    <p:sldTgt/>
+                  </p:tgtEl>
+                </p:cond>
+              </p:nextCondLst>
+            </p:seq>
+          </p:childTnLst>
+        </p:cTn>
+      </p:par>
+    </p:tnLst>
+    <p:bldLst>
+      <p:bldP spid="6" grpId="0"/>
+      <p:bldP spid="6" grpId="1"/>
+    </p:bldLst>
+  </p:timing>
+</p:sld>
+</file>
+
+<file path=ppt/slides/slide7.xml><?xml version="1.0" encoding="utf-8"?>
+<p:sld xmlns:a="http://schemas.openxmlformats.org/drawingml/2006/main" xmlns:r="http://schemas.openxmlformats.org/officeDocument/2006/relationships" xmlns:p="http://schemas.openxmlformats.org/presentationml/2006/main">
+  <p:cSld>
+    <p:spTree>
+      <p:nvGrpSpPr>
+        <p:cNvPr id="1" name=""/>
+        <p:cNvGrpSpPr/>
+        <p:nvPr/>
+      </p:nvGrpSpPr>
+      <p:grpSpPr/>
+      <p:sp>
+        <p:nvSpPr>
+          <p:cNvPr id="2" name="Title 1"/>
+          <p:cNvSpPr>
+            <a:spLocks noGrp="1"/>
+          </p:cNvSpPr>
+          <p:nvPr>
+            <p:ph type="title"/>
+          </p:nvPr>
+        </p:nvSpPr>
+        <p:spPr/>
+        <p:txBody>
+          <a:bodyPr/>
+          <a:p>
+            <a:r>
+              <a:rPr lang="" altLang="en-US" sz="3600" b="1"/>
+              <a:t>过</a:t>
+            </a:r>
+            <a:r>
+              <a:rPr lang="en-US" altLang="en-US" sz="3600" b="1"/>
+              <a:t>拟合</a:t>
+            </a:r>
+            <a:endParaRPr lang="en-US" altLang="en-US" sz="3600" b="1"/>
+          </a:p>
+        </p:txBody>
+      </p:sp>
+      <p:sp>
+        <p:nvSpPr>
+          <p:cNvPr id="3" name="Content Placeholder 2"/>
+          <p:cNvSpPr>
+            <a:spLocks noGrp="1"/>
+          </p:cNvSpPr>
+          <p:nvPr>
+            <p:ph idx="1"/>
+          </p:nvPr>
+        </p:nvSpPr>
+        <p:spPr>
+          <a:xfrm>
+            <a:off x="838200" y="1825625"/>
+            <a:ext cx="7033895" cy="4351655"/>
+          </a:xfrm>
+        </p:spPr>
+        <p:txBody>
+          <a:bodyPr>
+            <a:noAutofit/>
+          </a:bodyPr>
+          <a:p>
+            <a:pPr marL="0" indent="0">
+              <a:lnSpc>
+                <a:spcPct val="120000"/>
+              </a:lnSpc>
+              <a:spcAft>
+                <a:spcPts val="0"/>
+              </a:spcAft>
+              <a:buNone/>
+            </a:pPr>
+            <a:r>
+              <a:t>根本原因是模型</a:t>
+            </a:r>
+            <a:r>
+              <a:rPr b="1"/>
+              <a:t>过于复杂</a:t>
+            </a:r>
+            <a:r>
+              <a:t>，</a:t>
+            </a:r>
+            <a:r>
+              <a:rPr b="1"/>
+              <a:t>参数过多</a:t>
+            </a:r>
+            <a:r>
+              <a:t>，</a:t>
+            </a:r>
+            <a:r>
+              <a:rPr lang=""/>
+              <a:t>或</a:t>
+            </a:r>
+            <a:r>
+              <a:t>训练数据过少</a:t>
+            </a:r>
+            <a:r>
+              <a:rPr lang=""/>
+              <a:t>、</a:t>
+            </a:r>
+            <a:r>
+              <a:t>噪声过多，导致</a:t>
+            </a:r>
+            <a:r>
+              <a:rPr b="1"/>
+              <a:t>拟合的函数完美的预测训练集，但对新数据的测试集预测结果差。</a:t>
+            </a:r>
+            <a:r>
+              <a:t> </a:t>
+            </a:r>
+          </a:p>
+          <a:p>
+            <a:pPr marL="0" indent="0">
+              <a:lnSpc>
+                <a:spcPct val="120000"/>
+              </a:lnSpc>
+              <a:spcAft>
+                <a:spcPts val="0"/>
+              </a:spcAft>
+              <a:buNone/>
+            </a:pPr>
+            <a:r>
+              <a:t>过度的拟合了训练数据，而没有考虑到泛化能力。</a:t>
+            </a:r>
+          </a:p>
+          <a:p>
+            <a:pPr lvl="1">
+              <a:lnSpc>
+                <a:spcPct val="120000"/>
+              </a:lnSpc>
+              <a:spcAft>
+                <a:spcPts val="0"/>
+              </a:spcAft>
+            </a:pPr>
+          </a:p>
+          <a:p>
+            <a:pPr lvl="0">
+              <a:lnSpc>
+                <a:spcPct val="120000"/>
+              </a:lnSpc>
+              <a:spcAft>
+                <a:spcPts val="0"/>
+              </a:spcAft>
+            </a:pPr>
+            <a:r>
+              <a:t> 解决方法：</a:t>
+            </a:r>
+            <a:r>
+              <a:rPr lang="" altLang="en-US"/>
+              <a:t>简化模型，增加训练样本</a:t>
+            </a:r>
+            <a:r>
+              <a:rPr lang="en-US" altLang="en-US"/>
+              <a:t>，...</a:t>
+            </a:r>
+            <a:r>
+              <a:t> </a:t>
+            </a:r>
+          </a:p>
+          <a:p>
+            <a:pPr marL="0" indent="0">
+              <a:lnSpc>
+                <a:spcPct val="120000"/>
+              </a:lnSpc>
+              <a:spcAft>
+                <a:spcPts val="0"/>
+              </a:spcAft>
+              <a:buNone/>
+            </a:pPr>
+            <a:r>
+              <a:t>　</a:t>
+            </a:r>
+          </a:p>
+        </p:txBody>
+      </p:sp>
+      <p:sp>
+        <p:nvSpPr>
+          <p:cNvPr id="6" name="Text Box 5"/>
+          <p:cNvSpPr txBox="1"/>
+          <p:nvPr/>
+        </p:nvSpPr>
+        <p:spPr>
+          <a:xfrm>
+            <a:off x="8133080" y="4298950"/>
+            <a:ext cx="3917950" cy="1014730"/>
+          </a:xfrm>
+          <a:prstGeom prst="rect">
+            <a:avLst/>
+          </a:prstGeom>
+          <a:noFill/>
+        </p:spPr>
+        <p:txBody>
+          <a:bodyPr wrap="square" rtlCol="0">
+            <a:spAutoFit/>
+          </a:bodyPr>
+          <a:p>
+            <a:pPr algn="ctr">
+              <a:lnSpc>
+                <a:spcPct val="150000"/>
+              </a:lnSpc>
+            </a:pPr>
+            <a:r>
+              <a:rPr lang="" altLang="en-US" sz="2000" b="1">
+                <a:solidFill>
+                  <a:schemeClr val="tx1"/>
+                </a:solidFill>
+              </a:rPr>
+              <a:t>原来他就是个单纯的小男生。</a:t>
+            </a:r>
+            <a:endParaRPr lang="" altLang="en-US" sz="2000" b="1">
+              <a:solidFill>
+                <a:schemeClr val="tx1"/>
+              </a:solidFill>
+            </a:endParaRPr>
+          </a:p>
+          <a:p>
+            <a:pPr algn="ctr">
+              <a:lnSpc>
+                <a:spcPct val="150000"/>
+              </a:lnSpc>
+            </a:pPr>
+            <a:r>
+              <a:rPr lang="" altLang="en-US" sz="2000" b="1">
+                <a:solidFill>
+                  <a:schemeClr val="tx1"/>
+                </a:solidFill>
+              </a:rPr>
+              <a:t>我这个老油条想太多了...</a:t>
+            </a:r>
+            <a:endParaRPr lang="" altLang="en-US" sz="2000" b="1">
+              <a:solidFill>
+                <a:schemeClr val="tx1"/>
+              </a:solidFill>
+            </a:endParaRPr>
+          </a:p>
+        </p:txBody>
+      </p:sp>
+      <p:pic>
+        <p:nvPicPr>
+          <p:cNvPr id="4" name="Picture 3"/>
+          <p:cNvPicPr>
+            <a:picLocks noChangeAspect="1"/>
+          </p:cNvPicPr>
+          <p:nvPr/>
+        </p:nvPicPr>
+        <p:blipFill>
+          <a:blip r:embed="rId1"/>
+          <a:srcRect b="23327"/>
+          <a:stretch>
+            <a:fillRect/>
+          </a:stretch>
+        </p:blipFill>
+        <p:spPr>
+          <a:xfrm>
+            <a:off x="8397875" y="1527175"/>
+            <a:ext cx="3244850" cy="2487930"/>
           </a:xfrm>
           <a:prstGeom prst="rect">
             <a:avLst/>
@@ -6996,6 +8472,588 @@
                                         </p:cTn>
                                         <p:tgtEl>
                                           <p:spTgt spid="3">
+                                            <p:txEl>
+                                              <p:pRg st="3" end="3"/>
+                                            </p:txEl>
+                                          </p:spTgt>
+                                        </p:tgtEl>
+                                        <p:attrNameLst>
+                                          <p:attrName>style.visibility</p:attrName>
+                                        </p:attrNameLst>
+                                      </p:cBhvr>
+                                      <p:to>
+                                        <p:strVal val="visible"/>
+                                      </p:to>
+                                    </p:set>
+                                  </p:childTnLst>
+                                </p:cTn>
+                              </p:par>
+                            </p:childTnLst>
+                          </p:cTn>
+                        </p:par>
+                      </p:childTnLst>
+                    </p:cTn>
+                  </p:par>
+                  <p:par>
+                    <p:cTn id="7" fill="hold">
+                      <p:stCondLst>
+                        <p:cond delay="indefinite"/>
+                      </p:stCondLst>
+                      <p:childTnLst>
+                        <p:par>
+                          <p:cTn id="8" fill="hold">
+                            <p:stCondLst>
+                              <p:cond delay="0"/>
+                            </p:stCondLst>
+                            <p:childTnLst>
+                              <p:par>
+                                <p:cTn id="9" presetID="1" presetClass="entr" presetSubtype="0" fill="hold" nodeType="clickEffect">
+                                  <p:stCondLst>
+                                    <p:cond delay="0"/>
+                                  </p:stCondLst>
+                                  <p:childTnLst>
+                                    <p:set>
+                                      <p:cBhvr>
+                                        <p:cTn id="10" dur="1" fill="hold">
+                                          <p:stCondLst>
+                                            <p:cond delay="0"/>
+                                          </p:stCondLst>
+                                        </p:cTn>
+                                        <p:tgtEl>
+                                          <p:spTgt spid="3">
+                                            <p:txEl>
+                                              <p:pRg st="0" end="0"/>
+                                            </p:txEl>
+                                          </p:spTgt>
+                                        </p:tgtEl>
+                                        <p:attrNameLst>
+                                          <p:attrName>style.visibility</p:attrName>
+                                        </p:attrNameLst>
+                                      </p:cBhvr>
+                                      <p:to>
+                                        <p:strVal val="visible"/>
+                                      </p:to>
+                                    </p:set>
+                                  </p:childTnLst>
+                                </p:cTn>
+                              </p:par>
+                            </p:childTnLst>
+                          </p:cTn>
+                        </p:par>
+                      </p:childTnLst>
+                    </p:cTn>
+                  </p:par>
+                  <p:par>
+                    <p:cTn id="11" fill="hold">
+                      <p:stCondLst>
+                        <p:cond delay="indefinite"/>
+                      </p:stCondLst>
+                      <p:childTnLst>
+                        <p:par>
+                          <p:cTn id="12" fill="hold">
+                            <p:stCondLst>
+                              <p:cond delay="0"/>
+                            </p:stCondLst>
+                            <p:childTnLst>
+                              <p:par>
+                                <p:cTn id="13" presetID="1" presetClass="entr" presetSubtype="0" fill="hold" nodeType="clickEffect">
+                                  <p:stCondLst>
+                                    <p:cond delay="0"/>
+                                  </p:stCondLst>
+                                  <p:childTnLst>
+                                    <p:set>
+                                      <p:cBhvr>
+                                        <p:cTn id="14" dur="1" fill="hold">
+                                          <p:stCondLst>
+                                            <p:cond delay="0"/>
+                                          </p:stCondLst>
+                                        </p:cTn>
+                                        <p:tgtEl>
+                                          <p:spTgt spid="3">
+                                            <p:txEl>
+                                              <p:pRg st="1" end="1"/>
+                                            </p:txEl>
+                                          </p:spTgt>
+                                        </p:tgtEl>
+                                        <p:attrNameLst>
+                                          <p:attrName>style.visibility</p:attrName>
+                                        </p:attrNameLst>
+                                      </p:cBhvr>
+                                      <p:to>
+                                        <p:strVal val="visible"/>
+                                      </p:to>
+                                    </p:set>
+                                  </p:childTnLst>
+                                </p:cTn>
+                              </p:par>
+                            </p:childTnLst>
+                          </p:cTn>
+                        </p:par>
+                      </p:childTnLst>
+                    </p:cTn>
+                  </p:par>
+                  <p:par>
+                    <p:cTn id="15" fill="hold">
+                      <p:stCondLst>
+                        <p:cond delay="indefinite"/>
+                      </p:stCondLst>
+                      <p:childTnLst>
+                        <p:par>
+                          <p:cTn id="16" fill="hold">
+                            <p:stCondLst>
+                              <p:cond delay="0"/>
+                            </p:stCondLst>
+                            <p:childTnLst>
+                              <p:par>
+                                <p:cTn id="17" presetID="1" presetClass="entr" presetSubtype="0" fill="hold" grpId="0" nodeType="clickEffect">
+                                  <p:stCondLst>
+                                    <p:cond delay="0"/>
+                                  </p:stCondLst>
+                                  <p:childTnLst>
+                                    <p:set>
+                                      <p:cBhvr>
+                                        <p:cTn id="18" dur="1" fill="hold">
+                                          <p:stCondLst>
+                                            <p:cond delay="0"/>
+                                          </p:stCondLst>
+                                        </p:cTn>
+                                        <p:tgtEl>
+                                          <p:spTgt spid="6"/>
+                                        </p:tgtEl>
+                                        <p:attrNameLst>
+                                          <p:attrName>style.visibility</p:attrName>
+                                        </p:attrNameLst>
+                                      </p:cBhvr>
+                                      <p:to>
+                                        <p:strVal val="visible"/>
+                                      </p:to>
+                                    </p:set>
+                                  </p:childTnLst>
+                                </p:cTn>
+                              </p:par>
+                              <p:par>
+                                <p:cTn id="19" presetID="1" presetClass="entr" presetSubtype="0" fill="hold" nodeType="withEffect">
+                                  <p:stCondLst>
+                                    <p:cond delay="0"/>
+                                  </p:stCondLst>
+                                  <p:childTnLst>
+                                    <p:set>
+                                      <p:cBhvr>
+                                        <p:cTn id="20" dur="1" fill="hold">
+                                          <p:stCondLst>
+                                            <p:cond delay="0"/>
+                                          </p:stCondLst>
+                                        </p:cTn>
+                                        <p:tgtEl>
+                                          <p:spTgt spid="4"/>
+                                        </p:tgtEl>
+                                        <p:attrNameLst>
+                                          <p:attrName>style.visibility</p:attrName>
+                                        </p:attrNameLst>
+                                      </p:cBhvr>
+                                      <p:to>
+                                        <p:strVal val="visible"/>
+                                      </p:to>
+                                    </p:set>
+                                  </p:childTnLst>
+                                </p:cTn>
+                              </p:par>
+                            </p:childTnLst>
+                          </p:cTn>
+                        </p:par>
+                      </p:childTnLst>
+                    </p:cTn>
+                  </p:par>
+                </p:childTnLst>
+              </p:cTn>
+              <p:prevCondLst>
+                <p:cond evt="onPrev" delay="0">
+                  <p:tgtEl>
+                    <p:sldTgt/>
+                  </p:tgtEl>
+                </p:cond>
+              </p:prevCondLst>
+              <p:nextCondLst>
+                <p:cond evt="onNext" delay="0">
+                  <p:tgtEl>
+                    <p:sldTgt/>
+                  </p:tgtEl>
+                </p:cond>
+              </p:nextCondLst>
+            </p:seq>
+          </p:childTnLst>
+        </p:cTn>
+      </p:par>
+    </p:tnLst>
+    <p:bldLst>
+      <p:bldP spid="6" grpId="0"/>
+      <p:bldP spid="6" grpId="1"/>
+    </p:bldLst>
+  </p:timing>
+</p:sld>
+</file>
+
+<file path=ppt/slides/slide8.xml><?xml version="1.0" encoding="utf-8"?>
+<p:sld xmlns:a="http://schemas.openxmlformats.org/drawingml/2006/main" xmlns:r="http://schemas.openxmlformats.org/officeDocument/2006/relationships" xmlns:p="http://schemas.openxmlformats.org/presentationml/2006/main">
+  <p:cSld>
+    <p:spTree>
+      <p:nvGrpSpPr>
+        <p:cNvPr id="1" name=""/>
+        <p:cNvGrpSpPr/>
+        <p:nvPr/>
+      </p:nvGrpSpPr>
+      <p:grpSpPr/>
+      <p:sp>
+        <p:nvSpPr>
+          <p:cNvPr id="2" name="Title 1"/>
+          <p:cNvSpPr>
+            <a:spLocks noGrp="1"/>
+          </p:cNvSpPr>
+          <p:nvPr>
+            <p:ph type="title"/>
+          </p:nvPr>
+        </p:nvSpPr>
+        <p:spPr/>
+        <p:txBody>
+          <a:bodyPr/>
+          <a:p>
+            <a:r>
+              <a:rPr lang="en-US" altLang="en-US" sz="3600" b="1"/>
+              <a:t>欠拟合、过拟合</a:t>
+            </a:r>
+            <a:endParaRPr lang="en-US" altLang="en-US" sz="3600" b="1"/>
+          </a:p>
+        </p:txBody>
+      </p:sp>
+      <p:pic>
+        <p:nvPicPr>
+          <p:cNvPr id="4" name="Picture 3"/>
+          <p:cNvPicPr>
+            <a:picLocks noChangeAspect="1"/>
+          </p:cNvPicPr>
+          <p:nvPr/>
+        </p:nvPicPr>
+        <p:blipFill>
+          <a:blip r:embed="rId1"/>
+          <a:stretch>
+            <a:fillRect/>
+          </a:stretch>
+        </p:blipFill>
+        <p:spPr>
+          <a:xfrm>
+            <a:off x="5246370" y="434975"/>
+            <a:ext cx="6431280" cy="1856105"/>
+          </a:xfrm>
+          <a:prstGeom prst="rect">
+            <a:avLst/>
+          </a:prstGeom>
+        </p:spPr>
+      </p:pic>
+      <p:sp>
+        <p:nvSpPr>
+          <p:cNvPr id="6" name="Text Box 5"/>
+          <p:cNvSpPr txBox="1"/>
+          <p:nvPr/>
+        </p:nvSpPr>
+        <p:spPr>
+          <a:xfrm>
+            <a:off x="5730240" y="2607945"/>
+            <a:ext cx="1099185" cy="460375"/>
+          </a:xfrm>
+          <a:prstGeom prst="rect">
+            <a:avLst/>
+          </a:prstGeom>
+          <a:noFill/>
+        </p:spPr>
+        <p:txBody>
+          <a:bodyPr wrap="none" rtlCol="0" anchor="t">
+            <a:spAutoFit/>
+          </a:bodyPr>
+          <a:p>
+            <a:r>
+              <a:rPr lang="en-US" sz="2400" b="1">
+                <a:sym typeface="+mn-ea"/>
+              </a:rPr>
+              <a:t>欠拟合</a:t>
+            </a:r>
+            <a:endParaRPr lang="en-US" sz="2400" b="1">
+              <a:sym typeface="+mn-ea"/>
+            </a:endParaRPr>
+          </a:p>
+        </p:txBody>
+      </p:sp>
+      <p:sp>
+        <p:nvSpPr>
+          <p:cNvPr id="9" name="Text Box 8"/>
+          <p:cNvSpPr txBox="1"/>
+          <p:nvPr/>
+        </p:nvSpPr>
+        <p:spPr>
+          <a:xfrm>
+            <a:off x="7633335" y="2607945"/>
+            <a:ext cx="1710055" cy="460375"/>
+          </a:xfrm>
+          <a:prstGeom prst="rect">
+            <a:avLst/>
+          </a:prstGeom>
+          <a:noFill/>
+        </p:spPr>
+        <p:txBody>
+          <a:bodyPr wrap="none" rtlCol="0" anchor="t">
+            <a:spAutoFit/>
+          </a:bodyPr>
+          <a:p>
+            <a:r>
+              <a:rPr lang="en-US" altLang="en-US" sz="2400" b="1">
+                <a:sym typeface="+mn-ea"/>
+              </a:rPr>
+              <a:t>理想的</a:t>
+            </a:r>
+            <a:r>
+              <a:rPr lang="en-US" sz="2400" b="1">
+                <a:sym typeface="+mn-ea"/>
+              </a:rPr>
+              <a:t>拟合</a:t>
+            </a:r>
+            <a:endParaRPr lang="en-US" sz="2400" b="1">
+              <a:sym typeface="+mn-ea"/>
+            </a:endParaRPr>
+          </a:p>
+        </p:txBody>
+      </p:sp>
+      <p:sp>
+        <p:nvSpPr>
+          <p:cNvPr id="10" name="Text Box 9"/>
+          <p:cNvSpPr txBox="1"/>
+          <p:nvPr/>
+        </p:nvSpPr>
+        <p:spPr>
+          <a:xfrm>
+            <a:off x="10436225" y="2607945"/>
+            <a:ext cx="1099185" cy="460375"/>
+          </a:xfrm>
+          <a:prstGeom prst="rect">
+            <a:avLst/>
+          </a:prstGeom>
+          <a:noFill/>
+        </p:spPr>
+        <p:txBody>
+          <a:bodyPr wrap="none" rtlCol="0" anchor="t">
+            <a:spAutoFit/>
+          </a:bodyPr>
+          <a:p>
+            <a:r>
+              <a:rPr lang="en-US" altLang="en-US" sz="2400" b="1">
+                <a:sym typeface="+mn-ea"/>
+              </a:rPr>
+              <a:t>过</a:t>
+            </a:r>
+            <a:r>
+              <a:rPr lang="en-US" sz="2400" b="1">
+                <a:sym typeface="+mn-ea"/>
+              </a:rPr>
+              <a:t>拟合</a:t>
+            </a:r>
+            <a:endParaRPr lang="en-US" sz="2400" b="1">
+              <a:sym typeface="+mn-ea"/>
+            </a:endParaRPr>
+          </a:p>
+        </p:txBody>
+      </p:sp>
+      <p:sp>
+        <p:nvSpPr>
+          <p:cNvPr id="5" name="Content Placeholder 4"/>
+          <p:cNvSpPr>
+            <a:spLocks noGrp="1"/>
+          </p:cNvSpPr>
+          <p:nvPr>
+            <p:ph idx="1"/>
+          </p:nvPr>
+        </p:nvSpPr>
+        <p:spPr>
+          <a:xfrm>
+            <a:off x="838200" y="3530600"/>
+            <a:ext cx="10620375" cy="3046730"/>
+          </a:xfrm>
+        </p:spPr>
+        <p:txBody>
+          <a:bodyPr>
+            <a:noAutofit/>
+          </a:bodyPr>
+          <a:p>
+            <a:pPr marL="0" indent="0">
+              <a:lnSpc>
+                <a:spcPct val="120000"/>
+              </a:lnSpc>
+              <a:spcAft>
+                <a:spcPts val="0"/>
+              </a:spcAft>
+              <a:buNone/>
+            </a:pPr>
+            <a:r>
+              <a:rPr lang="" sz="2400"/>
+              <a:t>模型太简单，欠拟合；</a:t>
+            </a:r>
+            <a:r>
+              <a:rPr lang="" sz="2400" b="1">
+                <a:solidFill>
+                  <a:srgbClr val="C00000"/>
+                </a:solidFill>
+              </a:rPr>
+              <a:t>训练数据、测试数据表现都不好。</a:t>
+            </a:r>
+            <a:endParaRPr lang="" sz="2400" b="1">
+              <a:solidFill>
+                <a:srgbClr val="C00000"/>
+              </a:solidFill>
+            </a:endParaRPr>
+          </a:p>
+          <a:p>
+            <a:pPr marL="0" indent="0">
+              <a:lnSpc>
+                <a:spcPct val="120000"/>
+              </a:lnSpc>
+              <a:spcAft>
+                <a:spcPts val="0"/>
+              </a:spcAft>
+              <a:buNone/>
+            </a:pPr>
+            <a:endParaRPr lang="" sz="1600"/>
+          </a:p>
+          <a:p>
+            <a:pPr marL="0" indent="0">
+              <a:lnSpc>
+                <a:spcPct val="120000"/>
+              </a:lnSpc>
+              <a:spcAft>
+                <a:spcPts val="0"/>
+              </a:spcAft>
+              <a:buNone/>
+            </a:pPr>
+            <a:r>
+              <a:rPr lang="" sz="2400"/>
+              <a:t>模型太复杂，</a:t>
+            </a:r>
+            <a:r>
+              <a:rPr lang="" sz="2400" b="1"/>
+              <a:t>开始拟合训练数据中的随机噪声，</a:t>
+            </a:r>
+            <a:r>
+              <a:rPr lang="" sz="2400"/>
+              <a:t>过拟合；</a:t>
+            </a:r>
+            <a:r>
+              <a:rPr lang="" sz="2400" b="1">
+                <a:solidFill>
+                  <a:srgbClr val="C00000"/>
+                </a:solidFill>
+              </a:rPr>
+              <a:t>对训练数据表现完美，对测试数据表现不好。</a:t>
+            </a:r>
+            <a:endParaRPr lang="" sz="2400" b="1">
+              <a:solidFill>
+                <a:srgbClr val="C00000"/>
+              </a:solidFill>
+            </a:endParaRPr>
+          </a:p>
+          <a:p>
+            <a:pPr marL="0" indent="0">
+              <a:lnSpc>
+                <a:spcPct val="120000"/>
+              </a:lnSpc>
+              <a:spcAft>
+                <a:spcPts val="0"/>
+              </a:spcAft>
+              <a:buNone/>
+            </a:pPr>
+            <a:endParaRPr lang="" sz="1600" b="1">
+              <a:solidFill>
+                <a:srgbClr val="7030A0"/>
+              </a:solidFill>
+            </a:endParaRPr>
+          </a:p>
+          <a:p>
+            <a:pPr marL="0" indent="0">
+              <a:lnSpc>
+                <a:spcPct val="120000"/>
+              </a:lnSpc>
+              <a:spcAft>
+                <a:spcPts val="0"/>
+              </a:spcAft>
+              <a:buNone/>
+            </a:pPr>
+            <a:r>
+              <a:rPr lang="" sz="2400" b="1">
+                <a:solidFill>
+                  <a:srgbClr val="7030A0"/>
+                </a:solidFill>
+              </a:rPr>
+              <a:t>要避免过拟合，必须用</a:t>
+            </a:r>
+            <a:r>
+              <a:rPr lang="" sz="2400" b="1" u="sng">
+                <a:solidFill>
+                  <a:srgbClr val="7030A0"/>
+                </a:solidFill>
+              </a:rPr>
+              <a:t>与训练数据无关的测试数据</a:t>
+            </a:r>
+            <a:r>
+              <a:rPr lang="" sz="2400" b="1">
+                <a:solidFill>
+                  <a:srgbClr val="7030A0"/>
+                </a:solidFill>
+              </a:rPr>
+              <a:t>对模型进行评估。</a:t>
+            </a:r>
+            <a:endParaRPr lang="" sz="2400" b="1">
+              <a:solidFill>
+                <a:srgbClr val="7030A0"/>
+              </a:solidFill>
+            </a:endParaRPr>
+          </a:p>
+        </p:txBody>
+      </p:sp>
+    </p:spTree>
+  </p:cSld>
+  <p:clrMapOvr>
+    <a:masterClrMapping/>
+  </p:clrMapOvr>
+  <p:timing>
+    <p:tnLst>
+      <p:par>
+        <p:cTn id="1" dur="indefinite" restart="never" nodeType="tmRoot">
+          <p:childTnLst>
+            <p:seq concurrent="1" nextAc="seek">
+              <p:cTn id="2" dur="indefinite" nodeType="mainSeq">
+                <p:childTnLst>
+                  <p:par>
+                    <p:cTn id="3" fill="hold">
+                      <p:stCondLst>
+                        <p:cond delay="indefinite"/>
+                      </p:stCondLst>
+                      <p:childTnLst>
+                        <p:par>
+                          <p:cTn id="4" fill="hold">
+                            <p:stCondLst>
+                              <p:cond delay="0"/>
+                            </p:stCondLst>
+                            <p:childTnLst>
+                              <p:par>
+                                <p:cTn id="5" presetID="1" presetClass="entr" presetSubtype="0" fill="hold" nodeType="clickEffect">
+                                  <p:stCondLst>
+                                    <p:cond delay="0"/>
+                                  </p:stCondLst>
+                                  <p:childTnLst>
+                                    <p:set>
+                                      <p:cBhvr>
+                                        <p:cTn id="6" dur="1" fill="hold">
+                                          <p:stCondLst>
+                                            <p:cond delay="0"/>
+                                          </p:stCondLst>
+                                        </p:cTn>
+                                        <p:tgtEl>
+                                          <p:spTgt spid="5">
                                             <p:txEl>
                                               <p:pRg st="0" end="0"/>
                                             </p:txEl>
@@ -7044,89 +9102,9 @@
                                           </p:stCondLst>
                                         </p:cTn>
                                         <p:tgtEl>
-                                          <p:spTgt spid="3">
-                                            <p:txEl>
-                                              <p:pRg st="1" end="1"/>
-                                            </p:txEl>
-                                          </p:spTgt>
-                                        </p:tgtEl>
-                                        <p:attrNameLst>
-                                          <p:attrName>style.visibility</p:attrName>
-                                        </p:attrNameLst>
-                                      </p:cBhvr>
-                                      <p:to>
-                                        <p:strVal val="visible"/>
-                                      </p:to>
-                                    </p:set>
-                                  </p:childTnLst>
-                                </p:cTn>
-                              </p:par>
-                            </p:childTnLst>
-                          </p:cTn>
-                        </p:par>
-                        <p:par>
-                          <p:cTn id="11" fill="hold">
-                            <p:stCondLst>
-                              <p:cond delay="0"/>
-                            </p:stCondLst>
-                            <p:childTnLst>
-                              <p:par>
-                                <p:cTn id="12" presetID="1" presetClass="entr" presetSubtype="0" fill="hold" nodeType="afterEffect">
-                                  <p:stCondLst>
-                                    <p:cond delay="0"/>
-                                  </p:stCondLst>
-                                  <p:childTnLst>
-                                    <p:set>
-                                      <p:cBhvr>
-                                        <p:cTn id="13" dur="1" fill="hold">
-                                          <p:stCondLst>
-                                            <p:cond delay="0"/>
-                                          </p:stCondLst>
-                                        </p:cTn>
-                                        <p:tgtEl>
-                                          <p:spTgt spid="3">
+                                          <p:spTgt spid="5">
                                             <p:txEl>
                                               <p:pRg st="2" end="2"/>
-                                            </p:txEl>
-                                          </p:spTgt>
-                                        </p:tgtEl>
-                                        <p:attrNameLst>
-                                          <p:attrName>style.visibility</p:attrName>
-                                        </p:attrNameLst>
-                                      </p:cBhvr>
-                                      <p:to>
-                                        <p:strVal val="visible"/>
-                                      </p:to>
-                                    </p:set>
-                                  </p:childTnLst>
-                                </p:cTn>
-                              </p:par>
-                            </p:childTnLst>
-                          </p:cTn>
-                        </p:par>
-                        <p:par>
-                          <p:cTn id="14" fill="hold">
-                            <p:stCondLst>
-                              <p:cond delay="0"/>
-                            </p:stCondLst>
-                            <p:childTnLst>
-                              <p:par>
-                                <p:cTn id="15" presetID="1" presetClass="entr" presetSubtype="0" fill="hold" nodeType="afterEffect">
-                                  <p:stCondLst>
-                                    <p:cond delay="0"/>
-                                  </p:stCondLst>
-                                  <p:childTnLst>
-                                    <p:set>
-                                      <p:cBhvr>
-                                        <p:cTn id="16" dur="1" fill="hold">
-                                          <p:stCondLst>
-                                            <p:cond delay="0"/>
-                                          </p:stCondLst>
-                                        </p:cTn>
-                                        <p:tgtEl>
-                                          <p:spTgt spid="3">
-                                            <p:txEl>
-                                              <p:pRg st="3" end="3"/>
                                             </p:txEl>
                                           </p:spTgt>
                                         </p:tgtEl>
@@ -7148,246 +9126,36 @@
                     </p:cTn>
                   </p:par>
                   <p:par>
-                    <p:cTn id="17" fill="hold">
+                    <p:cTn id="11" fill="hold">
                       <p:stCondLst>
                         <p:cond delay="indefinite"/>
                       </p:stCondLst>
                       <p:childTnLst>
                         <p:par>
-                          <p:cTn id="18" fill="hold">
+                          <p:cTn id="12" fill="hold">
                             <p:stCondLst>
                               <p:cond delay="0"/>
                             </p:stCondLst>
                             <p:childTnLst>
                               <p:par>
-                                <p:cTn id="19" presetID="1" presetClass="entr" presetSubtype="0" fill="hold" nodeType="clickEffect">
+                                <p:cTn id="13" presetID="1" presetClass="entr" presetSubtype="0" fill="hold" nodeType="clickEffect">
                                   <p:stCondLst>
                                     <p:cond delay="0"/>
                                   </p:stCondLst>
                                   <p:childTnLst>
                                     <p:set>
                                       <p:cBhvr>
-                                        <p:cTn id="20" dur="1" fill="hold">
+                                        <p:cTn id="14" dur="1" fill="hold">
                                           <p:stCondLst>
                                             <p:cond delay="0"/>
                                           </p:stCondLst>
                                         </p:cTn>
                                         <p:tgtEl>
-                                          <p:spTgt spid="3">
+                                          <p:spTgt spid="5">
                                             <p:txEl>
                                               <p:pRg st="4" end="4"/>
                                             </p:txEl>
                                           </p:spTgt>
-                                        </p:tgtEl>
-                                        <p:attrNameLst>
-                                          <p:attrName>style.visibility</p:attrName>
-                                        </p:attrNameLst>
-                                      </p:cBhvr>
-                                      <p:to>
-                                        <p:strVal val="visible"/>
-                                      </p:to>
-                                    </p:set>
-                                  </p:childTnLst>
-                                </p:cTn>
-                              </p:par>
-                            </p:childTnLst>
-                          </p:cTn>
-                        </p:par>
-                      </p:childTnLst>
-                    </p:cTn>
-                  </p:par>
-                  <p:par>
-                    <p:cTn id="21" fill="hold">
-                      <p:stCondLst>
-                        <p:cond delay="indefinite"/>
-                      </p:stCondLst>
-                      <p:childTnLst>
-                        <p:par>
-                          <p:cTn id="22" fill="hold">
-                            <p:stCondLst>
-                              <p:cond delay="0"/>
-                            </p:stCondLst>
-                            <p:childTnLst>
-                              <p:par>
-                                <p:cTn id="23" presetID="1" presetClass="entr" presetSubtype="0" fill="hold" nodeType="clickEffect">
-                                  <p:stCondLst>
-                                    <p:cond delay="0"/>
-                                  </p:stCondLst>
-                                  <p:childTnLst>
-                                    <p:set>
-                                      <p:cBhvr>
-                                        <p:cTn id="24" dur="1" fill="hold">
-                                          <p:stCondLst>
-                                            <p:cond delay="0"/>
-                                          </p:stCondLst>
-                                        </p:cTn>
-                                        <p:tgtEl>
-                                          <p:spTgt spid="3">
-                                            <p:txEl>
-                                              <p:pRg st="5" end="5"/>
-                                            </p:txEl>
-                                          </p:spTgt>
-                                        </p:tgtEl>
-                                        <p:attrNameLst>
-                                          <p:attrName>style.visibility</p:attrName>
-                                        </p:attrNameLst>
-                                      </p:cBhvr>
-                                      <p:to>
-                                        <p:strVal val="visible"/>
-                                      </p:to>
-                                    </p:set>
-                                  </p:childTnLst>
-                                </p:cTn>
-                              </p:par>
-                            </p:childTnLst>
-                          </p:cTn>
-                        </p:par>
-                        <p:par>
-                          <p:cTn id="25" fill="hold">
-                            <p:stCondLst>
-                              <p:cond delay="0"/>
-                            </p:stCondLst>
-                            <p:childTnLst>
-                              <p:par>
-                                <p:cTn id="26" presetID="1" presetClass="entr" presetSubtype="0" fill="hold" nodeType="afterEffect">
-                                  <p:stCondLst>
-                                    <p:cond delay="0"/>
-                                  </p:stCondLst>
-                                  <p:childTnLst>
-                                    <p:set>
-                                      <p:cBhvr>
-                                        <p:cTn id="27" dur="1" fill="hold">
-                                          <p:stCondLst>
-                                            <p:cond delay="0"/>
-                                          </p:stCondLst>
-                                        </p:cTn>
-                                        <p:tgtEl>
-                                          <p:spTgt spid="3">
-                                            <p:txEl>
-                                              <p:pRg st="6" end="6"/>
-                                            </p:txEl>
-                                          </p:spTgt>
-                                        </p:tgtEl>
-                                        <p:attrNameLst>
-                                          <p:attrName>style.visibility</p:attrName>
-                                        </p:attrNameLst>
-                                      </p:cBhvr>
-                                      <p:to>
-                                        <p:strVal val="visible"/>
-                                      </p:to>
-                                    </p:set>
-                                  </p:childTnLst>
-                                </p:cTn>
-                              </p:par>
-                            </p:childTnLst>
-                          </p:cTn>
-                        </p:par>
-                      </p:childTnLst>
-                    </p:cTn>
-                  </p:par>
-                  <p:par>
-                    <p:cTn id="28" fill="hold">
-                      <p:stCondLst>
-                        <p:cond delay="indefinite"/>
-                      </p:stCondLst>
-                      <p:childTnLst>
-                        <p:par>
-                          <p:cTn id="29" fill="hold">
-                            <p:stCondLst>
-                              <p:cond delay="0"/>
-                            </p:stCondLst>
-                            <p:childTnLst>
-                              <p:par>
-                                <p:cTn id="30" presetID="1" presetClass="entr" presetSubtype="0" fill="hold" nodeType="clickEffect">
-                                  <p:stCondLst>
-                                    <p:cond delay="0"/>
-                                  </p:stCondLst>
-                                  <p:childTnLst>
-                                    <p:set>
-                                      <p:cBhvr>
-                                        <p:cTn id="31" dur="1" fill="hold">
-                                          <p:stCondLst>
-                                            <p:cond delay="0"/>
-                                          </p:stCondLst>
-                                        </p:cTn>
-                                        <p:tgtEl>
-                                          <p:spTgt spid="3">
-                                            <p:txEl>
-                                              <p:pRg st="7" end="7"/>
-                                            </p:txEl>
-                                          </p:spTgt>
-                                        </p:tgtEl>
-                                        <p:attrNameLst>
-                                          <p:attrName>style.visibility</p:attrName>
-                                        </p:attrNameLst>
-                                      </p:cBhvr>
-                                      <p:to>
-                                        <p:strVal val="visible"/>
-                                      </p:to>
-                                    </p:set>
-                                  </p:childTnLst>
-                                </p:cTn>
-                              </p:par>
-                            </p:childTnLst>
-                          </p:cTn>
-                        </p:par>
-                      </p:childTnLst>
-                    </p:cTn>
-                  </p:par>
-                  <p:par>
-                    <p:cTn id="32" fill="hold">
-                      <p:stCondLst>
-                        <p:cond delay="indefinite"/>
-                      </p:stCondLst>
-                      <p:childTnLst>
-                        <p:par>
-                          <p:cTn id="33" fill="hold">
-                            <p:stCondLst>
-                              <p:cond delay="0"/>
-                            </p:stCondLst>
-                            <p:childTnLst>
-                              <p:par>
-                                <p:cTn id="34" presetID="1" presetClass="entr" presetSubtype="0" fill="hold" nodeType="clickEffect">
-                                  <p:stCondLst>
-                                    <p:cond delay="0"/>
-                                  </p:stCondLst>
-                                  <p:childTnLst>
-                                    <p:set>
-                                      <p:cBhvr>
-                                        <p:cTn id="35" dur="1" fill="hold">
-                                          <p:stCondLst>
-                                            <p:cond delay="0"/>
-                                          </p:stCondLst>
-                                        </p:cTn>
-                                        <p:tgtEl>
-                                          <p:spTgt spid="14"/>
-                                        </p:tgtEl>
-                                        <p:attrNameLst>
-                                          <p:attrName>style.visibility</p:attrName>
-                                        </p:attrNameLst>
-                                      </p:cBhvr>
-                                      <p:to>
-                                        <p:strVal val="visible"/>
-                                      </p:to>
-                                    </p:set>
-                                  </p:childTnLst>
-                                </p:cTn>
-                              </p:par>
-                              <p:par>
-                                <p:cTn id="36" presetID="1" presetClass="entr" presetSubtype="0" fill="hold" grpId="0" nodeType="withEffect">
-                                  <p:stCondLst>
-                                    <p:cond delay="0"/>
-                                  </p:stCondLst>
-                                  <p:childTnLst>
-                                    <p:set>
-                                      <p:cBhvr>
-                                        <p:cTn id="37" dur="1" fill="hold">
-                                          <p:stCondLst>
-                                            <p:cond delay="0"/>
-                                          </p:stCondLst>
-                                        </p:cTn>
-                                        <p:tgtEl>
-                                          <p:spTgt spid="16"/>
                                         </p:tgtEl>
                                         <p:attrNameLst>
                                           <p:attrName>style.visibility</p:attrName>
@@ -7427,15 +9195,11 @@
         </p:cTn>
       </p:par>
     </p:tnLst>
-    <p:bldLst>
-      <p:bldP spid="16" grpId="0"/>
-      <p:bldP spid="16" grpId="1"/>
-    </p:bldLst>
   </p:timing>
 </p:sld>
 </file>
 
-<file path=ppt/slides/slide6.xml><?xml version="1.0" encoding="utf-8"?>
+<file path=ppt/slides/slide9.xml><?xml version="1.0" encoding="utf-8"?>
 <p:sld xmlns:a="http://schemas.openxmlformats.org/drawingml/2006/main" xmlns:r="http://schemas.openxmlformats.org/officeDocument/2006/relationships" xmlns:p="http://schemas.openxmlformats.org/presentationml/2006/main">
   <p:cSld>
     <p:spTree>
@@ -7461,8 +9225,8 @@
         </p:blipFill>
         <p:spPr>
           <a:xfrm>
-            <a:off x="221615" y="115570"/>
-            <a:ext cx="11509375" cy="6663690"/>
+            <a:off x="1536700" y="1092835"/>
+            <a:ext cx="8932545" cy="4909820"/>
           </a:xfrm>
           <a:prstGeom prst="rect">
             <a:avLst/>
@@ -7471,37 +9235,282 @@
       </p:pic>
       <p:sp>
         <p:nvSpPr>
-          <p:cNvPr id="9" name="Title 8"/>
-          <p:cNvSpPr>
-            <a:spLocks noGrp="1"/>
-          </p:cNvSpPr>
-          <p:nvPr>
-            <p:ph type="title"/>
-          </p:nvPr>
+          <p:cNvPr id="11" name="Text Box 10"/>
+          <p:cNvSpPr txBox="1"/>
+          <p:nvPr/>
         </p:nvSpPr>
         <p:spPr>
           <a:xfrm>
-            <a:off x="8488045" y="5989320"/>
-            <a:ext cx="3622675" cy="789940"/>
+            <a:off x="8759190" y="5658485"/>
+            <a:ext cx="2499995" cy="829945"/>
           </a:xfrm>
+          <a:prstGeom prst="rect">
+            <a:avLst/>
+          </a:prstGeom>
+          <a:noFill/>
         </p:spPr>
         <p:txBody>
-          <a:bodyPr>
-            <a:normAutofit/>
+          <a:bodyPr wrap="square" rtlCol="0" anchor="t">
+            <a:spAutoFit/>
           </a:bodyPr>
           <a:p>
             <a:r>
-              <a:rPr lang="en-US" altLang="en-US" sz="3600" b="1">
+              <a:rPr lang="" altLang="en-US" sz="2400" b="1">
+                <a:sym typeface="+mn-ea"/>
+              </a:rPr>
+              <a:t>模型复杂程度</a:t>
+            </a:r>
+            <a:endParaRPr lang="" altLang="en-US" sz="2400" b="1">
+              <a:sym typeface="+mn-ea"/>
+            </a:endParaRPr>
+          </a:p>
+          <a:p>
+            <a:r>
+              <a:rPr lang="" altLang="en-US" sz="2400" b="1">
+                <a:sym typeface="+mn-ea"/>
+              </a:rPr>
+              <a:t>（称“容量”）</a:t>
+            </a:r>
+            <a:endParaRPr lang="" altLang="en-US" sz="2400" b="1">
+              <a:sym typeface="+mn-ea"/>
+            </a:endParaRPr>
+          </a:p>
+        </p:txBody>
+      </p:sp>
+      <p:sp>
+        <p:nvSpPr>
+          <p:cNvPr id="13" name="Text Box 12"/>
+          <p:cNvSpPr txBox="1"/>
+          <p:nvPr/>
+        </p:nvSpPr>
+        <p:spPr>
+          <a:xfrm>
+            <a:off x="2207895" y="1240155"/>
+            <a:ext cx="835025" cy="460375"/>
+          </a:xfrm>
+          <a:prstGeom prst="rect">
+            <a:avLst/>
+          </a:prstGeom>
+          <a:noFill/>
+        </p:spPr>
+        <p:txBody>
+          <a:bodyPr wrap="square" rtlCol="0" anchor="t">
+            <a:spAutoFit/>
+          </a:bodyPr>
+          <a:p>
+            <a:r>
+              <a:rPr lang="" altLang="en-US" sz="2400" b="1">
+                <a:sym typeface="+mn-ea"/>
+              </a:rPr>
+              <a:t>误差</a:t>
+            </a:r>
+            <a:endParaRPr lang="" altLang="en-US" sz="2400" b="1">
+              <a:sym typeface="+mn-ea"/>
+            </a:endParaRPr>
+          </a:p>
+        </p:txBody>
+      </p:sp>
+      <p:sp>
+        <p:nvSpPr>
+          <p:cNvPr id="14" name="Text Box 13"/>
+          <p:cNvSpPr txBox="1"/>
+          <p:nvPr/>
+        </p:nvSpPr>
+        <p:spPr>
+          <a:xfrm>
+            <a:off x="3727450" y="2955925"/>
+            <a:ext cx="1812925" cy="460375"/>
+          </a:xfrm>
+          <a:prstGeom prst="rect">
+            <a:avLst/>
+          </a:prstGeom>
+          <a:noFill/>
+        </p:spPr>
+        <p:txBody>
+          <a:bodyPr wrap="square" rtlCol="0" anchor="t">
+            <a:spAutoFit/>
+          </a:bodyPr>
+          <a:p>
+            <a:r>
+              <a:rPr lang="" altLang="en-US" sz="2400" b="1">
+                <a:sym typeface="+mn-ea"/>
+              </a:rPr>
+              <a:t>欠拟合区域</a:t>
+            </a:r>
+            <a:endParaRPr lang="" altLang="en-US" sz="2400" b="1">
+              <a:sym typeface="+mn-ea"/>
+            </a:endParaRPr>
+          </a:p>
+        </p:txBody>
+      </p:sp>
+      <p:sp>
+        <p:nvSpPr>
+          <p:cNvPr id="15" name="Text Box 14"/>
+          <p:cNvSpPr txBox="1"/>
+          <p:nvPr/>
+        </p:nvSpPr>
+        <p:spPr>
+          <a:xfrm>
+            <a:off x="6392545" y="2955925"/>
+            <a:ext cx="1812925" cy="460375"/>
+          </a:xfrm>
+          <a:prstGeom prst="rect">
+            <a:avLst/>
+          </a:prstGeom>
+          <a:noFill/>
+        </p:spPr>
+        <p:txBody>
+          <a:bodyPr wrap="square" rtlCol="0" anchor="t">
+            <a:spAutoFit/>
+          </a:bodyPr>
+          <a:p>
+            <a:r>
+              <a:rPr lang="" altLang="en-US" sz="2400" b="1">
+                <a:sym typeface="+mn-ea"/>
+              </a:rPr>
+              <a:t>过</a:t>
+            </a:r>
+            <a:r>
+              <a:rPr lang="en-US" altLang="en-US" sz="2400" b="1">
+                <a:sym typeface="+mn-ea"/>
+              </a:rPr>
+              <a:t>拟合区域</a:t>
+            </a:r>
+            <a:endParaRPr lang="en-US" altLang="en-US" sz="2400" b="1">
+              <a:sym typeface="+mn-ea"/>
+            </a:endParaRPr>
+          </a:p>
+        </p:txBody>
+      </p:sp>
+      <p:sp>
+        <p:nvSpPr>
+          <p:cNvPr id="16" name="Text Box 15"/>
+          <p:cNvSpPr txBox="1"/>
+          <p:nvPr/>
+        </p:nvSpPr>
+        <p:spPr>
+          <a:xfrm>
+            <a:off x="3422650" y="4794885"/>
+            <a:ext cx="1812925" cy="460375"/>
+          </a:xfrm>
+          <a:prstGeom prst="rect">
+            <a:avLst/>
+          </a:prstGeom>
+          <a:noFill/>
+        </p:spPr>
+        <p:txBody>
+          <a:bodyPr wrap="square" rtlCol="0" anchor="t">
+            <a:spAutoFit/>
+          </a:bodyPr>
+          <a:p>
+            <a:r>
+              <a:rPr lang="" altLang="en-US" sz="2400" b="1">
                 <a:solidFill>
-                  <a:srgbClr val="C00000"/>
+                  <a:srgbClr val="0070C0"/>
                 </a:solidFill>
+                <a:sym typeface="+mn-ea"/>
               </a:rPr>
-              <a:t>sklearn 总览</a:t>
-            </a:r>
-            <a:endParaRPr lang="en-US" altLang="en-US" sz="3600" b="1">
+              <a:t>训练误差</a:t>
+            </a:r>
+            <a:endParaRPr lang="" altLang="en-US" sz="2400" b="1">
               <a:solidFill>
-                <a:srgbClr val="C00000"/>
+                <a:srgbClr val="0070C0"/>
               </a:solidFill>
+              <a:sym typeface="+mn-ea"/>
+            </a:endParaRPr>
+          </a:p>
+        </p:txBody>
+      </p:sp>
+      <p:sp>
+        <p:nvSpPr>
+          <p:cNvPr id="17" name="Text Box 16"/>
+          <p:cNvSpPr txBox="1"/>
+          <p:nvPr/>
+        </p:nvSpPr>
+        <p:spPr>
+          <a:xfrm>
+            <a:off x="6320790" y="3769360"/>
+            <a:ext cx="1812925" cy="460375"/>
+          </a:xfrm>
+          <a:prstGeom prst="rect">
+            <a:avLst/>
+          </a:prstGeom>
+          <a:noFill/>
+        </p:spPr>
+        <p:txBody>
+          <a:bodyPr wrap="square" rtlCol="0" anchor="t">
+            <a:spAutoFit/>
+          </a:bodyPr>
+          <a:p>
+            <a:r>
+              <a:rPr lang="" altLang="en-US" sz="2400" b="1">
+                <a:solidFill>
+                  <a:srgbClr val="FF0000"/>
+                </a:solidFill>
+                <a:sym typeface="+mn-ea"/>
+              </a:rPr>
+              <a:t>泛化</a:t>
+            </a:r>
+            <a:r>
+              <a:rPr lang="en-US" altLang="en-US" sz="2400" b="1">
+                <a:solidFill>
+                  <a:srgbClr val="FF0000"/>
+                </a:solidFill>
+                <a:sym typeface="+mn-ea"/>
+              </a:rPr>
+              <a:t>误差</a:t>
+            </a:r>
+            <a:endParaRPr lang="en-US" altLang="en-US" sz="2400" b="1">
+              <a:solidFill>
+                <a:srgbClr val="FF0000"/>
+              </a:solidFill>
+              <a:sym typeface="+mn-ea"/>
+            </a:endParaRPr>
+          </a:p>
+        </p:txBody>
+      </p:sp>
+      <p:sp>
+        <p:nvSpPr>
+          <p:cNvPr id="18" name="Text Box 17"/>
+          <p:cNvSpPr txBox="1"/>
+          <p:nvPr/>
+        </p:nvSpPr>
+        <p:spPr>
+          <a:xfrm>
+            <a:off x="4946015" y="6002655"/>
+            <a:ext cx="2301875" cy="706755"/>
+          </a:xfrm>
+          <a:prstGeom prst="rect">
+            <a:avLst/>
+          </a:prstGeom>
+          <a:noFill/>
+        </p:spPr>
+        <p:txBody>
+          <a:bodyPr wrap="square" rtlCol="0" anchor="t">
+            <a:spAutoFit/>
+          </a:bodyPr>
+          <a:p>
+            <a:pPr algn="ctr"/>
+            <a:r>
+              <a:rPr lang="" altLang="en-US" sz="2000" b="1">
+                <a:sym typeface="+mn-ea"/>
+              </a:rPr>
+              <a:t>理想的模型复杂度</a:t>
+            </a:r>
+            <a:endParaRPr lang="" altLang="en-US" sz="2000" b="1">
+              <a:sym typeface="+mn-ea"/>
+            </a:endParaRPr>
+          </a:p>
+          <a:p>
+            <a:pPr algn="ctr"/>
+            <a:r>
+              <a:rPr lang="" altLang="en-US" sz="2000" b="1">
+                <a:sym typeface="+mn-ea"/>
+              </a:rPr>
+              <a:t>（理想容量）</a:t>
+            </a:r>
+            <a:endParaRPr lang="" altLang="en-US" sz="2000" b="1">
+              <a:sym typeface="+mn-ea"/>
             </a:endParaRPr>
           </a:p>
         </p:txBody>
@@ -7518,1164 +9527,6 @@
       </p:par>
     </p:tnLst>
   </p:timing>
-</p:sld>
-</file>
-
-<file path=ppt/slides/slide7.xml><?xml version="1.0" encoding="utf-8"?>
-<p:sld xmlns:a="http://schemas.openxmlformats.org/drawingml/2006/main" xmlns:r="http://schemas.openxmlformats.org/officeDocument/2006/relationships" xmlns:p="http://schemas.openxmlformats.org/presentationml/2006/main">
-  <p:cSld>
-    <p:spTree>
-      <p:nvGrpSpPr>
-        <p:cNvPr id="1" name=""/>
-        <p:cNvGrpSpPr/>
-        <p:nvPr/>
-      </p:nvGrpSpPr>
-      <p:grpSpPr/>
-      <p:sp>
-        <p:nvSpPr>
-          <p:cNvPr id="2" name="Title 1"/>
-          <p:cNvSpPr>
-            <a:spLocks noGrp="1"/>
-          </p:cNvSpPr>
-          <p:nvPr>
-            <p:ph type="title"/>
-          </p:nvPr>
-        </p:nvSpPr>
-        <p:spPr/>
-        <p:txBody>
-          <a:bodyPr/>
-          <a:p>
-            <a:r>
-              <a:rPr lang="en-US" altLang="en-US" b="1"/>
-              <a:t>学习测试全过程</a:t>
-            </a:r>
-            <a:endParaRPr lang="en-US" altLang="en-US" b="1"/>
-          </a:p>
-        </p:txBody>
-      </p:sp>
-      <p:pic>
-        <p:nvPicPr>
-          <p:cNvPr id="5" name="Picture 4"/>
-          <p:cNvPicPr>
-            <a:picLocks noChangeAspect="1"/>
-          </p:cNvPicPr>
-          <p:nvPr/>
-        </p:nvPicPr>
-        <p:blipFill>
-          <a:blip r:embed="rId1"/>
-          <a:srcRect b="13688"/>
-          <a:stretch>
-            <a:fillRect/>
-          </a:stretch>
-        </p:blipFill>
-        <p:spPr>
-          <a:xfrm>
-            <a:off x="212725" y="4546600"/>
-            <a:ext cx="1786890" cy="1382395"/>
-          </a:xfrm>
-          <a:prstGeom prst="rect">
-            <a:avLst/>
-          </a:prstGeom>
-        </p:spPr>
-      </p:pic>
-      <p:sp>
-        <p:nvSpPr>
-          <p:cNvPr id="4" name="Text Box 3"/>
-          <p:cNvSpPr txBox="1"/>
-          <p:nvPr/>
-        </p:nvSpPr>
-        <p:spPr>
-          <a:xfrm>
-            <a:off x="122873" y="5959475"/>
-            <a:ext cx="1965325" cy="891540"/>
-          </a:xfrm>
-          <a:prstGeom prst="rect">
-            <a:avLst/>
-          </a:prstGeom>
-          <a:noFill/>
-          <a:ln w="66675" cmpd="sng">
-            <a:noFill/>
-            <a:prstDash val="solid"/>
-          </a:ln>
-        </p:spPr>
-        <p:txBody>
-          <a:bodyPr wrap="none" rtlCol="0" anchor="t">
-            <a:spAutoFit/>
-          </a:bodyPr>
-          <a:p>
-            <a:pPr algn="ctr">
-              <a:lnSpc>
-                <a:spcPct val="130000"/>
-              </a:lnSpc>
-            </a:pPr>
-            <a:r>
-              <a:rPr lang="en-US" altLang="en-US" sz="2000" b="1"/>
-              <a:t>实践起来就是个</a:t>
-            </a:r>
-            <a:endParaRPr lang="en-US" altLang="en-US" sz="2000" b="1"/>
-          </a:p>
-          <a:p>
-            <a:pPr algn="ctr">
-              <a:lnSpc>
-                <a:spcPct val="130000"/>
-              </a:lnSpc>
-            </a:pPr>
-            <a:r>
-              <a:rPr lang="en-US" altLang="en-US" sz="2000" b="1"/>
-              <a:t>折腾的过程</a:t>
-            </a:r>
-            <a:endParaRPr lang="en-US" altLang="en-US" sz="2000" b="1"/>
-          </a:p>
-        </p:txBody>
-      </p:sp>
-      <p:sp>
-        <p:nvSpPr>
-          <p:cNvPr id="7" name="Rectangle 6"/>
-          <p:cNvSpPr/>
-          <p:nvPr/>
-        </p:nvSpPr>
-        <p:spPr>
-          <a:xfrm>
-            <a:off x="817245" y="2151380"/>
-            <a:ext cx="2214245" cy="986155"/>
-          </a:xfrm>
-          <a:prstGeom prst="rect">
-            <a:avLst/>
-          </a:prstGeom>
-          <a:ln w="66675" cmpd="sng">
-            <a:solidFill>
-              <a:schemeClr val="accent1"/>
-            </a:solidFill>
-            <a:prstDash val="solid"/>
-          </a:ln>
-        </p:spPr>
-        <p:style>
-          <a:lnRef idx="2">
-            <a:schemeClr val="accent1">
-              <a:shade val="50000"/>
-            </a:schemeClr>
-          </a:lnRef>
-          <a:fillRef idx="1">
-            <a:schemeClr val="accent1"/>
-          </a:fillRef>
-          <a:effectRef idx="0">
-            <a:schemeClr val="accent1"/>
-          </a:effectRef>
-          <a:fontRef idx="minor">
-            <a:schemeClr val="lt1"/>
-          </a:fontRef>
-        </p:style>
-        <p:txBody>
-          <a:bodyPr rtlCol="0" anchor="ctr"/>
-          <a:p>
-            <a:pPr algn="ctr"/>
-            <a:r>
-              <a:rPr lang="en-US" altLang="en-US" sz="2400"/>
-              <a:t>测试样本</a:t>
-            </a:r>
-            <a:endParaRPr lang="en-US" altLang="en-US" sz="2400"/>
-          </a:p>
-        </p:txBody>
-      </p:sp>
-      <p:sp>
-        <p:nvSpPr>
-          <p:cNvPr id="8" name="Rectangle 7"/>
-          <p:cNvSpPr/>
-          <p:nvPr/>
-        </p:nvSpPr>
-        <p:spPr>
-          <a:xfrm>
-            <a:off x="2658745" y="3649980"/>
-            <a:ext cx="2214245" cy="986155"/>
-          </a:xfrm>
-          <a:prstGeom prst="rect">
-            <a:avLst/>
-          </a:prstGeom>
-          <a:ln w="66675" cmpd="sng">
-            <a:solidFill>
-              <a:schemeClr val="accent1"/>
-            </a:solidFill>
-            <a:prstDash val="solid"/>
-          </a:ln>
-        </p:spPr>
-        <p:style>
-          <a:lnRef idx="2">
-            <a:schemeClr val="accent1">
-              <a:shade val="50000"/>
-            </a:schemeClr>
-          </a:lnRef>
-          <a:fillRef idx="1">
-            <a:schemeClr val="accent1"/>
-          </a:fillRef>
-          <a:effectRef idx="0">
-            <a:schemeClr val="accent1"/>
-          </a:effectRef>
-          <a:fontRef idx="minor">
-            <a:schemeClr val="lt1"/>
-          </a:fontRef>
-        </p:style>
-        <p:txBody>
-          <a:bodyPr rtlCol="0" anchor="ctr"/>
-          <a:p>
-            <a:pPr algn="ctr"/>
-            <a:r>
-              <a:rPr lang="en-US" altLang="en-US" sz="2400"/>
-              <a:t>选择、设计</a:t>
-            </a:r>
-            <a:endParaRPr lang="en-US" altLang="en-US" sz="2400"/>
-          </a:p>
-          <a:p>
-            <a:pPr algn="ctr"/>
-            <a:r>
-              <a:rPr lang="en-US" altLang="en-US" sz="2400"/>
-              <a:t>模型</a:t>
-            </a:r>
-            <a:endParaRPr lang="en-US" altLang="en-US" sz="2400"/>
-          </a:p>
-        </p:txBody>
-      </p:sp>
-      <p:sp>
-        <p:nvSpPr>
-          <p:cNvPr id="9" name="Rectangle 8"/>
-          <p:cNvSpPr/>
-          <p:nvPr/>
-        </p:nvSpPr>
-        <p:spPr>
-          <a:xfrm>
-            <a:off x="4872990" y="4996180"/>
-            <a:ext cx="2214245" cy="986155"/>
-          </a:xfrm>
-          <a:prstGeom prst="rect">
-            <a:avLst/>
-          </a:prstGeom>
-          <a:ln w="66675" cmpd="sng">
-            <a:solidFill>
-              <a:schemeClr val="accent1"/>
-            </a:solidFill>
-            <a:prstDash val="solid"/>
-          </a:ln>
-        </p:spPr>
-        <p:style>
-          <a:lnRef idx="2">
-            <a:schemeClr val="accent1">
-              <a:shade val="50000"/>
-            </a:schemeClr>
-          </a:lnRef>
-          <a:fillRef idx="1">
-            <a:schemeClr val="accent1"/>
-          </a:fillRef>
-          <a:effectRef idx="0">
-            <a:schemeClr val="accent1"/>
-          </a:effectRef>
-          <a:fontRef idx="minor">
-            <a:schemeClr val="lt1"/>
-          </a:fontRef>
-        </p:style>
-        <p:txBody>
-          <a:bodyPr rtlCol="0" anchor="ctr"/>
-          <a:p>
-            <a:pPr algn="ctr"/>
-            <a:r>
-              <a:rPr lang="en-US" altLang="en-US" sz="2400"/>
-              <a:t>训练模型</a:t>
-            </a:r>
-            <a:endParaRPr lang="en-US" altLang="en-US" sz="2400"/>
-          </a:p>
-          <a:p>
-            <a:pPr algn="ctr"/>
-            <a:r>
-              <a:rPr lang="en-US" altLang="en-US" sz="2400"/>
-              <a:t>(training)</a:t>
-            </a:r>
-            <a:endParaRPr lang="en-US" altLang="en-US" sz="2400"/>
-          </a:p>
-        </p:txBody>
-      </p:sp>
-      <p:sp>
-        <p:nvSpPr>
-          <p:cNvPr id="10" name="Rectangle 9"/>
-          <p:cNvSpPr/>
-          <p:nvPr/>
-        </p:nvSpPr>
-        <p:spPr>
-          <a:xfrm>
-            <a:off x="7322185" y="3649980"/>
-            <a:ext cx="2214245" cy="986155"/>
-          </a:xfrm>
-          <a:prstGeom prst="rect">
-            <a:avLst/>
-          </a:prstGeom>
-          <a:ln w="66675" cmpd="sng">
-            <a:solidFill>
-              <a:schemeClr val="accent1"/>
-            </a:solidFill>
-            <a:prstDash val="solid"/>
-          </a:ln>
-        </p:spPr>
-        <p:style>
-          <a:lnRef idx="2">
-            <a:schemeClr val="accent1">
-              <a:shade val="50000"/>
-            </a:schemeClr>
-          </a:lnRef>
-          <a:fillRef idx="1">
-            <a:schemeClr val="accent1"/>
-          </a:fillRef>
-          <a:effectRef idx="0">
-            <a:schemeClr val="accent1"/>
-          </a:effectRef>
-          <a:fontRef idx="minor">
-            <a:schemeClr val="lt1"/>
-          </a:fontRef>
-        </p:style>
-        <p:txBody>
-          <a:bodyPr rtlCol="0" anchor="ctr"/>
-          <a:p>
-            <a:pPr algn="ctr"/>
-            <a:r>
-              <a:rPr lang="en-US" altLang="en-US" sz="2400"/>
-              <a:t>测试表现</a:t>
-            </a:r>
-            <a:endParaRPr lang="en-US" altLang="en-US" sz="2400"/>
-          </a:p>
-          <a:p>
-            <a:pPr algn="ctr"/>
-            <a:r>
-              <a:rPr lang="en-US" altLang="en-US" sz="2400"/>
-              <a:t>(test)</a:t>
-            </a:r>
-            <a:endParaRPr lang="en-US" altLang="en-US" sz="2400"/>
-          </a:p>
-        </p:txBody>
-      </p:sp>
-      <p:sp>
-        <p:nvSpPr>
-          <p:cNvPr id="11" name="Rectangle 10"/>
-          <p:cNvSpPr/>
-          <p:nvPr/>
-        </p:nvSpPr>
-        <p:spPr>
-          <a:xfrm>
-            <a:off x="9247505" y="2151380"/>
-            <a:ext cx="2357755" cy="986155"/>
-          </a:xfrm>
-          <a:prstGeom prst="rect">
-            <a:avLst/>
-          </a:prstGeom>
-          <a:ln w="66675" cmpd="sng">
-            <a:solidFill>
-              <a:schemeClr val="accent1"/>
-            </a:solidFill>
-            <a:prstDash val="solid"/>
-          </a:ln>
-        </p:spPr>
-        <p:style>
-          <a:lnRef idx="2">
-            <a:schemeClr val="accent1">
-              <a:shade val="50000"/>
-            </a:schemeClr>
-          </a:lnRef>
-          <a:fillRef idx="1">
-            <a:schemeClr val="accent1"/>
-          </a:fillRef>
-          <a:effectRef idx="0">
-            <a:schemeClr val="accent1"/>
-          </a:effectRef>
-          <a:fontRef idx="minor">
-            <a:schemeClr val="lt1"/>
-          </a:fontRef>
-        </p:style>
-        <p:txBody>
-          <a:bodyPr rtlCol="0" anchor="ctr"/>
-          <a:p>
-            <a:pPr algn="ctr"/>
-            <a:r>
-              <a:rPr lang="en-US" altLang="en-US" sz="2400"/>
-              <a:t>评估、调整模型</a:t>
-            </a:r>
-            <a:endParaRPr lang="en-US" altLang="en-US" sz="2400"/>
-          </a:p>
-          <a:p>
-            <a:pPr algn="ctr"/>
-            <a:r>
-              <a:rPr lang="en-US" altLang="en-US" sz="2400"/>
-              <a:t>(validation)</a:t>
-            </a:r>
-            <a:endParaRPr lang="en-US" altLang="en-US" sz="2400"/>
-          </a:p>
-        </p:txBody>
-      </p:sp>
-      <p:cxnSp>
-        <p:nvCxnSpPr>
-          <p:cNvPr id="14" name="Elbow Connector 13"/>
-          <p:cNvCxnSpPr>
-            <a:stCxn id="7" idx="2"/>
-            <a:endCxn id="8" idx="1"/>
-          </p:cNvCxnSpPr>
-          <p:nvPr/>
-        </p:nvCxnSpPr>
-        <p:spPr>
-          <a:xfrm rot="5400000" flipV="1">
-            <a:off x="1800225" y="3273425"/>
-            <a:ext cx="1005840" cy="734060"/>
-          </a:xfrm>
-          <a:prstGeom prst="bentConnector2">
-            <a:avLst/>
-          </a:prstGeom>
-          <a:ln w="66675" cmpd="sng">
-            <a:solidFill>
-              <a:schemeClr val="accent1"/>
-            </a:solidFill>
-            <a:prstDash val="solid"/>
-            <a:tailEnd type="arrow"/>
-          </a:ln>
-        </p:spPr>
-        <p:style>
-          <a:lnRef idx="1">
-            <a:schemeClr val="accent1"/>
-          </a:lnRef>
-          <a:fillRef idx="0">
-            <a:schemeClr val="accent1"/>
-          </a:fillRef>
-          <a:effectRef idx="0">
-            <a:schemeClr val="accent1"/>
-          </a:effectRef>
-          <a:fontRef idx="minor">
-            <a:schemeClr val="tx1"/>
-          </a:fontRef>
-        </p:style>
-      </p:cxnSp>
-      <p:cxnSp>
-        <p:nvCxnSpPr>
-          <p:cNvPr id="15" name="Elbow Connector 14"/>
-          <p:cNvCxnSpPr>
-            <a:stCxn id="8" idx="2"/>
-            <a:endCxn id="9" idx="1"/>
-          </p:cNvCxnSpPr>
-          <p:nvPr/>
-        </p:nvCxnSpPr>
-        <p:spPr>
-          <a:xfrm rot="5400000" flipV="1">
-            <a:off x="3904298" y="4509453"/>
-            <a:ext cx="853440" cy="1106805"/>
-          </a:xfrm>
-          <a:prstGeom prst="bentConnector2">
-            <a:avLst/>
-          </a:prstGeom>
-          <a:ln w="66675" cmpd="sng">
-            <a:solidFill>
-              <a:schemeClr val="accent1"/>
-            </a:solidFill>
-            <a:prstDash val="solid"/>
-            <a:tailEnd type="arrow"/>
-          </a:ln>
-        </p:spPr>
-        <p:style>
-          <a:lnRef idx="1">
-            <a:schemeClr val="accent1"/>
-          </a:lnRef>
-          <a:fillRef idx="0">
-            <a:schemeClr val="accent1"/>
-          </a:fillRef>
-          <a:effectRef idx="0">
-            <a:schemeClr val="accent1"/>
-          </a:effectRef>
-          <a:fontRef idx="minor">
-            <a:schemeClr val="tx1"/>
-          </a:fontRef>
-        </p:style>
-      </p:cxnSp>
-      <p:cxnSp>
-        <p:nvCxnSpPr>
-          <p:cNvPr id="16" name="Elbow Connector 15"/>
-          <p:cNvCxnSpPr>
-            <a:stCxn id="9" idx="3"/>
-            <a:endCxn id="10" idx="2"/>
-          </p:cNvCxnSpPr>
-          <p:nvPr/>
-        </p:nvCxnSpPr>
-        <p:spPr>
-          <a:xfrm flipV="1">
-            <a:off x="7098665" y="4636135"/>
-            <a:ext cx="1342390" cy="853440"/>
-          </a:xfrm>
-          <a:prstGeom prst="bentConnector2">
-            <a:avLst/>
-          </a:prstGeom>
-          <a:ln w="66675" cmpd="sng">
-            <a:solidFill>
-              <a:schemeClr val="accent1"/>
-            </a:solidFill>
-            <a:prstDash val="solid"/>
-            <a:tailEnd type="arrow"/>
-          </a:ln>
-        </p:spPr>
-        <p:style>
-          <a:lnRef idx="1">
-            <a:schemeClr val="accent1"/>
-          </a:lnRef>
-          <a:fillRef idx="0">
-            <a:schemeClr val="accent1"/>
-          </a:fillRef>
-          <a:effectRef idx="0">
-            <a:schemeClr val="accent1"/>
-          </a:effectRef>
-          <a:fontRef idx="minor">
-            <a:schemeClr val="tx1"/>
-          </a:fontRef>
-        </p:style>
-      </p:cxnSp>
-      <p:cxnSp>
-        <p:nvCxnSpPr>
-          <p:cNvPr id="17" name="Elbow Connector 16"/>
-          <p:cNvCxnSpPr>
-            <a:stCxn id="10" idx="3"/>
-            <a:endCxn id="11" idx="2"/>
-          </p:cNvCxnSpPr>
-          <p:nvPr/>
-        </p:nvCxnSpPr>
-        <p:spPr>
-          <a:xfrm flipV="1">
-            <a:off x="9547860" y="3137535"/>
-            <a:ext cx="890270" cy="1005840"/>
-          </a:xfrm>
-          <a:prstGeom prst="bentConnector2">
-            <a:avLst/>
-          </a:prstGeom>
-          <a:ln w="66675" cmpd="sng">
-            <a:solidFill>
-              <a:schemeClr val="accent1"/>
-            </a:solidFill>
-            <a:prstDash val="solid"/>
-            <a:tailEnd type="arrow"/>
-          </a:ln>
-        </p:spPr>
-        <p:style>
-          <a:lnRef idx="1">
-            <a:schemeClr val="accent1"/>
-          </a:lnRef>
-          <a:fillRef idx="0">
-            <a:schemeClr val="accent1"/>
-          </a:fillRef>
-          <a:effectRef idx="0">
-            <a:schemeClr val="accent1"/>
-          </a:effectRef>
-          <a:fontRef idx="minor">
-            <a:schemeClr val="tx1"/>
-          </a:fontRef>
-        </p:style>
-      </p:cxnSp>
-      <p:cxnSp>
-        <p:nvCxnSpPr>
-          <p:cNvPr id="19" name="Elbow Connector 18"/>
-          <p:cNvCxnSpPr>
-            <a:stCxn id="11" idx="0"/>
-            <a:endCxn id="8" idx="0"/>
-          </p:cNvCxnSpPr>
-          <p:nvPr/>
-        </p:nvCxnSpPr>
-        <p:spPr>
-          <a:xfrm rot="16200000" flipH="1" flipV="1">
-            <a:off x="6358573" y="-429577"/>
-            <a:ext cx="1498600" cy="6660515"/>
-          </a:xfrm>
-          <a:prstGeom prst="bentConnector3">
-            <a:avLst>
-              <a:gd name="adj1" fmla="val -46991"/>
-            </a:avLst>
-          </a:prstGeom>
-          <a:ln w="41275">
-            <a:solidFill>
-              <a:srgbClr val="C00000"/>
-            </a:solidFill>
-            <a:prstDash val="sysDot"/>
-            <a:tailEnd type="arrow"/>
-          </a:ln>
-        </p:spPr>
-        <p:style>
-          <a:lnRef idx="1">
-            <a:schemeClr val="accent1"/>
-          </a:lnRef>
-          <a:fillRef idx="0">
-            <a:schemeClr val="accent1"/>
-          </a:fillRef>
-          <a:effectRef idx="0">
-            <a:schemeClr val="accent1"/>
-          </a:effectRef>
-          <a:fontRef idx="minor">
-            <a:schemeClr val="tx1"/>
-          </a:fontRef>
-        </p:style>
-      </p:cxnSp>
-    </p:spTree>
-  </p:cSld>
-  <p:clrMapOvr>
-    <a:masterClrMapping/>
-  </p:clrMapOvr>
-  <p:timing>
-    <p:tnLst>
-      <p:par>
-        <p:cTn id="1" dur="indefinite" restart="never" nodeType="tmRoot">
-          <p:childTnLst>
-            <p:seq concurrent="1" nextAc="seek">
-              <p:cTn id="2" dur="indefinite" nodeType="mainSeq">
-                <p:childTnLst>
-                  <p:par>
-                    <p:cTn id="3" fill="hold">
-                      <p:stCondLst>
-                        <p:cond delay="indefinite"/>
-                      </p:stCondLst>
-                      <p:childTnLst>
-                        <p:par>
-                          <p:cTn id="4" fill="hold">
-                            <p:stCondLst>
-                              <p:cond delay="0"/>
-                            </p:stCondLst>
-                            <p:childTnLst>
-                              <p:par>
-                                <p:cTn id="5" presetID="2" presetClass="entr" presetSubtype="4" fill="hold" nodeType="clickEffect">
-                                  <p:stCondLst>
-                                    <p:cond delay="0"/>
-                                  </p:stCondLst>
-                                  <p:childTnLst>
-                                    <p:set>
-                                      <p:cBhvr>
-                                        <p:cTn id="6" dur="1" fill="hold">
-                                          <p:stCondLst>
-                                            <p:cond delay="0"/>
-                                          </p:stCondLst>
-                                        </p:cTn>
-                                        <p:tgtEl>
-                                          <p:spTgt spid="19"/>
-                                        </p:tgtEl>
-                                        <p:attrNameLst>
-                                          <p:attrName>style.visibility</p:attrName>
-                                        </p:attrNameLst>
-                                      </p:cBhvr>
-                                      <p:to>
-                                        <p:strVal val="visible"/>
-                                      </p:to>
-                                    </p:set>
-                                    <p:anim calcmode="lin" valueType="num">
-                                      <p:cBhvr additive="base">
-                                        <p:cTn id="7" dur="500" fill="hold"/>
-                                        <p:tgtEl>
-                                          <p:spTgt spid="19"/>
-                                        </p:tgtEl>
-                                        <p:attrNameLst>
-                                          <p:attrName>ppt_x</p:attrName>
-                                        </p:attrNameLst>
-                                      </p:cBhvr>
-                                      <p:tavLst>
-                                        <p:tav tm="0">
-                                          <p:val>
-                                            <p:strVal val="#ppt_x"/>
-                                          </p:val>
-                                        </p:tav>
-                                        <p:tav tm="100000">
-                                          <p:val>
-                                            <p:strVal val="#ppt_x"/>
-                                          </p:val>
-                                        </p:tav>
-                                      </p:tavLst>
-                                    </p:anim>
-                                    <p:anim calcmode="lin" valueType="num">
-                                      <p:cBhvr additive="base">
-                                        <p:cTn id="8" dur="500" fill="hold"/>
-                                        <p:tgtEl>
-                                          <p:spTgt spid="19"/>
-                                        </p:tgtEl>
-                                        <p:attrNameLst>
-                                          <p:attrName>ppt_y</p:attrName>
-                                        </p:attrNameLst>
-                                      </p:cBhvr>
-                                      <p:tavLst>
-                                        <p:tav tm="0">
-                                          <p:val>
-                                            <p:strVal val="1+#ppt_h/2"/>
-                                          </p:val>
-                                        </p:tav>
-                                        <p:tav tm="100000">
-                                          <p:val>
-                                            <p:strVal val="#ppt_y"/>
-                                          </p:val>
-                                        </p:tav>
-                                      </p:tavLst>
-                                    </p:anim>
-                                  </p:childTnLst>
-                                </p:cTn>
-                              </p:par>
-                            </p:childTnLst>
-                          </p:cTn>
-                        </p:par>
-                      </p:childTnLst>
-                    </p:cTn>
-                  </p:par>
-                  <p:par>
-                    <p:cTn id="9" fill="hold">
-                      <p:stCondLst>
-                        <p:cond delay="indefinite"/>
-                      </p:stCondLst>
-                      <p:childTnLst>
-                        <p:par>
-                          <p:cTn id="10" fill="hold">
-                            <p:stCondLst>
-                              <p:cond delay="0"/>
-                            </p:stCondLst>
-                            <p:childTnLst>
-                              <p:par>
-                                <p:cTn id="11" presetID="1" presetClass="entr" presetSubtype="0" fill="hold" nodeType="clickEffect">
-                                  <p:stCondLst>
-                                    <p:cond delay="0"/>
-                                  </p:stCondLst>
-                                  <p:childTnLst>
-                                    <p:set>
-                                      <p:cBhvr>
-                                        <p:cTn id="12" dur="1" fill="hold">
-                                          <p:stCondLst>
-                                            <p:cond delay="0"/>
-                                          </p:stCondLst>
-                                        </p:cTn>
-                                        <p:tgtEl>
-                                          <p:spTgt spid="5"/>
-                                        </p:tgtEl>
-                                        <p:attrNameLst>
-                                          <p:attrName>style.visibility</p:attrName>
-                                        </p:attrNameLst>
-                                      </p:cBhvr>
-                                      <p:to>
-                                        <p:strVal val="visible"/>
-                                      </p:to>
-                                    </p:set>
-                                  </p:childTnLst>
-                                </p:cTn>
-                              </p:par>
-                              <p:par>
-                                <p:cTn id="13" presetID="1" presetClass="entr" presetSubtype="0" fill="hold" grpId="0" nodeType="withEffect">
-                                  <p:stCondLst>
-                                    <p:cond delay="0"/>
-                                  </p:stCondLst>
-                                  <p:childTnLst>
-                                    <p:set>
-                                      <p:cBhvr>
-                                        <p:cTn id="14" dur="1" fill="hold">
-                                          <p:stCondLst>
-                                            <p:cond delay="0"/>
-                                          </p:stCondLst>
-                                        </p:cTn>
-                                        <p:tgtEl>
-                                          <p:spTgt spid="4"/>
-                                        </p:tgtEl>
-                                        <p:attrNameLst>
-                                          <p:attrName>style.visibility</p:attrName>
-                                        </p:attrNameLst>
-                                      </p:cBhvr>
-                                      <p:to>
-                                        <p:strVal val="visible"/>
-                                      </p:to>
-                                    </p:set>
-                                  </p:childTnLst>
-                                </p:cTn>
-                              </p:par>
-                            </p:childTnLst>
-                          </p:cTn>
-                        </p:par>
-                      </p:childTnLst>
-                    </p:cTn>
-                  </p:par>
-                </p:childTnLst>
-              </p:cTn>
-              <p:prevCondLst>
-                <p:cond evt="onPrev" delay="0">
-                  <p:tgtEl>
-                    <p:sldTgt/>
-                  </p:tgtEl>
-                </p:cond>
-              </p:prevCondLst>
-              <p:nextCondLst>
-                <p:cond evt="onNext" delay="0">
-                  <p:tgtEl>
-                    <p:sldTgt/>
-                  </p:tgtEl>
-                </p:cond>
-              </p:nextCondLst>
-            </p:seq>
-          </p:childTnLst>
-        </p:cTn>
-      </p:par>
-    </p:tnLst>
-    <p:bldLst>
-      <p:bldP spid="4" grpId="0" bldLvl="0" animBg="1"/>
-      <p:bldP spid="4" grpId="1"/>
-    </p:bldLst>
-  </p:timing>
-</p:sld>
-</file>
-
-<file path=ppt/slides/slide8.xml><?xml version="1.0" encoding="utf-8"?>
-<p:sld xmlns:a="http://schemas.openxmlformats.org/drawingml/2006/main" xmlns:r="http://schemas.openxmlformats.org/officeDocument/2006/relationships" xmlns:p="http://schemas.openxmlformats.org/presentationml/2006/main">
-  <p:cSld>
-    <p:spTree>
-      <p:nvGrpSpPr>
-        <p:cNvPr id="1" name=""/>
-        <p:cNvGrpSpPr/>
-        <p:nvPr/>
-      </p:nvGrpSpPr>
-      <p:grpSpPr/>
-      <p:sp>
-        <p:nvSpPr>
-          <p:cNvPr id="2" name="Title 1"/>
-          <p:cNvSpPr>
-            <a:spLocks noGrp="1"/>
-          </p:cNvSpPr>
-          <p:nvPr>
-            <p:ph type="title"/>
-          </p:nvPr>
-        </p:nvSpPr>
-        <p:spPr/>
-        <p:txBody>
-          <a:bodyPr/>
-          <a:p>
-            <a:r>
-              <a:rPr lang="en-US" altLang="en-US" b="1"/>
-              <a:t>sklearn 三句话</a:t>
-            </a:r>
-            <a:endParaRPr lang="en-US" altLang="en-US" b="1"/>
-          </a:p>
-        </p:txBody>
-      </p:sp>
-      <p:sp>
-        <p:nvSpPr>
-          <p:cNvPr id="3" name="Content Placeholder 2"/>
-          <p:cNvSpPr>
-            <a:spLocks noGrp="1"/>
-          </p:cNvSpPr>
-          <p:nvPr>
-            <p:ph idx="1"/>
-          </p:nvPr>
-        </p:nvSpPr>
-        <p:spPr>
-          <a:xfrm>
-            <a:off x="838200" y="2078355"/>
-            <a:ext cx="5426710" cy="4874895"/>
-          </a:xfrm>
-        </p:spPr>
-        <p:txBody>
-          <a:bodyPr>
-            <a:normAutofit/>
-          </a:bodyPr>
-          <a:p>
-            <a:pPr marL="0" indent="0">
-              <a:lnSpc>
-                <a:spcPct val="150000"/>
-              </a:lnSpc>
-              <a:buNone/>
-            </a:pPr>
-            <a:r>
-              <a:rPr lang="en-US" altLang="en-US" sz="2400" b="1">
-                <a:solidFill>
-                  <a:srgbClr val="C00000"/>
-                </a:solidFill>
-              </a:rPr>
-              <a:t>model = ***.***() </a:t>
-            </a:r>
-            <a:endParaRPr lang="en-US" altLang="en-US" sz="2400" b="1">
-              <a:solidFill>
-                <a:srgbClr val="C00000"/>
-              </a:solidFill>
-            </a:endParaRPr>
-          </a:p>
-          <a:p>
-            <a:pPr marL="0" indent="0">
-              <a:lnSpc>
-                <a:spcPct val="150000"/>
-              </a:lnSpc>
-              <a:buNone/>
-            </a:pPr>
-            <a:endParaRPr lang="en-US" altLang="en-US" sz="2400" b="1">
-              <a:solidFill>
-                <a:srgbClr val="C00000"/>
-              </a:solidFill>
-            </a:endParaRPr>
-          </a:p>
-          <a:p>
-            <a:pPr marL="0" indent="0">
-              <a:lnSpc>
-                <a:spcPct val="150000"/>
-              </a:lnSpc>
-              <a:buNone/>
-            </a:pPr>
-            <a:r>
-              <a:rPr lang="en-US" altLang="en-US" sz="2400" b="1">
-                <a:solidFill>
-                  <a:srgbClr val="C00000"/>
-                </a:solidFill>
-              </a:rPr>
-              <a:t>model.fit(X,y)</a:t>
-            </a:r>
-            <a:endParaRPr lang="en-US" altLang="en-US" sz="2400" b="1">
-              <a:solidFill>
-                <a:srgbClr val="C00000"/>
-              </a:solidFill>
-            </a:endParaRPr>
-          </a:p>
-          <a:p>
-            <a:pPr marL="0" indent="0">
-              <a:lnSpc>
-                <a:spcPct val="150000"/>
-              </a:lnSpc>
-              <a:buNone/>
-            </a:pPr>
-            <a:endParaRPr lang="en-US" altLang="en-US" sz="2400" b="1">
-              <a:solidFill>
-                <a:srgbClr val="C00000"/>
-              </a:solidFill>
-            </a:endParaRPr>
-          </a:p>
-          <a:p>
-            <a:pPr marL="0" indent="0">
-              <a:lnSpc>
-                <a:spcPct val="150000"/>
-              </a:lnSpc>
-              <a:buNone/>
-            </a:pPr>
-            <a:r>
-              <a:rPr lang="en-US" altLang="en-US" sz="2400" b="1">
-                <a:solidFill>
-                  <a:srgbClr val="C00000"/>
-                </a:solidFill>
-              </a:rPr>
-              <a:t>y_predict = model.predict(X)</a:t>
-            </a:r>
-            <a:endParaRPr lang="en-US" altLang="en-US" sz="2400" b="1">
-              <a:solidFill>
-                <a:srgbClr val="C00000"/>
-              </a:solidFill>
-            </a:endParaRPr>
-          </a:p>
-        </p:txBody>
-      </p:sp>
-      <p:pic>
-        <p:nvPicPr>
-          <p:cNvPr id="6" name="Picture 5"/>
-          <p:cNvPicPr>
-            <a:picLocks noChangeAspect="1"/>
-          </p:cNvPicPr>
-          <p:nvPr/>
-        </p:nvPicPr>
-        <p:blipFill>
-          <a:blip r:embed="rId1"/>
-          <a:srcRect t="27813"/>
-          <a:stretch>
-            <a:fillRect/>
-          </a:stretch>
-        </p:blipFill>
-        <p:spPr>
-          <a:xfrm>
-            <a:off x="7698105" y="2078355"/>
-            <a:ext cx="3515995" cy="2538095"/>
-          </a:xfrm>
-          <a:prstGeom prst="rect">
-            <a:avLst/>
-          </a:prstGeom>
-        </p:spPr>
-      </p:pic>
-      <p:sp>
-        <p:nvSpPr>
-          <p:cNvPr id="12" name="Text Box 11"/>
-          <p:cNvSpPr txBox="1"/>
-          <p:nvPr/>
-        </p:nvSpPr>
-        <p:spPr>
-          <a:xfrm>
-            <a:off x="7813675" y="4514215"/>
-            <a:ext cx="3540125" cy="1383665"/>
-          </a:xfrm>
-          <a:prstGeom prst="rect">
-            <a:avLst/>
-          </a:prstGeom>
-          <a:noFill/>
-        </p:spPr>
-        <p:txBody>
-          <a:bodyPr wrap="square" rtlCol="0" anchor="t">
-            <a:spAutoFit/>
-          </a:bodyPr>
-          <a:p>
-            <a:pPr algn="ctr">
-              <a:lnSpc>
-                <a:spcPct val="150000"/>
-              </a:lnSpc>
-            </a:pPr>
-            <a:r>
-              <a:rPr lang="en-US" altLang="en-US" sz="2800" b="1">
-                <a:sym typeface="+mn-ea"/>
-              </a:rPr>
-              <a:t>这素质三连，</a:t>
-            </a:r>
-            <a:endParaRPr lang="en-US" altLang="en-US" sz="2800" b="1">
-              <a:sym typeface="+mn-ea"/>
-            </a:endParaRPr>
-          </a:p>
-          <a:p>
-            <a:pPr algn="ctr">
-              <a:lnSpc>
-                <a:spcPct val="150000"/>
-              </a:lnSpc>
-            </a:pPr>
-            <a:r>
-              <a:rPr lang="en-US" altLang="en-US" sz="2800" b="1">
-                <a:sym typeface="+mn-ea"/>
-              </a:rPr>
-              <a:t>给跪了</a:t>
-            </a:r>
-            <a:endParaRPr lang="en-US" altLang="en-US" sz="2800" b="1">
-              <a:sym typeface="+mn-ea"/>
-            </a:endParaRPr>
-          </a:p>
-        </p:txBody>
-      </p:sp>
-    </p:spTree>
-  </p:cSld>
-  <p:clrMapOvr>
-    <a:masterClrMapping/>
-  </p:clrMapOvr>
-  <p:timing>
-    <p:tnLst>
-      <p:par>
-        <p:cTn id="1" dur="indefinite" restart="never" nodeType="tmRoot"/>
-      </p:par>
-    </p:tnLst>
-  </p:timing>
-</p:sld>
-</file>
-
-<file path=ppt/slides/slide9.xml><?xml version="1.0" encoding="utf-8"?>
-<p:sld xmlns:a="http://schemas.openxmlformats.org/drawingml/2006/main" xmlns:r="http://schemas.openxmlformats.org/officeDocument/2006/relationships" xmlns:p="http://schemas.openxmlformats.org/presentationml/2006/main">
-  <p:cSld>
-    <p:spTree>
-      <p:nvGrpSpPr>
-        <p:cNvPr id="1" name=""/>
-        <p:cNvGrpSpPr/>
-        <p:nvPr/>
-      </p:nvGrpSpPr>
-      <p:grpSpPr/>
-      <p:sp>
-        <p:nvSpPr>
-          <p:cNvPr id="2" name="Title 1"/>
-          <p:cNvSpPr>
-            <a:spLocks noGrp="1"/>
-          </p:cNvSpPr>
-          <p:nvPr>
-            <p:ph type="title"/>
-          </p:nvPr>
-        </p:nvSpPr>
-        <p:spPr/>
-        <p:txBody>
-          <a:bodyPr/>
-          <a:p>
-            <a:r>
-              <a:rPr lang="en-US" altLang="en-US" b="1"/>
-              <a:t>举例：鸢尾花（Iris）数据集</a:t>
-            </a:r>
-            <a:endParaRPr lang="en-US" altLang="en-US" b="1"/>
-          </a:p>
-        </p:txBody>
-      </p:sp>
-      <p:pic>
-        <p:nvPicPr>
-          <p:cNvPr id="3" name="Picture 2"/>
-          <p:cNvPicPr>
-            <a:picLocks noChangeAspect="1"/>
-          </p:cNvPicPr>
-          <p:nvPr/>
-        </p:nvPicPr>
-        <p:blipFill>
-          <a:blip r:embed="rId1"/>
-          <a:stretch>
-            <a:fillRect/>
-          </a:stretch>
-        </p:blipFill>
-        <p:spPr>
-          <a:xfrm>
-            <a:off x="588645" y="1748790"/>
-            <a:ext cx="11015345" cy="3360420"/>
-          </a:xfrm>
-          <a:prstGeom prst="rect">
-            <a:avLst/>
-          </a:prstGeom>
-        </p:spPr>
-      </p:pic>
-      <p:sp>
-        <p:nvSpPr>
-          <p:cNvPr id="4" name="Text Box 3"/>
-          <p:cNvSpPr txBox="1"/>
-          <p:nvPr/>
-        </p:nvSpPr>
-        <p:spPr>
-          <a:xfrm>
-            <a:off x="52705" y="5109210"/>
-            <a:ext cx="12191365" cy="1568450"/>
-          </a:xfrm>
-          <a:prstGeom prst="rect">
-            <a:avLst/>
-          </a:prstGeom>
-          <a:noFill/>
-        </p:spPr>
-        <p:txBody>
-          <a:bodyPr wrap="square" rtlCol="0" anchor="t">
-            <a:spAutoFit/>
-          </a:bodyPr>
-          <a:p>
-            <a:pPr algn="ctr"/>
-            <a:endParaRPr lang="en-US" sz="2400" b="1"/>
-          </a:p>
-          <a:p>
-            <a:pPr algn="ctr"/>
-            <a:r>
-              <a:rPr lang="en-US" sz="2400" b="1"/>
-              <a:t>数据集包含150行，有三种不同的Iris品种</a:t>
-            </a:r>
-            <a:r>
-              <a:rPr lang="en-US" altLang="en-US" sz="2400" b="1"/>
-              <a:t>（setosa, versicolor, virginica）</a:t>
-            </a:r>
-            <a:r>
-              <a:rPr lang="en-US" sz="2400" b="1"/>
-              <a:t>。</a:t>
-            </a:r>
-            <a:endParaRPr lang="en-US" sz="2400" b="1"/>
-          </a:p>
-          <a:p>
-            <a:pPr algn="ctr"/>
-            <a:endParaRPr lang="en-US" sz="2400" b="1"/>
-          </a:p>
-          <a:p>
-            <a:pPr algn="ctr"/>
-            <a:r>
-              <a:rPr lang="en-US" sz="2400" b="1"/>
-              <a:t>每一行数据包含了萼片</a:t>
-            </a:r>
-            <a:r>
-              <a:rPr lang="en-US" altLang="en-US" sz="2400" b="1"/>
-              <a:t>（sepal）、花瓣（petal）的长宽度</a:t>
-            </a:r>
-            <a:r>
-              <a:rPr lang="en-US" sz="2400" b="1"/>
-              <a:t>信息</a:t>
-            </a:r>
-            <a:r>
-              <a:rPr lang="en-US" altLang="en-US" sz="2400" b="1"/>
-              <a:t>，标注了品种。</a:t>
-            </a:r>
-            <a:endParaRPr lang="en-US" altLang="en-US" sz="2400" b="1"/>
-          </a:p>
-        </p:txBody>
-      </p:sp>
-    </p:spTree>
-  </p:cSld>
-  <p:clrMapOvr>
-    <a:masterClrMapping/>
-  </p:clrMapOvr>
 </p:sld>
 </file>
 

--- a/week5_ml_concepts.pptx
+++ b/week5_ml_concepts.pptx
@@ -4388,35 +4388,6 @@
           </a:prstGeom>
         </p:spPr>
       </p:pic>
-      <p:sp>
-        <p:nvSpPr>
-          <p:cNvPr id="6" name="Text Box 5"/>
-          <p:cNvSpPr txBox="1"/>
-          <p:nvPr/>
-        </p:nvSpPr>
-        <p:spPr>
-          <a:xfrm>
-            <a:off x="4826000" y="2829560"/>
-            <a:ext cx="2540000" cy="1198880"/>
-          </a:xfrm>
-          <a:prstGeom prst="rect">
-            <a:avLst/>
-          </a:prstGeom>
-          <a:noFill/>
-        </p:spPr>
-        <p:txBody>
-          <a:bodyPr wrap="square" rtlCol="0" anchor="t">
-            <a:spAutoFit/>
-          </a:bodyPr>
-          <a:p>
-            <a:r>
-              <a:rPr lang="en-US"/>
-              <a:t>model_selection.cross_validate(model, X,y, cv=5, scoring='accuracy' )</a:t>
-            </a:r>
-            <a:endParaRPr lang="en-US"/>
-          </a:p>
-        </p:txBody>
-      </p:sp>
     </p:spTree>
   </p:cSld>
   <p:clrMapOvr>
@@ -6741,7 +6712,7 @@
         <p:spPr>
           <a:xfrm>
             <a:off x="838200" y="1825625"/>
-            <a:ext cx="6731000" cy="4351655"/>
+            <a:ext cx="6998335" cy="4793615"/>
           </a:xfrm>
         </p:spPr>
         <p:txBody>
@@ -6749,13 +6720,14 @@
             <a:noAutofit/>
           </a:bodyPr>
           <a:p>
-            <a:pPr>
+            <a:pPr marL="0" indent="0">
               <a:lnSpc>
                 <a:spcPct val="120000"/>
               </a:lnSpc>
               <a:spcAft>
                 <a:spcPts val="0"/>
               </a:spcAft>
+              <a:buNone/>
             </a:pPr>
             <a:r>
               <a:rPr lang="en-US" altLang="en-US" b="1">
@@ -6793,33 +6765,6 @@
             <a:endParaRPr altLang="en-US" b="1"/>
           </a:p>
           <a:p>
-            <a:pPr>
-              <a:lnSpc>
-                <a:spcPct val="120000"/>
-              </a:lnSpc>
-              <a:spcAft>
-                <a:spcPts val="0"/>
-              </a:spcAft>
-            </a:pPr>
-            <a:r>
-              <a:rPr lang="en-US" b="1"/>
-              <a:t>测试集 (</a:t>
-            </a:r>
-            <a:r>
-              <a:rPr altLang="en-US" b="1"/>
-              <a:t>test set</a:t>
-            </a:r>
-            <a:r>
-              <a:rPr lang="en-US" b="1"/>
-              <a:t>)</a:t>
-            </a:r>
-            <a:r>
-              <a:rPr altLang="en-US" b="1"/>
-              <a:t> 则纯粹是为了测试已经训练好的模型的推广能力。</a:t>
-            </a:r>
-            <a:endParaRPr altLang="en-US" b="1"/>
-          </a:p>
-          <a:p>
             <a:pPr marL="0" indent="0">
               <a:lnSpc>
                 <a:spcPct val="120000"/>
@@ -6830,6 +6775,34 @@
               <a:buNone/>
             </a:pPr>
             <a:r>
+              <a:rPr lang="en-US" b="1"/>
+              <a:t>测试集 (</a:t>
+            </a:r>
+            <a:r>
+              <a:rPr altLang="en-US" b="1"/>
+              <a:t>test set</a:t>
+            </a:r>
+            <a:r>
+              <a:rPr lang="en-US" b="1"/>
+              <a:t>)</a:t>
+            </a:r>
+            <a:r>
+              <a:rPr altLang="en-US" b="1"/>
+              <a:t> 则纯粹是为了测试已经训练好的模型的推广能力。</a:t>
+            </a:r>
+            <a:endParaRPr altLang="en-US" b="1"/>
+          </a:p>
+          <a:p>
+            <a:pPr marL="0" indent="0">
+              <a:lnSpc>
+                <a:spcPct val="120000"/>
+              </a:lnSpc>
+              <a:spcAft>
+                <a:spcPts val="0"/>
+              </a:spcAft>
+              <a:buNone/>
+            </a:pPr>
+            <a:r>
               <a:rPr altLang="en-US" b="1"/>
               <a:t> </a:t>
             </a:r>
@@ -6858,7 +6831,31 @@
             </a:r>
             <a:r>
               <a:rPr lang="en-US" b="1"/>
-              <a:t>，且</a:t>
+              <a:t>，</a:t>
+            </a:r>
+            <a:r>
+              <a:rPr lang="" altLang="en-US" b="1">
+                <a:solidFill>
+                  <a:srgbClr val="C00000"/>
+                </a:solidFill>
+              </a:rPr>
+              <a:t>不同的噪音</a:t>
+            </a:r>
+            <a:r>
+              <a:rPr lang="" altLang="en-US" b="1"/>
+              <a:t>，</a:t>
+            </a:r>
+            <a:r>
+              <a:rPr lang="en-US" b="1"/>
+              <a:t>且</a:t>
+            </a:r>
+            <a:r>
+              <a:rPr lang="" altLang="en-US" b="1">
+                <a:solidFill>
+                  <a:srgbClr val="C00000"/>
+                </a:solidFill>
+              </a:rPr>
+              <a:t>没</a:t>
             </a:r>
             <a:r>
               <a:rPr lang="en-US" b="1">
@@ -6866,7 +6863,7 @@
                   <a:srgbClr val="FF0000"/>
                 </a:solidFill>
               </a:rPr>
-              <a:t>不能有交集</a:t>
+              <a:t>有交集</a:t>
             </a:r>
             <a:r>
               <a:rPr lang="en-US" b="1"/>
@@ -7051,7 +7048,7 @@
                                         <p:tgtEl>
                                           <p:spTgt spid="3">
                                             <p:txEl>
-                                              <p:pRg st="3" end="3"/>
+                                              <p:pRg st="0" end="0"/>
                                             </p:txEl>
                                           </p:spTgt>
                                         </p:tgtEl>
@@ -7100,7 +7097,7 @@
                                         <p:tgtEl>
                                           <p:spTgt spid="3">
                                             <p:txEl>
-                                              <p:pRg st="4" end="4"/>
+                                              <p:pRg st="2" end="2"/>
                                             </p:txEl>
                                           </p:spTgt>
                                         </p:tgtEl>
@@ -7149,7 +7146,7 @@
                                         <p:tgtEl>
                                           <p:spTgt spid="3">
                                             <p:txEl>
-                                              <p:pRg st="0" end="0"/>
+                                              <p:pRg st="4" end="4"/>
                                             </p:txEl>
                                           </p:spTgt>
                                         </p:tgtEl>
@@ -7183,7 +7180,7 @@
                             </p:stCondLst>
                             <p:childTnLst>
                               <p:par>
-                                <p:cTn id="17" presetID="1" presetClass="entr" presetSubtype="0" fill="hold" nodeType="clickEffect">
+                                <p:cTn id="17" presetID="1" presetClass="entr" presetSubtype="0" fill="hold" grpId="0" nodeType="clickEffect">
                                   <p:stCondLst>
                                     <p:cond delay="0"/>
                                   </p:stCondLst>
@@ -7196,11 +7193,7 @@
                                           </p:stCondLst>
                                         </p:cTn>
                                         <p:tgtEl>
-                                          <p:spTgt spid="3">
-                                            <p:txEl>
-                                              <p:pRg st="2" end="2"/>
-                                            </p:txEl>
-                                          </p:spTgt>
+                                          <p:spTgt spid="7"/>
                                         </p:tgtEl>
                                         <p:attrNameLst>
                                           <p:attrName>style.visibility</p:attrName>
@@ -7214,7 +7207,7 @@
                                 </p:cTn>
                               </p:par>
                               <p:par>
-                                <p:cTn id="19" presetID="1" presetClass="entr" presetSubtype="0" fill="hold" grpId="0" nodeType="withEffect">
+                                <p:cTn id="19" presetID="1" presetClass="entr" presetSubtype="0" fill="hold" nodeType="withEffect">
                                   <p:stCondLst>
                                     <p:cond delay="0"/>
                                   </p:stCondLst>
@@ -7227,7 +7220,7 @@
                                           </p:stCondLst>
                                         </p:cTn>
                                         <p:tgtEl>
-                                          <p:spTgt spid="7"/>
+                                          <p:spTgt spid="8"/>
                                         </p:tgtEl>
                                         <p:attrNameLst>
                                           <p:attrName>style.visibility</p:attrName>
@@ -7468,7 +7461,7 @@
                             </p:stCondLst>
                             <p:childTnLst>
                               <p:par>
-                                <p:cTn id="5" presetID="2" presetClass="entr" presetSubtype="4" fill="hold" grpId="0" nodeType="clickEffect">
+                                <p:cTn id="5" presetID="1" presetClass="entr" presetSubtype="0" fill="hold" grpId="0" nodeType="clickEffect">
                                   <p:stCondLst>
                                     <p:cond delay="0"/>
                                   </p:stCondLst>
@@ -7476,6 +7469,51 @@
                                     <p:set>
                                       <p:cBhvr>
                                         <p:cTn id="6" dur="1" fill="hold">
+                                          <p:stCondLst>
+                                            <p:cond delay="0"/>
+                                          </p:stCondLst>
+                                        </p:cTn>
+                                        <p:tgtEl>
+                                          <p:spTgt spid="6"/>
+                                        </p:tgtEl>
+                                        <p:attrNameLst>
+                                          <p:attrName>style.visibility</p:attrName>
+                                        </p:attrNameLst>
+                                      </p:cBhvr>
+                                      <p:to>
+                                        <p:strVal val="visible"/>
+                                      </p:to>
+                                    </p:set>
+                                  </p:childTnLst>
+                                </p:cTn>
+                              </p:par>
+                            </p:childTnLst>
+                          </p:cTn>
+                        </p:par>
+                      </p:childTnLst>
+                    </p:cTn>
+                  </p:par>
+                  <p:par>
+                    <p:cTn id="7" fill="hold">
+                      <p:stCondLst>
+                        <p:cond delay="indefinite"/>
+                      </p:stCondLst>
+                      <p:childTnLst>
+                        <p:par>
+                          <p:cTn id="8" fill="hold">
+                            <p:stCondLst>
+                              <p:cond delay="0"/>
+                            </p:stCondLst>
+                            <p:childTnLst>
+                              <p:par>
+                                <p:cTn id="9" presetID="2" presetClass="entr" presetSubtype="4" fill="hold" grpId="0" nodeType="clickEffect">
+                                  <p:stCondLst>
+                                    <p:cond delay="0"/>
+                                  </p:stCondLst>
+                                  <p:childTnLst>
+                                    <p:set>
+                                      <p:cBhvr>
+                                        <p:cTn id="10" dur="1" fill="hold">
                                           <p:stCondLst>
                                             <p:cond delay="0"/>
                                           </p:stCondLst>
@@ -7493,7 +7531,7 @@
                                     </p:set>
                                     <p:anim calcmode="lin" valueType="num">
                                       <p:cBhvr additive="base">
-                                        <p:cTn id="7" dur="500" fill="hold"/>
+                                        <p:cTn id="11" dur="500" fill="hold"/>
                                         <p:tgtEl>
                                           <p:spTgt spid="9"/>
                                         </p:tgtEl>
@@ -7516,7 +7554,7 @@
                                     </p:anim>
                                     <p:anim calcmode="lin" valueType="num">
                                       <p:cBhvr additive="base">
-                                        <p:cTn id="8" dur="500" fill="hold"/>
+                                        <p:cTn id="12" dur="500" fill="hold"/>
                                         <p:tgtEl>
                                           <p:spTgt spid="9"/>
                                         </p:tgtEl>
@@ -7547,26 +7585,26 @@
                     </p:cTn>
                   </p:par>
                   <p:par>
-                    <p:cTn id="9" fill="hold">
+                    <p:cTn id="13" fill="hold">
                       <p:stCondLst>
                         <p:cond delay="indefinite"/>
                       </p:stCondLst>
                       <p:childTnLst>
                         <p:par>
-                          <p:cTn id="10" fill="hold">
+                          <p:cTn id="14" fill="hold">
                             <p:stCondLst>
                               <p:cond delay="0"/>
                             </p:stCondLst>
                             <p:childTnLst>
                               <p:par>
-                                <p:cTn id="11" presetID="2" presetClass="entr" presetSubtype="4" fill="hold" grpId="0" nodeType="clickEffect">
+                                <p:cTn id="15" presetID="2" presetClass="entr" presetSubtype="4" fill="hold" grpId="0" nodeType="clickEffect">
                                   <p:stCondLst>
                                     <p:cond delay="0"/>
                                   </p:stCondLst>
                                   <p:childTnLst>
                                     <p:set>
                                       <p:cBhvr>
-                                        <p:cTn id="12" dur="1" fill="hold">
+                                        <p:cTn id="16" dur="1" fill="hold">
                                           <p:stCondLst>
                                             <p:cond delay="0"/>
                                           </p:stCondLst>
@@ -7584,7 +7622,7 @@
                                     </p:set>
                                     <p:anim calcmode="lin" valueType="num">
                                       <p:cBhvr additive="base">
-                                        <p:cTn id="13" dur="500" fill="hold"/>
+                                        <p:cTn id="17" dur="500" fill="hold"/>
                                         <p:tgtEl>
                                           <p:spTgt spid="10"/>
                                         </p:tgtEl>
@@ -7607,7 +7645,7 @@
                                     </p:anim>
                                     <p:anim calcmode="lin" valueType="num">
                                       <p:cBhvr additive="base">
-                                        <p:cTn id="14" dur="500" fill="hold"/>
+                                        <p:cTn id="18" dur="500" fill="hold"/>
                                         <p:tgtEl>
                                           <p:spTgt spid="10"/>
                                         </p:tgtEl>
@@ -7663,6 +7701,8 @@
       <p:bldP spid="9" grpId="1"/>
       <p:bldP spid="10" grpId="0"/>
       <p:bldP spid="10" grpId="1"/>
+      <p:bldP spid="6" grpId="0"/>
+      <p:bldP spid="6" grpId="1"/>
     </p:bldLst>
   </p:timing>
 </p:sld>
@@ -8473,7 +8513,7 @@
                                         <p:tgtEl>
                                           <p:spTgt spid="3">
                                             <p:txEl>
-                                              <p:pRg st="3" end="3"/>
+                                              <p:pRg st="0" end="0"/>
                                             </p:txEl>
                                           </p:spTgt>
                                         </p:tgtEl>
@@ -8522,7 +8562,7 @@
                                         <p:tgtEl>
                                           <p:spTgt spid="3">
                                             <p:txEl>
-                                              <p:pRg st="0" end="0"/>
+                                              <p:pRg st="1" end="1"/>
                                             </p:txEl>
                                           </p:spTgt>
                                         </p:tgtEl>
@@ -8571,7 +8611,7 @@
                                         <p:tgtEl>
                                           <p:spTgt spid="3">
                                             <p:txEl>
-                                              <p:pRg st="1" end="1"/>
+                                              <p:pRg st="3" end="3"/>
                                             </p:txEl>
                                           </p:spTgt>
                                         </p:tgtEl>
